--- a/SLIDE.pptx
+++ b/SLIDE.pptx
@@ -8046,8 +8046,8 @@
         </p:nvSpPr>
         <p:spPr>
           <a:xfrm>
-            <a:off x="1893681" y="2353366"/>
-            <a:ext cx="5832337" cy="4902199"/>
+            <a:off x="1575629" y="3002722"/>
+            <a:ext cx="6428684" cy="4902199"/>
           </a:xfrm>
         </p:spPr>
         <p:txBody>
@@ -8061,7 +8061,7 @@
               <a:buAutoNum type="arabicPeriod"/>
             </a:pPr>
             <a:r>
-              <a:rPr lang="en-US" sz="2800" err="1">
+              <a:rPr lang="en-US" sz="3200" err="1">
                 <a:solidFill>
                   <a:schemeClr val="tx1"/>
                 </a:solidFill>
@@ -8071,17 +8071,17 @@
               <a:t>Tổng</a:t>
             </a:r>
             <a:r>
-              <a:rPr lang="en-US" sz="2800">
-                <a:solidFill>
-                  <a:schemeClr val="tx1"/>
-                </a:solidFill>
-                <a:latin typeface="Arial" panose="020B0604020202020204" pitchFamily="34" charset="0"/>
-                <a:cs typeface="Arial" panose="020B0604020202020204" pitchFamily="34" charset="0"/>
-              </a:rPr>
-              <a:t> </a:t>
-            </a:r>
-            <a:r>
-              <a:rPr lang="en-US" sz="2800" err="1">
+              <a:rPr lang="en-US" sz="3200">
+                <a:solidFill>
+                  <a:schemeClr val="tx1"/>
+                </a:solidFill>
+                <a:latin typeface="Arial" panose="020B0604020202020204" pitchFamily="34" charset="0"/>
+                <a:cs typeface="Arial" panose="020B0604020202020204" pitchFamily="34" charset="0"/>
+              </a:rPr>
+              <a:t> </a:t>
+            </a:r>
+            <a:r>
+              <a:rPr lang="en-US" sz="3200" err="1">
                 <a:solidFill>
                   <a:schemeClr val="tx1"/>
                 </a:solidFill>
@@ -8091,17 +8091,17 @@
               <a:t>quan</a:t>
             </a:r>
             <a:r>
-              <a:rPr lang="en-US" sz="2800">
-                <a:solidFill>
-                  <a:schemeClr val="tx1"/>
-                </a:solidFill>
-                <a:latin typeface="Arial" panose="020B0604020202020204" pitchFamily="34" charset="0"/>
-                <a:cs typeface="Arial" panose="020B0604020202020204" pitchFamily="34" charset="0"/>
-              </a:rPr>
-              <a:t> </a:t>
-            </a:r>
-            <a:r>
-              <a:rPr lang="en-US" sz="2800" err="1">
+              <a:rPr lang="en-US" sz="3200">
+                <a:solidFill>
+                  <a:schemeClr val="tx1"/>
+                </a:solidFill>
+                <a:latin typeface="Arial" panose="020B0604020202020204" pitchFamily="34" charset="0"/>
+                <a:cs typeface="Arial" panose="020B0604020202020204" pitchFamily="34" charset="0"/>
+              </a:rPr>
+              <a:t> </a:t>
+            </a:r>
+            <a:r>
+              <a:rPr lang="en-US" sz="3200" err="1">
                 <a:solidFill>
                   <a:schemeClr val="tx1"/>
                 </a:solidFill>
@@ -8111,17 +8111,17 @@
               <a:t>về</a:t>
             </a:r>
             <a:r>
-              <a:rPr lang="en-US" sz="2800">
-                <a:solidFill>
-                  <a:schemeClr val="tx1"/>
-                </a:solidFill>
-                <a:latin typeface="Arial" panose="020B0604020202020204" pitchFamily="34" charset="0"/>
-                <a:cs typeface="Arial" panose="020B0604020202020204" pitchFamily="34" charset="0"/>
-              </a:rPr>
-              <a:t> </a:t>
-            </a:r>
-            <a:r>
-              <a:rPr lang="en-US" sz="2800" err="1">
+              <a:rPr lang="en-US" sz="3200">
+                <a:solidFill>
+                  <a:schemeClr val="tx1"/>
+                </a:solidFill>
+                <a:latin typeface="Arial" panose="020B0604020202020204" pitchFamily="34" charset="0"/>
+                <a:cs typeface="Arial" panose="020B0604020202020204" pitchFamily="34" charset="0"/>
+              </a:rPr>
+              <a:t> </a:t>
+            </a:r>
+            <a:r>
+              <a:rPr lang="en-US" sz="3200" err="1">
                 <a:solidFill>
                   <a:schemeClr val="tx1"/>
                 </a:solidFill>
@@ -8131,17 +8131,17 @@
               <a:t>trò</a:t>
             </a:r>
             <a:r>
-              <a:rPr lang="en-US" sz="2800">
-                <a:solidFill>
-                  <a:schemeClr val="tx1"/>
-                </a:solidFill>
-                <a:latin typeface="Arial" panose="020B0604020202020204" pitchFamily="34" charset="0"/>
-                <a:cs typeface="Arial" panose="020B0604020202020204" pitchFamily="34" charset="0"/>
-              </a:rPr>
-              <a:t> </a:t>
-            </a:r>
-            <a:r>
-              <a:rPr lang="en-US" sz="2800" err="1">
+              <a:rPr lang="en-US" sz="3200">
+                <a:solidFill>
+                  <a:schemeClr val="tx1"/>
+                </a:solidFill>
+                <a:latin typeface="Arial" panose="020B0604020202020204" pitchFamily="34" charset="0"/>
+                <a:cs typeface="Arial" panose="020B0604020202020204" pitchFamily="34" charset="0"/>
+              </a:rPr>
+              <a:t> </a:t>
+            </a:r>
+            <a:r>
+              <a:rPr lang="en-US" sz="3200" err="1">
                 <a:solidFill>
                   <a:schemeClr val="tx1"/>
                 </a:solidFill>
@@ -8151,7 +8151,7 @@
               <a:t>ch</a:t>
             </a:r>
             <a:r>
-              <a:rPr lang="vi-VN" sz="2800">
+              <a:rPr lang="vi-VN" sz="3200">
                 <a:solidFill>
                   <a:schemeClr val="tx1"/>
                 </a:solidFill>
@@ -8161,7 +8161,7 @@
               <a:t>ơ</a:t>
             </a:r>
             <a:r>
-              <a:rPr lang="en-US" sz="2800" err="1">
+              <a:rPr lang="en-US" sz="3200" err="1">
                 <a:solidFill>
                   <a:schemeClr val="tx1"/>
                 </a:solidFill>
@@ -8171,17 +8171,17 @@
               <a:t>i</a:t>
             </a:r>
             <a:r>
-              <a:rPr lang="en-US" sz="2800">
-                <a:solidFill>
-                  <a:schemeClr val="tx1"/>
-                </a:solidFill>
-                <a:latin typeface="Arial" panose="020B0604020202020204" pitchFamily="34" charset="0"/>
-                <a:cs typeface="Arial" panose="020B0604020202020204" pitchFamily="34" charset="0"/>
-              </a:rPr>
-              <a:t> </a:t>
-            </a:r>
-            <a:r>
-              <a:rPr lang="en-US" sz="2800" err="1">
+              <a:rPr lang="en-US" sz="3200">
+                <a:solidFill>
+                  <a:schemeClr val="tx1"/>
+                </a:solidFill>
+                <a:latin typeface="Arial" panose="020B0604020202020204" pitchFamily="34" charset="0"/>
+                <a:cs typeface="Arial" panose="020B0604020202020204" pitchFamily="34" charset="0"/>
+              </a:rPr>
+              <a:t> </a:t>
+            </a:r>
+            <a:r>
+              <a:rPr lang="en-US" sz="3200" err="1">
                 <a:solidFill>
                   <a:schemeClr val="tx1"/>
                 </a:solidFill>
@@ -8191,17 +8191,17 @@
               <a:t>cờ</a:t>
             </a:r>
             <a:r>
-              <a:rPr lang="en-US" sz="2800">
-                <a:solidFill>
-                  <a:schemeClr val="tx1"/>
-                </a:solidFill>
-                <a:latin typeface="Arial" panose="020B0604020202020204" pitchFamily="34" charset="0"/>
-                <a:cs typeface="Arial" panose="020B0604020202020204" pitchFamily="34" charset="0"/>
-              </a:rPr>
-              <a:t> </a:t>
-            </a:r>
-            <a:r>
-              <a:rPr lang="en-US" sz="2800" err="1">
+              <a:rPr lang="en-US" sz="3200">
+                <a:solidFill>
+                  <a:schemeClr val="tx1"/>
+                </a:solidFill>
+                <a:latin typeface="Arial" panose="020B0604020202020204" pitchFamily="34" charset="0"/>
+                <a:cs typeface="Arial" panose="020B0604020202020204" pitchFamily="34" charset="0"/>
+              </a:rPr>
+              <a:t> </a:t>
+            </a:r>
+            <a:r>
+              <a:rPr lang="en-US" sz="3200" err="1">
                 <a:solidFill>
                   <a:schemeClr val="tx1"/>
                 </a:solidFill>
@@ -8210,7 +8210,7 @@
               </a:rPr>
               <a:t>caro</a:t>
             </a:r>
-            <a:endParaRPr lang="en-US" sz="2800">
+            <a:endParaRPr lang="en-US" sz="3200">
               <a:solidFill>
                 <a:schemeClr val="tx1"/>
               </a:solidFill>
@@ -8223,7 +8223,7 @@
               <a:buFont typeface="+mj-lt"/>
               <a:buAutoNum type="arabicPeriod"/>
             </a:pPr>
-            <a:endParaRPr lang="en-US" sz="2800">
+            <a:endParaRPr lang="en-US" sz="3200">
               <a:solidFill>
                 <a:schemeClr val="tx1"/>
               </a:solidFill>
@@ -8237,7 +8237,7 @@
               <a:buAutoNum type="arabicPeriod"/>
             </a:pPr>
             <a:r>
-              <a:rPr lang="en-US" sz="2800">
+              <a:rPr lang="en-US" sz="3200">
                 <a:solidFill>
                   <a:schemeClr val="tx1"/>
                 </a:solidFill>
@@ -8247,7 +8247,7 @@
               <a:t> Ph</a:t>
             </a:r>
             <a:r>
-              <a:rPr lang="vi-VN" sz="2800">
+              <a:rPr lang="vi-VN" sz="3200">
                 <a:solidFill>
                   <a:schemeClr val="tx1"/>
                 </a:solidFill>
@@ -8257,7 +8257,7 @@
               <a:t>ư</a:t>
             </a:r>
             <a:r>
-              <a:rPr lang="en-US" sz="2800" err="1">
+              <a:rPr lang="en-US" sz="3200" err="1">
                 <a:solidFill>
                   <a:schemeClr val="tx1"/>
                 </a:solidFill>
@@ -8267,17 +8267,17 @@
               <a:t>ơng</a:t>
             </a:r>
             <a:r>
-              <a:rPr lang="en-US" sz="2800">
-                <a:solidFill>
-                  <a:schemeClr val="tx1"/>
-                </a:solidFill>
-                <a:latin typeface="Arial" panose="020B0604020202020204" pitchFamily="34" charset="0"/>
-                <a:cs typeface="Arial" panose="020B0604020202020204" pitchFamily="34" charset="0"/>
-              </a:rPr>
-              <a:t> </a:t>
-            </a:r>
-            <a:r>
-              <a:rPr lang="en-US" sz="2800" err="1">
+              <a:rPr lang="en-US" sz="3200">
+                <a:solidFill>
+                  <a:schemeClr val="tx1"/>
+                </a:solidFill>
+                <a:latin typeface="Arial" panose="020B0604020202020204" pitchFamily="34" charset="0"/>
+                <a:cs typeface="Arial" panose="020B0604020202020204" pitchFamily="34" charset="0"/>
+              </a:rPr>
+              <a:t> </a:t>
+            </a:r>
+            <a:r>
+              <a:rPr lang="en-US" sz="3200" err="1">
                 <a:solidFill>
                   <a:schemeClr val="tx1"/>
                 </a:solidFill>
@@ -8287,17 +8287,17 @@
               <a:t>pháp</a:t>
             </a:r>
             <a:r>
-              <a:rPr lang="en-US" sz="2800">
-                <a:solidFill>
-                  <a:schemeClr val="tx1"/>
-                </a:solidFill>
-                <a:latin typeface="Arial" panose="020B0604020202020204" pitchFamily="34" charset="0"/>
-                <a:cs typeface="Arial" panose="020B0604020202020204" pitchFamily="34" charset="0"/>
-              </a:rPr>
-              <a:t> </a:t>
-            </a:r>
-            <a:r>
-              <a:rPr lang="en-US" sz="2800" err="1">
+              <a:rPr lang="en-US" sz="3200">
+                <a:solidFill>
+                  <a:schemeClr val="tx1"/>
+                </a:solidFill>
+                <a:latin typeface="Arial" panose="020B0604020202020204" pitchFamily="34" charset="0"/>
+                <a:cs typeface="Arial" panose="020B0604020202020204" pitchFamily="34" charset="0"/>
+              </a:rPr>
+              <a:t> </a:t>
+            </a:r>
+            <a:r>
+              <a:rPr lang="en-US" sz="3200" err="1">
                 <a:solidFill>
                   <a:schemeClr val="tx1"/>
                 </a:solidFill>
@@ -8307,17 +8307,17 @@
               <a:t>xây</a:t>
             </a:r>
             <a:r>
-              <a:rPr lang="en-US" sz="2800">
-                <a:solidFill>
-                  <a:schemeClr val="tx1"/>
-                </a:solidFill>
-                <a:latin typeface="Arial" panose="020B0604020202020204" pitchFamily="34" charset="0"/>
-                <a:cs typeface="Arial" panose="020B0604020202020204" pitchFamily="34" charset="0"/>
-              </a:rPr>
-              <a:t> </a:t>
-            </a:r>
-            <a:r>
-              <a:rPr lang="en-US" sz="2800" err="1">
+              <a:rPr lang="en-US" sz="3200">
+                <a:solidFill>
+                  <a:schemeClr val="tx1"/>
+                </a:solidFill>
+                <a:latin typeface="Arial" panose="020B0604020202020204" pitchFamily="34" charset="0"/>
+                <a:cs typeface="Arial" panose="020B0604020202020204" pitchFamily="34" charset="0"/>
+              </a:rPr>
+              <a:t> </a:t>
+            </a:r>
+            <a:r>
+              <a:rPr lang="en-US" sz="3200" err="1">
                 <a:solidFill>
                   <a:schemeClr val="tx1"/>
                 </a:solidFill>
@@ -8327,74 +8327,20 @@
               <a:t>dựng</a:t>
             </a:r>
             <a:r>
-              <a:rPr lang="en-US" sz="2800">
-                <a:solidFill>
-                  <a:schemeClr val="tx1"/>
-                </a:solidFill>
-                <a:latin typeface="Arial" panose="020B0604020202020204" pitchFamily="34" charset="0"/>
-                <a:cs typeface="Arial" panose="020B0604020202020204" pitchFamily="34" charset="0"/>
-              </a:rPr>
-              <a:t> </a:t>
-            </a:r>
-          </a:p>
-          <a:p>
-            <a:pPr marL="514350" indent="-514350">
-              <a:buFont typeface="+mj-lt"/>
-              <a:buAutoNum type="arabicPeriod"/>
+              <a:rPr lang="en-US" sz="3200">
+                <a:solidFill>
+                  <a:schemeClr val="tx1"/>
+                </a:solidFill>
+                <a:latin typeface="Arial" panose="020B0604020202020204" pitchFamily="34" charset="0"/>
+                <a:cs typeface="Arial" panose="020B0604020202020204" pitchFamily="34" charset="0"/>
+              </a:rPr>
+              <a:t> </a:t>
+            </a:r>
+          </a:p>
+          <a:p>
+            <a:pPr marL="0" indent="0">
+              <a:buNone/>
             </a:pPr>
-            <a:endParaRPr lang="en-US" sz="2800">
-              <a:solidFill>
-                <a:schemeClr val="tx1"/>
-              </a:solidFill>
-              <a:latin typeface="Arial" panose="020B0604020202020204" pitchFamily="34" charset="0"/>
-              <a:cs typeface="Arial" panose="020B0604020202020204" pitchFamily="34" charset="0"/>
-            </a:endParaRPr>
-          </a:p>
-          <a:p>
-            <a:pPr marL="514350" indent="-514350">
-              <a:buFont typeface="+mj-lt"/>
-              <a:buAutoNum type="arabicPeriod"/>
-            </a:pPr>
-            <a:r>
-              <a:rPr lang="en-US" sz="2800">
-                <a:solidFill>
-                  <a:schemeClr val="tx1"/>
-                </a:solidFill>
-                <a:latin typeface="Arial" panose="020B0604020202020204" pitchFamily="34" charset="0"/>
-                <a:cs typeface="Arial" panose="020B0604020202020204" pitchFamily="34" charset="0"/>
-              </a:rPr>
-              <a:t> Demo </a:t>
-            </a:r>
-            <a:r>
-              <a:rPr lang="en-US" sz="2800" err="1">
-                <a:solidFill>
-                  <a:schemeClr val="tx1"/>
-                </a:solidFill>
-                <a:latin typeface="Arial" panose="020B0604020202020204" pitchFamily="34" charset="0"/>
-                <a:cs typeface="Arial" panose="020B0604020202020204" pitchFamily="34" charset="0"/>
-              </a:rPr>
-              <a:t>sản</a:t>
-            </a:r>
-            <a:r>
-              <a:rPr lang="en-US" sz="2800">
-                <a:solidFill>
-                  <a:schemeClr val="tx1"/>
-                </a:solidFill>
-                <a:latin typeface="Arial" panose="020B0604020202020204" pitchFamily="34" charset="0"/>
-                <a:cs typeface="Arial" panose="020B0604020202020204" pitchFamily="34" charset="0"/>
-              </a:rPr>
-              <a:t> </a:t>
-            </a:r>
-            <a:r>
-              <a:rPr lang="en-US" sz="2800" err="1">
-                <a:solidFill>
-                  <a:schemeClr val="tx1"/>
-                </a:solidFill>
-                <a:latin typeface="Arial" panose="020B0604020202020204" pitchFamily="34" charset="0"/>
-                <a:cs typeface="Arial" panose="020B0604020202020204" pitchFamily="34" charset="0"/>
-              </a:rPr>
-              <a:t>phẩm</a:t>
-            </a:r>
             <a:endParaRPr lang="en-US" sz="2800">
               <a:solidFill>
                 <a:schemeClr val="tx1"/>

--- a/SLIDE.pptx
+++ b/SLIDE.pptx
@@ -18,11 +18,10 @@
     <p:sldId id="268" r:id="rId12"/>
     <p:sldId id="269" r:id="rId13"/>
     <p:sldId id="270" r:id="rId14"/>
-    <p:sldId id="271" r:id="rId15"/>
-    <p:sldId id="272" r:id="rId16"/>
-    <p:sldId id="273" r:id="rId17"/>
-    <p:sldId id="274" r:id="rId18"/>
-    <p:sldId id="258" r:id="rId19"/>
+    <p:sldId id="273" r:id="rId15"/>
+    <p:sldId id="276" r:id="rId16"/>
+    <p:sldId id="274" r:id="rId17"/>
+    <p:sldId id="258" r:id="rId18"/>
   </p:sldIdLst>
   <p:sldSz cx="9144000" cy="6858000" type="screen4x3"/>
   <p:notesSz cx="6858000" cy="9144000"/>
@@ -324,7 +323,7 @@
           <a:p>
             <a:fld id="{A0EC2761-52B0-42C5-B01B-DF8F69615AE5}" type="datetimeFigureOut">
               <a:rPr lang="en-US" smtClean="0"/>
-              <a:t>12/3/2019</a:t>
+              <a:t>12/4/2019</a:t>
             </a:fld>
             <a:endParaRPr lang="en-US"/>
           </a:p>
@@ -492,7 +491,7 @@
           <a:p>
             <a:fld id="{A0EC2761-52B0-42C5-B01B-DF8F69615AE5}" type="datetimeFigureOut">
               <a:rPr lang="en-US" smtClean="0"/>
-              <a:t>12/3/2019</a:t>
+              <a:t>12/4/2019</a:t>
             </a:fld>
             <a:endParaRPr lang="en-US"/>
           </a:p>
@@ -670,7 +669,7 @@
           <a:p>
             <a:fld id="{A0EC2761-52B0-42C5-B01B-DF8F69615AE5}" type="datetimeFigureOut">
               <a:rPr lang="en-US" smtClean="0"/>
-              <a:t>12/3/2019</a:t>
+              <a:t>12/4/2019</a:t>
             </a:fld>
             <a:endParaRPr lang="en-US"/>
           </a:p>
@@ -838,7 +837,7 @@
           <a:p>
             <a:fld id="{A0EC2761-52B0-42C5-B01B-DF8F69615AE5}" type="datetimeFigureOut">
               <a:rPr lang="en-US" smtClean="0"/>
-              <a:t>12/3/2019</a:t>
+              <a:t>12/4/2019</a:t>
             </a:fld>
             <a:endParaRPr lang="en-US"/>
           </a:p>
@@ -1083,7 +1082,7 @@
           <a:p>
             <a:fld id="{A0EC2761-52B0-42C5-B01B-DF8F69615AE5}" type="datetimeFigureOut">
               <a:rPr lang="en-US" smtClean="0"/>
-              <a:t>12/3/2019</a:t>
+              <a:t>12/4/2019</a:t>
             </a:fld>
             <a:endParaRPr lang="en-US"/>
           </a:p>
@@ -1312,7 +1311,7 @@
           <a:p>
             <a:fld id="{A0EC2761-52B0-42C5-B01B-DF8F69615AE5}" type="datetimeFigureOut">
               <a:rPr lang="en-US" smtClean="0"/>
-              <a:t>12/3/2019</a:t>
+              <a:t>12/4/2019</a:t>
             </a:fld>
             <a:endParaRPr lang="en-US"/>
           </a:p>
@@ -1676,7 +1675,7 @@
           <a:p>
             <a:fld id="{A0EC2761-52B0-42C5-B01B-DF8F69615AE5}" type="datetimeFigureOut">
               <a:rPr lang="en-US" smtClean="0"/>
-              <a:t>12/3/2019</a:t>
+              <a:t>12/4/2019</a:t>
             </a:fld>
             <a:endParaRPr lang="en-US"/>
           </a:p>
@@ -1785,7 +1784,7 @@
           <a:p>
             <a:fld id="{A0EC2761-52B0-42C5-B01B-DF8F69615AE5}" type="datetimeFigureOut">
               <a:rPr lang="en-US" smtClean="0"/>
-              <a:t>12/3/2019</a:t>
+              <a:t>12/4/2019</a:t>
             </a:fld>
             <a:endParaRPr lang="en-US"/>
           </a:p>
@@ -1894,7 +1893,7 @@
           <a:p>
             <a:fld id="{A0EC2761-52B0-42C5-B01B-DF8F69615AE5}" type="datetimeFigureOut">
               <a:rPr lang="en-US" smtClean="0"/>
-              <a:t>12/3/2019</a:t>
+              <a:t>12/4/2019</a:t>
             </a:fld>
             <a:endParaRPr lang="en-US"/>
           </a:p>
@@ -2169,7 +2168,7 @@
           <a:p>
             <a:fld id="{A0EC2761-52B0-42C5-B01B-DF8F69615AE5}" type="datetimeFigureOut">
               <a:rPr lang="en-US" smtClean="0"/>
-              <a:t>12/3/2019</a:t>
+              <a:t>12/4/2019</a:t>
             </a:fld>
             <a:endParaRPr lang="en-US"/>
           </a:p>
@@ -2424,7 +2423,7 @@
           <a:p>
             <a:fld id="{A0EC2761-52B0-42C5-B01B-DF8F69615AE5}" type="datetimeFigureOut">
               <a:rPr lang="en-US" smtClean="0"/>
-              <a:t>12/3/2019</a:t>
+              <a:t>12/4/2019</a:t>
             </a:fld>
             <a:endParaRPr lang="en-US"/>
           </a:p>
@@ -2644,7 +2643,7 @@
           <a:p>
             <a:fld id="{A0EC2761-52B0-42C5-B01B-DF8F69615AE5}" type="datetimeFigureOut">
               <a:rPr lang="en-US" smtClean="0"/>
-              <a:t>12/3/2019</a:t>
+              <a:t>12/4/2019</a:t>
             </a:fld>
             <a:endParaRPr lang="en-US"/>
           </a:p>
@@ -3127,8 +3126,8 @@
         </p:nvSpPr>
         <p:spPr>
           <a:xfrm>
-            <a:off x="2835963" y="3675234"/>
-            <a:ext cx="5049080" cy="584775"/>
+            <a:off x="2729947" y="3486236"/>
+            <a:ext cx="5261112" cy="1077218"/>
           </a:xfrm>
           <a:prstGeom prst="rect">
             <a:avLst/>
@@ -3209,7 +3208,7 @@
                 <a:latin typeface="Arial" panose="020B0604020202020204" pitchFamily="34" charset="0"/>
                 <a:cs typeface="Arial" panose="020B0604020202020204" pitchFamily="34" charset="0"/>
               </a:rPr>
-              <a:t> cờ CARO</a:t>
+              <a:t> cờ CARO (Alpha-beta pruning)</a:t>
             </a:r>
             <a:endParaRPr lang="en-US" sz="3200" dirty="0">
               <a:latin typeface="Arial" panose="020B0604020202020204" pitchFamily="34" charset="0"/>
@@ -3826,128 +3825,12 @@
           <a:lstStyle/>
           <a:p>
             <a:r>
-              <a:rPr lang="en-US" sz="2800">
-                <a:latin typeface="Arial" panose="020B0604020202020204" pitchFamily="34" charset="0"/>
-                <a:cs typeface="Arial" panose="020B0604020202020204" pitchFamily="34" charset="0"/>
-              </a:rPr>
-              <a:t>2.4. Áp </a:t>
-            </a:r>
-            <a:r>
-              <a:rPr lang="en-US" sz="2800" err="1">
-                <a:latin typeface="Arial" panose="020B0604020202020204" pitchFamily="34" charset="0"/>
-                <a:cs typeface="Arial" panose="020B0604020202020204" pitchFamily="34" charset="0"/>
-              </a:rPr>
-              <a:t>dụng</a:t>
-            </a:r>
-            <a:r>
-              <a:rPr lang="en-US" sz="2800">
-                <a:latin typeface="Arial" panose="020B0604020202020204" pitchFamily="34" charset="0"/>
-                <a:cs typeface="Arial" panose="020B0604020202020204" pitchFamily="34" charset="0"/>
-              </a:rPr>
-              <a:t> </a:t>
-            </a:r>
-            <a:r>
-              <a:rPr lang="en-US" sz="2800" err="1">
-                <a:latin typeface="Arial" panose="020B0604020202020204" pitchFamily="34" charset="0"/>
-                <a:cs typeface="Arial" panose="020B0604020202020204" pitchFamily="34" charset="0"/>
-              </a:rPr>
-              <a:t>vào</a:t>
-            </a:r>
-            <a:r>
-              <a:rPr lang="en-US" sz="2800">
-                <a:latin typeface="Arial" panose="020B0604020202020204" pitchFamily="34" charset="0"/>
-                <a:cs typeface="Arial" panose="020B0604020202020204" pitchFamily="34" charset="0"/>
-              </a:rPr>
-              <a:t> </a:t>
-            </a:r>
-            <a:r>
-              <a:rPr lang="en-US" sz="2800" err="1">
-                <a:latin typeface="Arial" panose="020B0604020202020204" pitchFamily="34" charset="0"/>
-                <a:cs typeface="Arial" panose="020B0604020202020204" pitchFamily="34" charset="0"/>
-              </a:rPr>
-              <a:t>tìm</a:t>
-            </a:r>
-            <a:r>
-              <a:rPr lang="en-US" sz="2800">
-                <a:latin typeface="Arial" panose="020B0604020202020204" pitchFamily="34" charset="0"/>
-                <a:cs typeface="Arial" panose="020B0604020202020204" pitchFamily="34" charset="0"/>
-              </a:rPr>
-              <a:t> </a:t>
-            </a:r>
-            <a:r>
-              <a:rPr lang="en-US" sz="2800" err="1">
-                <a:latin typeface="Arial" panose="020B0604020202020204" pitchFamily="34" charset="0"/>
-                <a:cs typeface="Arial" panose="020B0604020202020204" pitchFamily="34" charset="0"/>
-              </a:rPr>
-              <a:t>kiếm</a:t>
-            </a:r>
-            <a:r>
-              <a:rPr lang="en-US" sz="2800">
-                <a:latin typeface="Arial" panose="020B0604020202020204" pitchFamily="34" charset="0"/>
-                <a:cs typeface="Arial" panose="020B0604020202020204" pitchFamily="34" charset="0"/>
-              </a:rPr>
-              <a:t> n</a:t>
-            </a:r>
-            <a:r>
-              <a:rPr lang="vi-VN" sz="2800">
-                <a:latin typeface="Arial" panose="020B0604020202020204" pitchFamily="34" charset="0"/>
-                <a:cs typeface="Arial" panose="020B0604020202020204" pitchFamily="34" charset="0"/>
-              </a:rPr>
-              <a:t>ư</a:t>
-            </a:r>
-            <a:r>
-              <a:rPr lang="en-US" sz="2800" err="1">
-                <a:latin typeface="Arial" panose="020B0604020202020204" pitchFamily="34" charset="0"/>
-                <a:cs typeface="Arial" panose="020B0604020202020204" pitchFamily="34" charset="0"/>
-              </a:rPr>
-              <a:t>ớc</a:t>
-            </a:r>
-            <a:r>
-              <a:rPr lang="en-US" sz="2800">
-                <a:latin typeface="Arial" panose="020B0604020202020204" pitchFamily="34" charset="0"/>
-                <a:cs typeface="Arial" panose="020B0604020202020204" pitchFamily="34" charset="0"/>
-              </a:rPr>
-              <a:t> </a:t>
-            </a:r>
-            <a:r>
-              <a:rPr lang="en-US" sz="2800" err="1">
-                <a:latin typeface="Arial" panose="020B0604020202020204" pitchFamily="34" charset="0"/>
-                <a:cs typeface="Arial" panose="020B0604020202020204" pitchFamily="34" charset="0"/>
-              </a:rPr>
-              <a:t>đi</a:t>
-            </a:r>
-            <a:r>
-              <a:rPr lang="en-US" sz="2800">
-                <a:latin typeface="Arial" panose="020B0604020202020204" pitchFamily="34" charset="0"/>
-                <a:cs typeface="Arial" panose="020B0604020202020204" pitchFamily="34" charset="0"/>
-              </a:rPr>
-              <a:t> </a:t>
-            </a:r>
-            <a:r>
-              <a:rPr lang="en-US" sz="2800" err="1">
-                <a:latin typeface="Arial" panose="020B0604020202020204" pitchFamily="34" charset="0"/>
-                <a:cs typeface="Arial" panose="020B0604020202020204" pitchFamily="34" charset="0"/>
-              </a:rPr>
-              <a:t>cho</a:t>
-            </a:r>
-            <a:r>
-              <a:rPr lang="en-US" sz="2800">
-                <a:latin typeface="Arial" panose="020B0604020202020204" pitchFamily="34" charset="0"/>
-                <a:cs typeface="Arial" panose="020B0604020202020204" pitchFamily="34" charset="0"/>
-              </a:rPr>
-              <a:t> </a:t>
-            </a:r>
-            <a:r>
-              <a:rPr lang="en-US" sz="2800" err="1">
-                <a:latin typeface="Arial" panose="020B0604020202020204" pitchFamily="34" charset="0"/>
-                <a:cs typeface="Arial" panose="020B0604020202020204" pitchFamily="34" charset="0"/>
-              </a:rPr>
-              <a:t>máy</a:t>
-            </a:r>
-            <a:endParaRPr lang="en-US" sz="2800">
-              <a:latin typeface="Arial" panose="020B0604020202020204" pitchFamily="34" charset="0"/>
-              <a:cs typeface="Arial" panose="020B0604020202020204" pitchFamily="34" charset="0"/>
-            </a:endParaRPr>
+              <a:rPr lang="en-US">
+                <a:latin typeface="Arial" panose="020B0604020202020204" pitchFamily="34" charset="0"/>
+                <a:cs typeface="Arial" panose="020B0604020202020204" pitchFamily="34" charset="0"/>
+              </a:rPr>
+              <a:t>2.4. Giải thuật cắt tỉa Alpha-Beta</a:t>
+            </a:r>
           </a:p>
         </p:txBody>
       </p:sp>
@@ -3969,841 +3852,251 @@
         </p:nvSpPr>
         <p:spPr/>
         <p:txBody>
-          <a:bodyPr/>
+          <a:bodyPr>
+            <a:normAutofit/>
+          </a:bodyPr>
           <a:lstStyle/>
           <a:p>
-            <a:r>
-              <a:rPr lang="en-US" sz="2800">
-                <a:solidFill>
-                  <a:schemeClr val="tx1"/>
-                </a:solidFill>
-                <a:latin typeface="Arial" panose="020B0604020202020204" pitchFamily="34" charset="0"/>
-                <a:cs typeface="Arial" panose="020B0604020202020204" pitchFamily="34" charset="0"/>
-              </a:rPr>
-              <a:t> State: </a:t>
-            </a:r>
-            <a:r>
-              <a:rPr lang="en-US" sz="2800" err="1">
-                <a:solidFill>
-                  <a:schemeClr val="tx1"/>
-                </a:solidFill>
-                <a:latin typeface="Arial" panose="020B0604020202020204" pitchFamily="34" charset="0"/>
-                <a:cs typeface="Arial" panose="020B0604020202020204" pitchFamily="34" charset="0"/>
-              </a:rPr>
-              <a:t>gồm</a:t>
-            </a:r>
-            <a:r>
-              <a:rPr lang="en-US" sz="2800">
-                <a:solidFill>
-                  <a:schemeClr val="tx1"/>
-                </a:solidFill>
-                <a:latin typeface="Arial" panose="020B0604020202020204" pitchFamily="34" charset="0"/>
-                <a:cs typeface="Arial" panose="020B0604020202020204" pitchFamily="34" charset="0"/>
-              </a:rPr>
-              <a:t> </a:t>
-            </a:r>
-            <a:r>
-              <a:rPr lang="en-US" sz="2800" err="1">
-                <a:solidFill>
-                  <a:schemeClr val="tx1"/>
-                </a:solidFill>
-                <a:latin typeface="Arial" panose="020B0604020202020204" pitchFamily="34" charset="0"/>
-                <a:cs typeface="Arial" panose="020B0604020202020204" pitchFamily="34" charset="0"/>
-              </a:rPr>
-              <a:t>một</a:t>
-            </a:r>
-            <a:r>
-              <a:rPr lang="en-US" sz="2800">
-                <a:solidFill>
-                  <a:schemeClr val="tx1"/>
-                </a:solidFill>
-                <a:latin typeface="Arial" panose="020B0604020202020204" pitchFamily="34" charset="0"/>
-                <a:cs typeface="Arial" panose="020B0604020202020204" pitchFamily="34" charset="0"/>
-              </a:rPr>
-              <a:t> </a:t>
-            </a:r>
-            <a:r>
-              <a:rPr lang="en-US" sz="2800" err="1">
-                <a:solidFill>
-                  <a:schemeClr val="tx1"/>
-                </a:solidFill>
-                <a:latin typeface="Arial" panose="020B0604020202020204" pitchFamily="34" charset="0"/>
-                <a:cs typeface="Arial" panose="020B0604020202020204" pitchFamily="34" charset="0"/>
-              </a:rPr>
-              <a:t>mảng</a:t>
-            </a:r>
-            <a:r>
-              <a:rPr lang="en-US" sz="2800">
-                <a:solidFill>
-                  <a:schemeClr val="tx1"/>
-                </a:solidFill>
-                <a:latin typeface="Arial" panose="020B0604020202020204" pitchFamily="34" charset="0"/>
-                <a:cs typeface="Arial" panose="020B0604020202020204" pitchFamily="34" charset="0"/>
-              </a:rPr>
-              <a:t> 2 </a:t>
-            </a:r>
-            <a:r>
-              <a:rPr lang="en-US" sz="2800" err="1">
-                <a:solidFill>
-                  <a:schemeClr val="tx1"/>
-                </a:solidFill>
-                <a:latin typeface="Arial" panose="020B0604020202020204" pitchFamily="34" charset="0"/>
-                <a:cs typeface="Arial" panose="020B0604020202020204" pitchFamily="34" charset="0"/>
-              </a:rPr>
-              <a:t>chiều</a:t>
-            </a:r>
-            <a:r>
-              <a:rPr lang="en-US" sz="2800">
-                <a:solidFill>
-                  <a:schemeClr val="tx1"/>
-                </a:solidFill>
-                <a:latin typeface="Arial" panose="020B0604020202020204" pitchFamily="34" charset="0"/>
-                <a:cs typeface="Arial" panose="020B0604020202020204" pitchFamily="34" charset="0"/>
-              </a:rPr>
-              <a:t> </a:t>
-            </a:r>
-            <a:r>
-              <a:rPr lang="en-US" sz="2800" err="1">
-                <a:solidFill>
-                  <a:schemeClr val="tx1"/>
-                </a:solidFill>
-                <a:latin typeface="Arial" panose="020B0604020202020204" pitchFamily="34" charset="0"/>
-                <a:cs typeface="Arial" panose="020B0604020202020204" pitchFamily="34" charset="0"/>
-              </a:rPr>
-              <a:t>đại</a:t>
-            </a:r>
-            <a:r>
-              <a:rPr lang="en-US" sz="2800">
-                <a:solidFill>
-                  <a:schemeClr val="tx1"/>
-                </a:solidFill>
-                <a:latin typeface="Arial" panose="020B0604020202020204" pitchFamily="34" charset="0"/>
-                <a:cs typeface="Arial" panose="020B0604020202020204" pitchFamily="34" charset="0"/>
-              </a:rPr>
-              <a:t> </a:t>
-            </a:r>
-            <a:r>
-              <a:rPr lang="en-US" sz="2800" err="1">
-                <a:solidFill>
-                  <a:schemeClr val="tx1"/>
-                </a:solidFill>
-                <a:latin typeface="Arial" panose="020B0604020202020204" pitchFamily="34" charset="0"/>
-                <a:cs typeface="Arial" panose="020B0604020202020204" pitchFamily="34" charset="0"/>
-              </a:rPr>
-              <a:t>diện</a:t>
-            </a:r>
-            <a:r>
-              <a:rPr lang="en-US" sz="2800">
-                <a:solidFill>
-                  <a:schemeClr val="tx1"/>
-                </a:solidFill>
-                <a:latin typeface="Arial" panose="020B0604020202020204" pitchFamily="34" charset="0"/>
-                <a:cs typeface="Arial" panose="020B0604020202020204" pitchFamily="34" charset="0"/>
-              </a:rPr>
-              <a:t> </a:t>
-            </a:r>
-            <a:r>
-              <a:rPr lang="en-US" sz="2800" err="1">
-                <a:solidFill>
-                  <a:schemeClr val="tx1"/>
-                </a:solidFill>
-                <a:latin typeface="Arial" panose="020B0604020202020204" pitchFamily="34" charset="0"/>
-                <a:cs typeface="Arial" panose="020B0604020202020204" pitchFamily="34" charset="0"/>
-              </a:rPr>
-              <a:t>cho</a:t>
-            </a:r>
-            <a:r>
-              <a:rPr lang="en-US" sz="2800">
-                <a:solidFill>
-                  <a:schemeClr val="tx1"/>
-                </a:solidFill>
-                <a:latin typeface="Arial" panose="020B0604020202020204" pitchFamily="34" charset="0"/>
-                <a:cs typeface="Arial" panose="020B0604020202020204" pitchFamily="34" charset="0"/>
-              </a:rPr>
-              <a:t> </a:t>
-            </a:r>
-            <a:r>
-              <a:rPr lang="en-US" sz="2800" err="1">
-                <a:solidFill>
-                  <a:schemeClr val="tx1"/>
-                </a:solidFill>
-                <a:latin typeface="Arial" panose="020B0604020202020204" pitchFamily="34" charset="0"/>
-                <a:cs typeface="Arial" panose="020B0604020202020204" pitchFamily="34" charset="0"/>
-              </a:rPr>
-              <a:t>bàn</a:t>
-            </a:r>
-            <a:r>
-              <a:rPr lang="en-US" sz="2800">
-                <a:solidFill>
-                  <a:schemeClr val="tx1"/>
-                </a:solidFill>
-                <a:latin typeface="Arial" panose="020B0604020202020204" pitchFamily="34" charset="0"/>
-                <a:cs typeface="Arial" panose="020B0604020202020204" pitchFamily="34" charset="0"/>
-              </a:rPr>
-              <a:t> </a:t>
-            </a:r>
-            <a:r>
-              <a:rPr lang="en-US" sz="2800" err="1">
-                <a:solidFill>
-                  <a:schemeClr val="tx1"/>
-                </a:solidFill>
-                <a:latin typeface="Arial" panose="020B0604020202020204" pitchFamily="34" charset="0"/>
-                <a:cs typeface="Arial" panose="020B0604020202020204" pitchFamily="34" charset="0"/>
-              </a:rPr>
-              <a:t>cơ</a:t>
-            </a:r>
-            <a:r>
-              <a:rPr lang="en-US" sz="2800">
-                <a:solidFill>
-                  <a:schemeClr val="tx1"/>
-                </a:solidFill>
-                <a:latin typeface="Arial" panose="020B0604020202020204" pitchFamily="34" charset="0"/>
-                <a:cs typeface="Arial" panose="020B0604020202020204" pitchFamily="34" charset="0"/>
-              </a:rPr>
-              <a:t>̀, </a:t>
-            </a:r>
-            <a:r>
-              <a:rPr lang="en-US" sz="2800" err="1">
-                <a:solidFill>
-                  <a:schemeClr val="tx1"/>
-                </a:solidFill>
-                <a:latin typeface="Arial" panose="020B0604020202020204" pitchFamily="34" charset="0"/>
-                <a:cs typeface="Arial" panose="020B0604020202020204" pitchFamily="34" charset="0"/>
-              </a:rPr>
-              <a:t>phần</a:t>
-            </a:r>
-            <a:r>
-              <a:rPr lang="en-US" sz="2800">
-                <a:solidFill>
-                  <a:schemeClr val="tx1"/>
-                </a:solidFill>
-                <a:latin typeface="Arial" panose="020B0604020202020204" pitchFamily="34" charset="0"/>
-                <a:cs typeface="Arial" panose="020B0604020202020204" pitchFamily="34" charset="0"/>
-              </a:rPr>
-              <a:t> </a:t>
-            </a:r>
-            <a:r>
-              <a:rPr lang="en-US" sz="2800" err="1">
-                <a:solidFill>
-                  <a:schemeClr val="tx1"/>
-                </a:solidFill>
-                <a:latin typeface="Arial" panose="020B0604020202020204" pitchFamily="34" charset="0"/>
-                <a:cs typeface="Arial" panose="020B0604020202020204" pitchFamily="34" charset="0"/>
-              </a:rPr>
-              <a:t>tư</a:t>
-            </a:r>
-            <a:r>
-              <a:rPr lang="en-US" sz="2800">
-                <a:solidFill>
-                  <a:schemeClr val="tx1"/>
-                </a:solidFill>
-                <a:latin typeface="Arial" panose="020B0604020202020204" pitchFamily="34" charset="0"/>
-                <a:cs typeface="Arial" panose="020B0604020202020204" pitchFamily="34" charset="0"/>
-              </a:rPr>
-              <a:t>̉ có </a:t>
-            </a:r>
-            <a:r>
-              <a:rPr lang="en-US" sz="2800" err="1">
-                <a:solidFill>
-                  <a:schemeClr val="tx1"/>
-                </a:solidFill>
-                <a:latin typeface="Arial" panose="020B0604020202020204" pitchFamily="34" charset="0"/>
-                <a:cs typeface="Arial" panose="020B0604020202020204" pitchFamily="34" charset="0"/>
-              </a:rPr>
-              <a:t>gia</a:t>
-            </a:r>
-            <a:r>
-              <a:rPr lang="en-US" sz="2800">
-                <a:solidFill>
-                  <a:schemeClr val="tx1"/>
-                </a:solidFill>
-                <a:latin typeface="Arial" panose="020B0604020202020204" pitchFamily="34" charset="0"/>
-                <a:cs typeface="Arial" panose="020B0604020202020204" pitchFamily="34" charset="0"/>
-              </a:rPr>
-              <a:t>́ trị </a:t>
-            </a:r>
-            <a:r>
-              <a:rPr lang="en-US" sz="2800" err="1">
-                <a:solidFill>
-                  <a:schemeClr val="tx1"/>
-                </a:solidFill>
-                <a:latin typeface="Arial" panose="020B0604020202020204" pitchFamily="34" charset="0"/>
-                <a:cs typeface="Arial" panose="020B0604020202020204" pitchFamily="34" charset="0"/>
-              </a:rPr>
-              <a:t>bằng</a:t>
-            </a:r>
-            <a:r>
-              <a:rPr lang="en-US" sz="2800">
-                <a:solidFill>
-                  <a:schemeClr val="tx1"/>
-                </a:solidFill>
-                <a:latin typeface="Arial" panose="020B0604020202020204" pitchFamily="34" charset="0"/>
-                <a:cs typeface="Arial" panose="020B0604020202020204" pitchFamily="34" charset="0"/>
-              </a:rPr>
-              <a:t> 0 </a:t>
-            </a:r>
-            <a:r>
-              <a:rPr lang="en-US" sz="2800" err="1">
-                <a:solidFill>
-                  <a:schemeClr val="tx1"/>
-                </a:solidFill>
-                <a:latin typeface="Arial" panose="020B0604020202020204" pitchFamily="34" charset="0"/>
-                <a:cs typeface="Arial" panose="020B0604020202020204" pitchFamily="34" charset="0"/>
-              </a:rPr>
-              <a:t>khi</a:t>
-            </a:r>
-            <a:r>
-              <a:rPr lang="en-US" sz="2800">
-                <a:solidFill>
-                  <a:schemeClr val="tx1"/>
-                </a:solidFill>
-                <a:latin typeface="Arial" panose="020B0604020202020204" pitchFamily="34" charset="0"/>
-                <a:cs typeface="Arial" panose="020B0604020202020204" pitchFamily="34" charset="0"/>
-              </a:rPr>
-              <a:t> ô </a:t>
-            </a:r>
-            <a:r>
-              <a:rPr lang="en-US" sz="2800" err="1">
-                <a:solidFill>
-                  <a:schemeClr val="tx1"/>
-                </a:solidFill>
-                <a:latin typeface="Arial" panose="020B0604020202020204" pitchFamily="34" charset="0"/>
-                <a:cs typeface="Arial" panose="020B0604020202020204" pitchFamily="34" charset="0"/>
-              </a:rPr>
-              <a:t>trống</a:t>
-            </a:r>
-            <a:r>
-              <a:rPr lang="en-US" sz="2800">
-                <a:solidFill>
-                  <a:schemeClr val="tx1"/>
-                </a:solidFill>
-                <a:latin typeface="Arial" panose="020B0604020202020204" pitchFamily="34" charset="0"/>
-                <a:cs typeface="Arial" panose="020B0604020202020204" pitchFamily="34" charset="0"/>
-              </a:rPr>
-              <a:t>, </a:t>
-            </a:r>
-            <a:r>
-              <a:rPr lang="en-US" sz="2800" err="1">
-                <a:solidFill>
-                  <a:schemeClr val="tx1"/>
-                </a:solidFill>
-                <a:latin typeface="Arial" panose="020B0604020202020204" pitchFamily="34" charset="0"/>
-                <a:cs typeface="Arial" panose="020B0604020202020204" pitchFamily="34" charset="0"/>
-              </a:rPr>
-              <a:t>bằng</a:t>
-            </a:r>
-            <a:r>
-              <a:rPr lang="en-US" sz="2800">
-                <a:solidFill>
-                  <a:schemeClr val="tx1"/>
-                </a:solidFill>
-                <a:latin typeface="Arial" panose="020B0604020202020204" pitchFamily="34" charset="0"/>
-                <a:cs typeface="Arial" panose="020B0604020202020204" pitchFamily="34" charset="0"/>
-              </a:rPr>
-              <a:t> 1 </a:t>
-            </a:r>
-            <a:r>
-              <a:rPr lang="en-US" sz="2800" err="1">
-                <a:solidFill>
-                  <a:schemeClr val="tx1"/>
-                </a:solidFill>
-                <a:latin typeface="Arial" panose="020B0604020202020204" pitchFamily="34" charset="0"/>
-                <a:cs typeface="Arial" panose="020B0604020202020204" pitchFamily="34" charset="0"/>
-              </a:rPr>
-              <a:t>nếu</a:t>
-            </a:r>
-            <a:r>
-              <a:rPr lang="en-US" sz="2800">
-                <a:solidFill>
-                  <a:schemeClr val="tx1"/>
-                </a:solidFill>
-                <a:latin typeface="Arial" panose="020B0604020202020204" pitchFamily="34" charset="0"/>
-                <a:cs typeface="Arial" panose="020B0604020202020204" pitchFamily="34" charset="0"/>
-              </a:rPr>
-              <a:t> </a:t>
-            </a:r>
-            <a:r>
-              <a:rPr lang="en-US" sz="2800" err="1">
-                <a:solidFill>
-                  <a:schemeClr val="tx1"/>
-                </a:solidFill>
-                <a:latin typeface="Arial" panose="020B0604020202020204" pitchFamily="34" charset="0"/>
-                <a:cs typeface="Arial" panose="020B0604020202020204" pitchFamily="34" charset="0"/>
-              </a:rPr>
-              <a:t>đo</a:t>
-            </a:r>
-            <a:r>
-              <a:rPr lang="en-US" sz="2800">
-                <a:solidFill>
-                  <a:schemeClr val="tx1"/>
-                </a:solidFill>
-                <a:latin typeface="Arial" panose="020B0604020202020204" pitchFamily="34" charset="0"/>
-                <a:cs typeface="Arial" panose="020B0604020202020204" pitchFamily="34" charset="0"/>
-              </a:rPr>
-              <a:t>́ là </a:t>
-            </a:r>
-            <a:r>
-              <a:rPr lang="en-US" sz="2800" err="1">
-                <a:solidFill>
-                  <a:schemeClr val="tx1"/>
-                </a:solidFill>
-                <a:latin typeface="Arial" panose="020B0604020202020204" pitchFamily="34" charset="0"/>
-                <a:cs typeface="Arial" panose="020B0604020202020204" pitchFamily="34" charset="0"/>
-              </a:rPr>
-              <a:t>nước</a:t>
-            </a:r>
-            <a:r>
-              <a:rPr lang="en-US" sz="2800">
-                <a:solidFill>
-                  <a:schemeClr val="tx1"/>
-                </a:solidFill>
-                <a:latin typeface="Arial" panose="020B0604020202020204" pitchFamily="34" charset="0"/>
-                <a:cs typeface="Arial" panose="020B0604020202020204" pitchFamily="34" charset="0"/>
-              </a:rPr>
-              <a:t> </a:t>
-            </a:r>
-            <a:r>
-              <a:rPr lang="en-US" sz="2800" err="1">
-                <a:solidFill>
-                  <a:schemeClr val="tx1"/>
-                </a:solidFill>
-                <a:latin typeface="Arial" panose="020B0604020202020204" pitchFamily="34" charset="0"/>
-                <a:cs typeface="Arial" panose="020B0604020202020204" pitchFamily="34" charset="0"/>
-              </a:rPr>
-              <a:t>đi</a:t>
-            </a:r>
-            <a:r>
-              <a:rPr lang="en-US" sz="2800">
-                <a:solidFill>
-                  <a:schemeClr val="tx1"/>
-                </a:solidFill>
-                <a:latin typeface="Arial" panose="020B0604020202020204" pitchFamily="34" charset="0"/>
-                <a:cs typeface="Arial" panose="020B0604020202020204" pitchFamily="34" charset="0"/>
-              </a:rPr>
-              <a:t> </a:t>
-            </a:r>
-            <a:r>
-              <a:rPr lang="en-US" sz="2800" err="1">
-                <a:solidFill>
-                  <a:schemeClr val="tx1"/>
-                </a:solidFill>
-                <a:latin typeface="Arial" panose="020B0604020202020204" pitchFamily="34" charset="0"/>
-                <a:cs typeface="Arial" panose="020B0604020202020204" pitchFamily="34" charset="0"/>
-              </a:rPr>
-              <a:t>của</a:t>
-            </a:r>
-            <a:r>
-              <a:rPr lang="en-US" sz="2800">
-                <a:solidFill>
-                  <a:schemeClr val="tx1"/>
-                </a:solidFill>
-                <a:latin typeface="Arial" panose="020B0604020202020204" pitchFamily="34" charset="0"/>
-                <a:cs typeface="Arial" panose="020B0604020202020204" pitchFamily="34" charset="0"/>
-              </a:rPr>
-              <a:t> </a:t>
-            </a:r>
-            <a:r>
-              <a:rPr lang="en-US" sz="2800" err="1">
-                <a:solidFill>
-                  <a:schemeClr val="tx1"/>
-                </a:solidFill>
-                <a:latin typeface="Arial" panose="020B0604020202020204" pitchFamily="34" charset="0"/>
-                <a:cs typeface="Arial" panose="020B0604020202020204" pitchFamily="34" charset="0"/>
-              </a:rPr>
-              <a:t>máy</a:t>
-            </a:r>
-            <a:r>
-              <a:rPr lang="en-US" sz="2800">
-                <a:solidFill>
-                  <a:schemeClr val="tx1"/>
-                </a:solidFill>
-                <a:latin typeface="Arial" panose="020B0604020202020204" pitchFamily="34" charset="0"/>
-                <a:cs typeface="Arial" panose="020B0604020202020204" pitchFamily="34" charset="0"/>
-              </a:rPr>
-              <a:t> </a:t>
-            </a:r>
-            <a:r>
-              <a:rPr lang="en-US" sz="2800" err="1">
-                <a:solidFill>
-                  <a:schemeClr val="tx1"/>
-                </a:solidFill>
-                <a:latin typeface="Arial" panose="020B0604020202020204" pitchFamily="34" charset="0"/>
-                <a:cs typeface="Arial" panose="020B0604020202020204" pitchFamily="34" charset="0"/>
-              </a:rPr>
-              <a:t>tính</a:t>
-            </a:r>
-            <a:r>
-              <a:rPr lang="en-US" sz="2800">
-                <a:solidFill>
-                  <a:schemeClr val="tx1"/>
-                </a:solidFill>
-                <a:latin typeface="Arial" panose="020B0604020202020204" pitchFamily="34" charset="0"/>
-                <a:cs typeface="Arial" panose="020B0604020202020204" pitchFamily="34" charset="0"/>
-              </a:rPr>
-              <a:t>, </a:t>
-            </a:r>
-            <a:r>
-              <a:rPr lang="en-US" sz="2800" err="1">
-                <a:solidFill>
-                  <a:schemeClr val="tx1"/>
-                </a:solidFill>
-                <a:latin typeface="Arial" panose="020B0604020202020204" pitchFamily="34" charset="0"/>
-                <a:cs typeface="Arial" panose="020B0604020202020204" pitchFamily="34" charset="0"/>
-              </a:rPr>
-              <a:t>bằng</a:t>
-            </a:r>
-            <a:r>
-              <a:rPr lang="en-US" sz="2800">
-                <a:solidFill>
-                  <a:schemeClr val="tx1"/>
-                </a:solidFill>
-                <a:latin typeface="Arial" panose="020B0604020202020204" pitchFamily="34" charset="0"/>
-                <a:cs typeface="Arial" panose="020B0604020202020204" pitchFamily="34" charset="0"/>
-              </a:rPr>
-              <a:t> 2 </a:t>
-            </a:r>
-            <a:r>
-              <a:rPr lang="en-US" sz="2800" err="1">
-                <a:solidFill>
-                  <a:schemeClr val="tx1"/>
-                </a:solidFill>
-                <a:latin typeface="Arial" panose="020B0604020202020204" pitchFamily="34" charset="0"/>
-                <a:cs typeface="Arial" panose="020B0604020202020204" pitchFamily="34" charset="0"/>
-              </a:rPr>
-              <a:t>nếu</a:t>
-            </a:r>
-            <a:r>
-              <a:rPr lang="en-US" sz="2800">
-                <a:solidFill>
-                  <a:schemeClr val="tx1"/>
-                </a:solidFill>
-                <a:latin typeface="Arial" panose="020B0604020202020204" pitchFamily="34" charset="0"/>
-                <a:cs typeface="Arial" panose="020B0604020202020204" pitchFamily="34" charset="0"/>
-              </a:rPr>
-              <a:t> </a:t>
-            </a:r>
-            <a:r>
-              <a:rPr lang="en-US" sz="2800" err="1">
-                <a:solidFill>
-                  <a:schemeClr val="tx1"/>
-                </a:solidFill>
-                <a:latin typeface="Arial" panose="020B0604020202020204" pitchFamily="34" charset="0"/>
-                <a:cs typeface="Arial" panose="020B0604020202020204" pitchFamily="34" charset="0"/>
-              </a:rPr>
-              <a:t>đo</a:t>
-            </a:r>
-            <a:r>
-              <a:rPr lang="en-US" sz="2800">
-                <a:solidFill>
-                  <a:schemeClr val="tx1"/>
-                </a:solidFill>
-                <a:latin typeface="Arial" panose="020B0604020202020204" pitchFamily="34" charset="0"/>
-                <a:cs typeface="Arial" panose="020B0604020202020204" pitchFamily="34" charset="0"/>
-              </a:rPr>
-              <a:t>́ là </a:t>
-            </a:r>
-            <a:r>
-              <a:rPr lang="en-US" sz="2800" err="1">
-                <a:solidFill>
-                  <a:schemeClr val="tx1"/>
-                </a:solidFill>
-                <a:latin typeface="Arial" panose="020B0604020202020204" pitchFamily="34" charset="0"/>
-                <a:cs typeface="Arial" panose="020B0604020202020204" pitchFamily="34" charset="0"/>
-              </a:rPr>
-              <a:t>nước</a:t>
-            </a:r>
-            <a:r>
-              <a:rPr lang="en-US" sz="2800">
-                <a:solidFill>
-                  <a:schemeClr val="tx1"/>
-                </a:solidFill>
-                <a:latin typeface="Arial" panose="020B0604020202020204" pitchFamily="34" charset="0"/>
-                <a:cs typeface="Arial" panose="020B0604020202020204" pitchFamily="34" charset="0"/>
-              </a:rPr>
-              <a:t> </a:t>
-            </a:r>
-            <a:r>
-              <a:rPr lang="en-US" sz="2800" err="1">
-                <a:solidFill>
-                  <a:schemeClr val="tx1"/>
-                </a:solidFill>
-                <a:latin typeface="Arial" panose="020B0604020202020204" pitchFamily="34" charset="0"/>
-                <a:cs typeface="Arial" panose="020B0604020202020204" pitchFamily="34" charset="0"/>
-              </a:rPr>
-              <a:t>đi</a:t>
-            </a:r>
-            <a:r>
-              <a:rPr lang="en-US" sz="2800">
-                <a:solidFill>
-                  <a:schemeClr val="tx1"/>
-                </a:solidFill>
-                <a:latin typeface="Arial" panose="020B0604020202020204" pitchFamily="34" charset="0"/>
-                <a:cs typeface="Arial" panose="020B0604020202020204" pitchFamily="34" charset="0"/>
-              </a:rPr>
-              <a:t> </a:t>
-            </a:r>
-            <a:r>
-              <a:rPr lang="en-US" sz="2800" err="1">
-                <a:solidFill>
-                  <a:schemeClr val="tx1"/>
-                </a:solidFill>
-                <a:latin typeface="Arial" panose="020B0604020202020204" pitchFamily="34" charset="0"/>
-                <a:cs typeface="Arial" panose="020B0604020202020204" pitchFamily="34" charset="0"/>
-              </a:rPr>
-              <a:t>của</a:t>
-            </a:r>
-            <a:r>
-              <a:rPr lang="en-US" sz="2800">
-                <a:solidFill>
-                  <a:schemeClr val="tx1"/>
-                </a:solidFill>
-                <a:latin typeface="Arial" panose="020B0604020202020204" pitchFamily="34" charset="0"/>
-                <a:cs typeface="Arial" panose="020B0604020202020204" pitchFamily="34" charset="0"/>
-              </a:rPr>
-              <a:t> </a:t>
-            </a:r>
-            <a:r>
-              <a:rPr lang="en-US" sz="2800" err="1">
-                <a:solidFill>
-                  <a:schemeClr val="tx1"/>
-                </a:solidFill>
-                <a:latin typeface="Arial" panose="020B0604020202020204" pitchFamily="34" charset="0"/>
-                <a:cs typeface="Arial" panose="020B0604020202020204" pitchFamily="34" charset="0"/>
-              </a:rPr>
-              <a:t>người</a:t>
-            </a:r>
-            <a:r>
-              <a:rPr lang="en-US" sz="2800">
-                <a:solidFill>
-                  <a:schemeClr val="tx1"/>
-                </a:solidFill>
-                <a:latin typeface="Arial" panose="020B0604020202020204" pitchFamily="34" charset="0"/>
-                <a:cs typeface="Arial" panose="020B0604020202020204" pitchFamily="34" charset="0"/>
-              </a:rPr>
-              <a:t> </a:t>
-            </a:r>
-            <a:r>
-              <a:rPr lang="en-US" sz="2800" err="1">
-                <a:solidFill>
-                  <a:schemeClr val="tx1"/>
-                </a:solidFill>
-                <a:latin typeface="Arial" panose="020B0604020202020204" pitchFamily="34" charset="0"/>
-                <a:cs typeface="Arial" panose="020B0604020202020204" pitchFamily="34" charset="0"/>
-              </a:rPr>
-              <a:t>chơi</a:t>
-            </a:r>
-            <a:r>
-              <a:rPr lang="en-US" sz="2800">
-                <a:solidFill>
-                  <a:schemeClr val="tx1"/>
-                </a:solidFill>
-                <a:latin typeface="Arial" panose="020B0604020202020204" pitchFamily="34" charset="0"/>
-                <a:cs typeface="Arial" panose="020B0604020202020204" pitchFamily="34" charset="0"/>
-              </a:rPr>
-              <a:t>, </a:t>
-            </a:r>
-            <a:r>
-              <a:rPr lang="en-US" sz="2800" err="1">
-                <a:solidFill>
-                  <a:schemeClr val="tx1"/>
-                </a:solidFill>
-                <a:latin typeface="Arial" panose="020B0604020202020204" pitchFamily="34" charset="0"/>
-                <a:cs typeface="Arial" panose="020B0604020202020204" pitchFamily="34" charset="0"/>
-              </a:rPr>
-              <a:t>va</a:t>
-            </a:r>
-            <a:r>
-              <a:rPr lang="en-US" sz="2800">
-                <a:solidFill>
-                  <a:schemeClr val="tx1"/>
-                </a:solidFill>
-                <a:latin typeface="Arial" panose="020B0604020202020204" pitchFamily="34" charset="0"/>
-                <a:cs typeface="Arial" panose="020B0604020202020204" pitchFamily="34" charset="0"/>
-              </a:rPr>
-              <a:t>̀ </a:t>
-            </a:r>
-            <a:r>
-              <a:rPr lang="en-US" sz="2800" err="1">
-                <a:solidFill>
-                  <a:schemeClr val="tx1"/>
-                </a:solidFill>
-                <a:latin typeface="Arial" panose="020B0604020202020204" pitchFamily="34" charset="0"/>
-                <a:cs typeface="Arial" panose="020B0604020202020204" pitchFamily="34" charset="0"/>
-              </a:rPr>
-              <a:t>một</a:t>
-            </a:r>
-            <a:r>
-              <a:rPr lang="en-US" sz="2800">
-                <a:solidFill>
-                  <a:schemeClr val="tx1"/>
-                </a:solidFill>
-                <a:latin typeface="Arial" panose="020B0604020202020204" pitchFamily="34" charset="0"/>
-                <a:cs typeface="Arial" panose="020B0604020202020204" pitchFamily="34" charset="0"/>
-              </a:rPr>
-              <a:t> </a:t>
-            </a:r>
-            <a:r>
-              <a:rPr lang="en-US" sz="2800" err="1">
-                <a:solidFill>
-                  <a:schemeClr val="tx1"/>
-                </a:solidFill>
-                <a:latin typeface="Arial" panose="020B0604020202020204" pitchFamily="34" charset="0"/>
-                <a:cs typeface="Arial" panose="020B0604020202020204" pitchFamily="34" charset="0"/>
-              </a:rPr>
-              <a:t>biến</a:t>
-            </a:r>
-            <a:r>
-              <a:rPr lang="en-US" sz="2800">
-                <a:solidFill>
-                  <a:schemeClr val="tx1"/>
-                </a:solidFill>
-                <a:latin typeface="Arial" panose="020B0604020202020204" pitchFamily="34" charset="0"/>
-                <a:cs typeface="Arial" panose="020B0604020202020204" pitchFamily="34" charset="0"/>
-              </a:rPr>
-              <a:t> depth </a:t>
-            </a:r>
-            <a:r>
-              <a:rPr lang="en-US" sz="2800" err="1">
-                <a:solidFill>
-                  <a:schemeClr val="tx1"/>
-                </a:solidFill>
-                <a:latin typeface="Arial" panose="020B0604020202020204" pitchFamily="34" charset="0"/>
-                <a:cs typeface="Arial" panose="020B0604020202020204" pitchFamily="34" charset="0"/>
-              </a:rPr>
-              <a:t>đại</a:t>
-            </a:r>
-            <a:r>
-              <a:rPr lang="en-US" sz="2800">
-                <a:solidFill>
-                  <a:schemeClr val="tx1"/>
-                </a:solidFill>
-                <a:latin typeface="Arial" panose="020B0604020202020204" pitchFamily="34" charset="0"/>
-                <a:cs typeface="Arial" panose="020B0604020202020204" pitchFamily="34" charset="0"/>
-              </a:rPr>
-              <a:t> </a:t>
-            </a:r>
-            <a:r>
-              <a:rPr lang="en-US" sz="2800" err="1">
-                <a:solidFill>
-                  <a:schemeClr val="tx1"/>
-                </a:solidFill>
-                <a:latin typeface="Arial" panose="020B0604020202020204" pitchFamily="34" charset="0"/>
-                <a:cs typeface="Arial" panose="020B0604020202020204" pitchFamily="34" charset="0"/>
-              </a:rPr>
-              <a:t>diện</a:t>
-            </a:r>
-            <a:r>
-              <a:rPr lang="en-US" sz="2800">
-                <a:solidFill>
-                  <a:schemeClr val="tx1"/>
-                </a:solidFill>
-                <a:latin typeface="Arial" panose="020B0604020202020204" pitchFamily="34" charset="0"/>
-                <a:cs typeface="Arial" panose="020B0604020202020204" pitchFamily="34" charset="0"/>
-              </a:rPr>
-              <a:t> </a:t>
-            </a:r>
-            <a:r>
-              <a:rPr lang="en-US" sz="2800" err="1">
-                <a:solidFill>
-                  <a:schemeClr val="tx1"/>
-                </a:solidFill>
-                <a:latin typeface="Arial" panose="020B0604020202020204" pitchFamily="34" charset="0"/>
-                <a:cs typeface="Arial" panose="020B0604020202020204" pitchFamily="34" charset="0"/>
-              </a:rPr>
-              <a:t>cho</a:t>
-            </a:r>
-            <a:r>
-              <a:rPr lang="en-US" sz="2800">
-                <a:solidFill>
-                  <a:schemeClr val="tx1"/>
-                </a:solidFill>
-                <a:latin typeface="Arial" panose="020B0604020202020204" pitchFamily="34" charset="0"/>
-                <a:cs typeface="Arial" panose="020B0604020202020204" pitchFamily="34" charset="0"/>
-              </a:rPr>
-              <a:t> </a:t>
-            </a:r>
-            <a:r>
-              <a:rPr lang="en-US" sz="2800" err="1">
-                <a:solidFill>
-                  <a:schemeClr val="tx1"/>
-                </a:solidFill>
-                <a:latin typeface="Arial" panose="020B0604020202020204" pitchFamily="34" charset="0"/>
-                <a:cs typeface="Arial" panose="020B0604020202020204" pitchFamily="34" charset="0"/>
-              </a:rPr>
-              <a:t>đô</a:t>
-            </a:r>
-            <a:r>
-              <a:rPr lang="en-US" sz="2800">
-                <a:solidFill>
-                  <a:schemeClr val="tx1"/>
-                </a:solidFill>
-                <a:latin typeface="Arial" panose="020B0604020202020204" pitchFamily="34" charset="0"/>
-                <a:cs typeface="Arial" panose="020B0604020202020204" pitchFamily="34" charset="0"/>
-              </a:rPr>
-              <a:t>̣ </a:t>
-            </a:r>
-            <a:r>
-              <a:rPr lang="en-US" sz="2800" err="1">
-                <a:solidFill>
-                  <a:schemeClr val="tx1"/>
-                </a:solidFill>
-                <a:latin typeface="Arial" panose="020B0604020202020204" pitchFamily="34" charset="0"/>
-                <a:cs typeface="Arial" panose="020B0604020202020204" pitchFamily="34" charset="0"/>
-              </a:rPr>
-              <a:t>sâu</a:t>
-            </a:r>
-            <a:r>
-              <a:rPr lang="en-US" sz="2800">
-                <a:solidFill>
-                  <a:schemeClr val="tx1"/>
-                </a:solidFill>
-                <a:latin typeface="Arial" panose="020B0604020202020204" pitchFamily="34" charset="0"/>
-                <a:cs typeface="Arial" panose="020B0604020202020204" pitchFamily="34" charset="0"/>
-              </a:rPr>
-              <a:t> </a:t>
-            </a:r>
-            <a:r>
-              <a:rPr lang="en-US" sz="2800" err="1">
-                <a:solidFill>
-                  <a:schemeClr val="tx1"/>
-                </a:solidFill>
-                <a:latin typeface="Arial" panose="020B0604020202020204" pitchFamily="34" charset="0"/>
-                <a:cs typeface="Arial" panose="020B0604020202020204" pitchFamily="34" charset="0"/>
-              </a:rPr>
-              <a:t>muốn</a:t>
-            </a:r>
-            <a:r>
-              <a:rPr lang="en-US" sz="2800">
-                <a:solidFill>
-                  <a:schemeClr val="tx1"/>
-                </a:solidFill>
-                <a:latin typeface="Arial" panose="020B0604020202020204" pitchFamily="34" charset="0"/>
-                <a:cs typeface="Arial" panose="020B0604020202020204" pitchFamily="34" charset="0"/>
-              </a:rPr>
-              <a:t> </a:t>
-            </a:r>
-            <a:r>
-              <a:rPr lang="en-US" sz="2800" err="1">
-                <a:solidFill>
-                  <a:schemeClr val="tx1"/>
-                </a:solidFill>
-                <a:latin typeface="Arial" panose="020B0604020202020204" pitchFamily="34" charset="0"/>
-                <a:cs typeface="Arial" panose="020B0604020202020204" pitchFamily="34" charset="0"/>
-              </a:rPr>
-              <a:t>xét</a:t>
-            </a:r>
-            <a:r>
-              <a:rPr lang="en-US" sz="2800">
-                <a:solidFill>
-                  <a:schemeClr val="tx1"/>
-                </a:solidFill>
-                <a:latin typeface="Arial" panose="020B0604020202020204" pitchFamily="34" charset="0"/>
-                <a:cs typeface="Arial" panose="020B0604020202020204" pitchFamily="34" charset="0"/>
-              </a:rPr>
-              <a:t>.</a:t>
-            </a:r>
-          </a:p>
-          <a:p>
+            <a:pPr marL="0" indent="0">
+              <a:buNone/>
+            </a:pPr>
+            <a:r>
+              <a:rPr lang="en-US" sz="2400">
+                <a:solidFill>
+                  <a:schemeClr val="tx1"/>
+                </a:solidFill>
+                <a:latin typeface="Arial" panose="020B0604020202020204" pitchFamily="34" charset="0"/>
+                <a:cs typeface="Arial" panose="020B0604020202020204" pitchFamily="34" charset="0"/>
+              </a:rPr>
+              <a:t>Sử dụng giải thuật cắt tỉa alpha-beta để tìm nước đi tối ưu cho máy tính:</a:t>
+            </a:r>
+          </a:p>
+          <a:p>
+            <a:pPr marL="0" indent="0">
+              <a:buNone/>
+              <a:defRPr/>
+            </a:pPr>
+            <a:r>
+              <a:rPr lang="en-US" b="1" u="sng">
+                <a:solidFill>
+                  <a:schemeClr val="tx1"/>
+                </a:solidFill>
+                <a:latin typeface="Arial" panose="020B0604020202020204" pitchFamily="34" charset="0"/>
+                <a:cs typeface="Arial" panose="020B0604020202020204" pitchFamily="34" charset="0"/>
+              </a:rPr>
+              <a:t>* State: </a:t>
+            </a:r>
+          </a:p>
+          <a:p>
+            <a:pPr marL="285750" indent="-285750">
+              <a:buFont typeface="Courier New" panose="02070309020205020404" pitchFamily="49" charset="0"/>
+              <a:buChar char="o"/>
+              <a:defRPr/>
+            </a:pPr>
+            <a:r>
+              <a:rPr lang="en-US">
+                <a:solidFill>
+                  <a:schemeClr val="tx1"/>
+                </a:solidFill>
+                <a:latin typeface="Arial" panose="020B0604020202020204" pitchFamily="34" charset="0"/>
+                <a:cs typeface="Arial" panose="020B0604020202020204" pitchFamily="34" charset="0"/>
+              </a:rPr>
+              <a:t>Mảng 2 chiều đại diện cho bàn cờ.</a:t>
+            </a:r>
+          </a:p>
+          <a:p>
+            <a:pPr marL="285750" indent="-285750">
+              <a:buFont typeface="Courier New" panose="02070309020205020404" pitchFamily="49" charset="0"/>
+              <a:buChar char="o"/>
+              <a:defRPr/>
+            </a:pPr>
+            <a:r>
+              <a:rPr lang="en-US">
+                <a:solidFill>
+                  <a:schemeClr val="tx1"/>
+                </a:solidFill>
+                <a:latin typeface="Arial" panose="020B0604020202020204" pitchFamily="34" charset="0"/>
+                <a:cs typeface="Arial" panose="020B0604020202020204" pitchFamily="34" charset="0"/>
+              </a:rPr>
+              <a:t>Phần tử có giá trị :</a:t>
+            </a:r>
+          </a:p>
+          <a:p>
+            <a:pPr marL="742950" lvl="1" indent="-285750">
+              <a:defRPr/>
+            </a:pPr>
+            <a:r>
+              <a:rPr lang="en-US">
+                <a:solidFill>
+                  <a:schemeClr val="tx1"/>
+                </a:solidFill>
+                <a:latin typeface="Arial" panose="020B0604020202020204" pitchFamily="34" charset="0"/>
+                <a:cs typeface="Arial" panose="020B0604020202020204" pitchFamily="34" charset="0"/>
+              </a:rPr>
+              <a:t>Bằng 0 khi ô trống</a:t>
+            </a:r>
+          </a:p>
+          <a:p>
+            <a:pPr marL="742950" lvl="1" indent="-285750">
+              <a:defRPr/>
+            </a:pPr>
+            <a:r>
+              <a:rPr lang="en-US">
+                <a:solidFill>
+                  <a:schemeClr val="tx1"/>
+                </a:solidFill>
+                <a:latin typeface="Arial" panose="020B0604020202020204" pitchFamily="34" charset="0"/>
+                <a:cs typeface="Arial" panose="020B0604020202020204" pitchFamily="34" charset="0"/>
+              </a:rPr>
+              <a:t>Bằng 1 nếu là n</a:t>
+            </a:r>
+            <a:r>
+              <a:rPr lang="vi-VN">
+                <a:solidFill>
+                  <a:schemeClr val="tx1"/>
+                </a:solidFill>
+                <a:latin typeface="Arial" panose="020B0604020202020204" pitchFamily="34" charset="0"/>
+                <a:cs typeface="Arial" panose="020B0604020202020204" pitchFamily="34" charset="0"/>
+              </a:rPr>
+              <a:t>ư</a:t>
+            </a:r>
+            <a:r>
+              <a:rPr lang="en-US">
+                <a:solidFill>
+                  <a:schemeClr val="tx1"/>
+                </a:solidFill>
+                <a:latin typeface="Arial" panose="020B0604020202020204" pitchFamily="34" charset="0"/>
+                <a:cs typeface="Arial" panose="020B0604020202020204" pitchFamily="34" charset="0"/>
+              </a:rPr>
+              <a:t>ớc đi của máy</a:t>
+            </a:r>
+          </a:p>
+          <a:p>
+            <a:pPr marL="742950" lvl="1" indent="-285750">
+              <a:defRPr/>
+            </a:pPr>
+            <a:r>
+              <a:rPr lang="en-US">
+                <a:solidFill>
+                  <a:schemeClr val="tx1"/>
+                </a:solidFill>
+                <a:latin typeface="Arial" panose="020B0604020202020204" pitchFamily="34" charset="0"/>
+                <a:cs typeface="Arial" panose="020B0604020202020204" pitchFamily="34" charset="0"/>
+              </a:rPr>
+              <a:t>Bằng 2 nếu là n</a:t>
+            </a:r>
+            <a:r>
+              <a:rPr lang="vi-VN">
+                <a:solidFill>
+                  <a:schemeClr val="tx1"/>
+                </a:solidFill>
+                <a:latin typeface="Arial" panose="020B0604020202020204" pitchFamily="34" charset="0"/>
+                <a:cs typeface="Arial" panose="020B0604020202020204" pitchFamily="34" charset="0"/>
+              </a:rPr>
+              <a:t>ư</a:t>
+            </a:r>
+            <a:r>
+              <a:rPr lang="en-US">
+                <a:solidFill>
+                  <a:schemeClr val="tx1"/>
+                </a:solidFill>
+                <a:latin typeface="Arial" panose="020B0604020202020204" pitchFamily="34" charset="0"/>
+                <a:cs typeface="Arial" panose="020B0604020202020204" pitchFamily="34" charset="0"/>
+              </a:rPr>
+              <a:t>ớc đi của ng</a:t>
+            </a:r>
+            <a:r>
+              <a:rPr lang="vi-VN">
+                <a:solidFill>
+                  <a:schemeClr val="tx1"/>
+                </a:solidFill>
+                <a:latin typeface="Arial" panose="020B0604020202020204" pitchFamily="34" charset="0"/>
+                <a:cs typeface="Arial" panose="020B0604020202020204" pitchFamily="34" charset="0"/>
+              </a:rPr>
+              <a:t>ư</a:t>
+            </a:r>
+            <a:r>
+              <a:rPr lang="en-US">
+                <a:solidFill>
+                  <a:schemeClr val="tx1"/>
+                </a:solidFill>
+                <a:latin typeface="Arial" panose="020B0604020202020204" pitchFamily="34" charset="0"/>
+                <a:cs typeface="Arial" panose="020B0604020202020204" pitchFamily="34" charset="0"/>
+              </a:rPr>
+              <a:t>ời chơi</a:t>
+            </a:r>
+          </a:p>
+          <a:p>
+            <a:pPr marL="285750" indent="-285750">
+              <a:buFont typeface="Courier New" panose="02070309020205020404" pitchFamily="49" charset="0"/>
+              <a:buChar char="o"/>
+              <a:defRPr/>
+            </a:pPr>
+            <a:r>
+              <a:rPr lang="en-US">
+                <a:solidFill>
+                  <a:schemeClr val="tx1"/>
+                </a:solidFill>
+                <a:latin typeface="Arial" panose="020B0604020202020204" pitchFamily="34" charset="0"/>
+                <a:cs typeface="Arial" panose="020B0604020202020204" pitchFamily="34" charset="0"/>
+              </a:rPr>
+              <a:t>Một biến depth đại diện cho độ sâu cần xét</a:t>
+            </a:r>
+          </a:p>
+          <a:p>
+            <a:pPr marL="0" indent="0">
+              <a:buNone/>
+              <a:defRPr/>
+            </a:pPr>
+            <a:r>
+              <a:rPr lang="en-US" b="1" u="sng">
+                <a:solidFill>
+                  <a:schemeClr val="tx1"/>
+                </a:solidFill>
+                <a:latin typeface="Arial" panose="020B0604020202020204" pitchFamily="34" charset="0"/>
+                <a:cs typeface="Arial" panose="020B0604020202020204" pitchFamily="34" charset="0"/>
+              </a:rPr>
+              <a:t>* Terminal-test: </a:t>
+            </a:r>
+          </a:p>
+          <a:p>
+            <a:pPr marL="285750" indent="-285750">
+              <a:buFont typeface="Courier New" panose="02070309020205020404" pitchFamily="49" charset="0"/>
+              <a:buChar char="o"/>
+              <a:defRPr/>
+            </a:pPr>
+            <a:r>
+              <a:rPr lang="en-US">
+                <a:solidFill>
+                  <a:schemeClr val="tx1"/>
+                </a:solidFill>
+                <a:latin typeface="Arial" panose="020B0604020202020204" pitchFamily="34" charset="0"/>
+                <a:cs typeface="Arial" panose="020B0604020202020204" pitchFamily="34" charset="0"/>
+              </a:rPr>
+              <a:t>Hàm Max-Value và Min-Value trả về giá trị nếu depth=0 </a:t>
+            </a:r>
+          </a:p>
+          <a:p>
+            <a:pPr marL="285750" indent="-285750">
+              <a:buFont typeface="Courier New" panose="02070309020205020404" pitchFamily="49" charset="0"/>
+              <a:buChar char="o"/>
+              <a:defRPr/>
+            </a:pPr>
+            <a:r>
+              <a:rPr lang="en-US">
+                <a:solidFill>
+                  <a:schemeClr val="tx1"/>
+                </a:solidFill>
+                <a:latin typeface="Arial" panose="020B0604020202020204" pitchFamily="34" charset="0"/>
+                <a:cs typeface="Arial" panose="020B0604020202020204" pitchFamily="34" charset="0"/>
+              </a:rPr>
+              <a:t>Giá trị trả về là một ô cờ có điểm cao nhất với state nhập vào</a:t>
+            </a:r>
+          </a:p>
+          <a:p>
+            <a:pPr lvl="2">
+              <a:defRPr/>
+            </a:pPr>
             <a:endParaRPr lang="en-US">
               <a:solidFill>
                 <a:schemeClr val="tx1"/>
@@ -4812,38 +4105,102 @@
               <a:cs typeface="Arial" panose="020B0604020202020204" pitchFamily="34" charset="0"/>
             </a:endParaRPr>
           </a:p>
+          <a:p>
+            <a:pPr marL="1200150" lvl="2" indent="-285750">
+              <a:defRPr/>
+            </a:pPr>
+            <a:endParaRPr lang="en-US">
+              <a:solidFill>
+                <a:schemeClr val="tx1"/>
+              </a:solidFill>
+              <a:latin typeface="Arial" panose="020B0604020202020204" pitchFamily="34" charset="0"/>
+              <a:cs typeface="Arial" panose="020B0604020202020204" pitchFamily="34" charset="0"/>
+            </a:endParaRPr>
+          </a:p>
+          <a:p>
+            <a:pPr marL="742950" lvl="1" indent="-285750">
+              <a:defRPr/>
+            </a:pPr>
+            <a:endParaRPr lang="en-US">
+              <a:solidFill>
+                <a:schemeClr val="tx1"/>
+              </a:solidFill>
+              <a:latin typeface="Arial" panose="020B0604020202020204" pitchFamily="34" charset="0"/>
+              <a:cs typeface="Arial" panose="020B0604020202020204" pitchFamily="34" charset="0"/>
+            </a:endParaRPr>
+          </a:p>
+          <a:p>
+            <a:pPr marL="0" indent="0">
+              <a:buNone/>
+            </a:pPr>
+            <a:endParaRPr lang="en-US" sz="2400">
+              <a:solidFill>
+                <a:schemeClr val="tx1"/>
+              </a:solidFill>
+              <a:latin typeface="Arial" panose="020B0604020202020204" pitchFamily="34" charset="0"/>
+              <a:cs typeface="Arial" panose="020B0604020202020204" pitchFamily="34" charset="0"/>
+            </a:endParaRPr>
+          </a:p>
+          <a:p>
+            <a:pPr marL="0" indent="0">
+              <a:buNone/>
+              <a:defRPr/>
+            </a:pPr>
+            <a:endParaRPr lang="en-US">
+              <a:solidFill>
+                <a:schemeClr val="tx1"/>
+              </a:solidFill>
+              <a:latin typeface="Arial" panose="020B0604020202020204" pitchFamily="34" charset="0"/>
+              <a:cs typeface="Arial" panose="020B0604020202020204" pitchFamily="34" charset="0"/>
+            </a:endParaRPr>
+          </a:p>
+          <a:p>
+            <a:pPr marL="742950" lvl="1" indent="-285750">
+              <a:defRPr/>
+            </a:pPr>
+            <a:endParaRPr lang="en-US">
+              <a:solidFill>
+                <a:schemeClr val="tx1"/>
+              </a:solidFill>
+              <a:latin typeface="Arial" panose="020B0604020202020204" pitchFamily="34" charset="0"/>
+              <a:cs typeface="Arial" panose="020B0604020202020204" pitchFamily="34" charset="0"/>
+            </a:endParaRPr>
+          </a:p>
+          <a:p>
+            <a:pPr marL="742950" lvl="1" indent="-285750">
+              <a:defRPr/>
+            </a:pPr>
+            <a:endParaRPr lang="en-US">
+              <a:solidFill>
+                <a:schemeClr val="tx1"/>
+              </a:solidFill>
+              <a:latin typeface="Arial" panose="020B0604020202020204" pitchFamily="34" charset="0"/>
+              <a:cs typeface="Arial" panose="020B0604020202020204" pitchFamily="34" charset="0"/>
+            </a:endParaRPr>
+          </a:p>
+          <a:p>
+            <a:pPr marL="1200150" lvl="2" indent="-285750">
+              <a:defRPr/>
+            </a:pPr>
+            <a:endParaRPr lang="en-US">
+              <a:solidFill>
+                <a:schemeClr val="tx1"/>
+              </a:solidFill>
+              <a:latin typeface="Arial" panose="020B0604020202020204" pitchFamily="34" charset="0"/>
+              <a:cs typeface="Arial" panose="020B0604020202020204" pitchFamily="34" charset="0"/>
+            </a:endParaRPr>
+          </a:p>
+          <a:p>
+            <a:endParaRPr lang="en-US" sz="2000">
+              <a:solidFill>
+                <a:schemeClr val="tx1"/>
+              </a:solidFill>
+              <a:latin typeface="Arial" panose="020B0604020202020204" pitchFamily="34" charset="0"/>
+              <a:cs typeface="Arial" panose="020B0604020202020204" pitchFamily="34" charset="0"/>
+            </a:endParaRPr>
+          </a:p>
         </p:txBody>
       </p:sp>
-      <p:pic>
-        <p:nvPicPr>
-          <p:cNvPr id="10" name="image6.png" descr="A screenshot of a cell phone&#10;&#10;Description automatically generated">
-            <a:extLst>
-              <a:ext uri="{FF2B5EF4-FFF2-40B4-BE49-F238E27FC236}">
-                <a16:creationId xmlns:a16="http://schemas.microsoft.com/office/drawing/2014/main" id="{574A39BB-2B81-471E-81DF-CFA0A72E0D88}"/>
-              </a:ext>
-            </a:extLst>
-          </p:cNvPr>
-          <p:cNvPicPr/>
-          <p:nvPr/>
-        </p:nvPicPr>
-        <p:blipFill>
-          <a:blip r:embed="rId2"/>
-          <a:srcRect/>
-          <a:stretch>
-            <a:fillRect/>
-          </a:stretch>
-        </p:blipFill>
-        <p:spPr>
-          <a:xfrm>
-            <a:off x="1162594" y="3605349"/>
-            <a:ext cx="7158445" cy="1672045"/>
-          </a:xfrm>
-          <a:prstGeom prst="rect">
-            <a:avLst/>
-          </a:prstGeom>
-          <a:ln/>
-        </p:spPr>
-      </p:pic>
     </p:spTree>
     <p:extLst>
       <p:ext uri="{BB962C8B-B14F-4D97-AF65-F5344CB8AC3E}">
@@ -4858,1392 +4215,6 @@
 </file>
 
 <file path=ppt/slides/slide14.xml><?xml version="1.0" encoding="utf-8"?>
-<p:sld xmlns:a="http://schemas.openxmlformats.org/drawingml/2006/main" xmlns:r="http://schemas.openxmlformats.org/officeDocument/2006/relationships" xmlns:p="http://schemas.openxmlformats.org/presentationml/2006/main">
-  <p:cSld>
-    <p:spTree>
-      <p:nvGrpSpPr>
-        <p:cNvPr id="1" name=""/>
-        <p:cNvGrpSpPr/>
-        <p:nvPr/>
-      </p:nvGrpSpPr>
-      <p:grpSpPr>
-        <a:xfrm>
-          <a:off x="0" y="0"/>
-          <a:ext cx="0" cy="0"/>
-          <a:chOff x="0" y="0"/>
-          <a:chExt cx="0" cy="0"/>
-        </a:xfrm>
-      </p:grpSpPr>
-      <p:sp>
-        <p:nvSpPr>
-          <p:cNvPr id="2" name="Title 1">
-            <a:extLst>
-              <a:ext uri="{FF2B5EF4-FFF2-40B4-BE49-F238E27FC236}">
-                <a16:creationId xmlns:a16="http://schemas.microsoft.com/office/drawing/2014/main" id="{24356B0E-59E8-4B5E-8ABC-BA3D2BD70663}"/>
-              </a:ext>
-            </a:extLst>
-          </p:cNvPr>
-          <p:cNvSpPr>
-            <a:spLocks noGrp="1"/>
-          </p:cNvSpPr>
-          <p:nvPr>
-            <p:ph type="title"/>
-          </p:nvPr>
-        </p:nvSpPr>
-        <p:spPr/>
-        <p:txBody>
-          <a:bodyPr>
-            <a:normAutofit/>
-          </a:bodyPr>
-          <a:lstStyle/>
-          <a:p>
-            <a:r>
-              <a:rPr lang="en-US" sz="2800">
-                <a:latin typeface="Arial" panose="020B0604020202020204" pitchFamily="34" charset="0"/>
-                <a:cs typeface="Arial" panose="020B0604020202020204" pitchFamily="34" charset="0"/>
-              </a:rPr>
-              <a:t>2.4. Áp </a:t>
-            </a:r>
-            <a:r>
-              <a:rPr lang="en-US" sz="2800" err="1">
-                <a:latin typeface="Arial" panose="020B0604020202020204" pitchFamily="34" charset="0"/>
-                <a:cs typeface="Arial" panose="020B0604020202020204" pitchFamily="34" charset="0"/>
-              </a:rPr>
-              <a:t>dụng</a:t>
-            </a:r>
-            <a:r>
-              <a:rPr lang="en-US" sz="2800">
-                <a:latin typeface="Arial" panose="020B0604020202020204" pitchFamily="34" charset="0"/>
-                <a:cs typeface="Arial" panose="020B0604020202020204" pitchFamily="34" charset="0"/>
-              </a:rPr>
-              <a:t> </a:t>
-            </a:r>
-            <a:r>
-              <a:rPr lang="en-US" sz="2800" err="1">
-                <a:latin typeface="Arial" panose="020B0604020202020204" pitchFamily="34" charset="0"/>
-                <a:cs typeface="Arial" panose="020B0604020202020204" pitchFamily="34" charset="0"/>
-              </a:rPr>
-              <a:t>vào</a:t>
-            </a:r>
-            <a:r>
-              <a:rPr lang="en-US" sz="2800">
-                <a:latin typeface="Arial" panose="020B0604020202020204" pitchFamily="34" charset="0"/>
-                <a:cs typeface="Arial" panose="020B0604020202020204" pitchFamily="34" charset="0"/>
-              </a:rPr>
-              <a:t> </a:t>
-            </a:r>
-            <a:r>
-              <a:rPr lang="en-US" sz="2800" err="1">
-                <a:latin typeface="Arial" panose="020B0604020202020204" pitchFamily="34" charset="0"/>
-                <a:cs typeface="Arial" panose="020B0604020202020204" pitchFamily="34" charset="0"/>
-              </a:rPr>
-              <a:t>tìm</a:t>
-            </a:r>
-            <a:r>
-              <a:rPr lang="en-US" sz="2800">
-                <a:latin typeface="Arial" panose="020B0604020202020204" pitchFamily="34" charset="0"/>
-                <a:cs typeface="Arial" panose="020B0604020202020204" pitchFamily="34" charset="0"/>
-              </a:rPr>
-              <a:t> </a:t>
-            </a:r>
-            <a:r>
-              <a:rPr lang="en-US" sz="2800" err="1">
-                <a:latin typeface="Arial" panose="020B0604020202020204" pitchFamily="34" charset="0"/>
-                <a:cs typeface="Arial" panose="020B0604020202020204" pitchFamily="34" charset="0"/>
-              </a:rPr>
-              <a:t>kiếm</a:t>
-            </a:r>
-            <a:r>
-              <a:rPr lang="en-US" sz="2800">
-                <a:latin typeface="Arial" panose="020B0604020202020204" pitchFamily="34" charset="0"/>
-                <a:cs typeface="Arial" panose="020B0604020202020204" pitchFamily="34" charset="0"/>
-              </a:rPr>
-              <a:t> n</a:t>
-            </a:r>
-            <a:r>
-              <a:rPr lang="vi-VN" sz="2800">
-                <a:latin typeface="Arial" panose="020B0604020202020204" pitchFamily="34" charset="0"/>
-                <a:cs typeface="Arial" panose="020B0604020202020204" pitchFamily="34" charset="0"/>
-              </a:rPr>
-              <a:t>ư</a:t>
-            </a:r>
-            <a:r>
-              <a:rPr lang="en-US" sz="2800" err="1">
-                <a:latin typeface="Arial" panose="020B0604020202020204" pitchFamily="34" charset="0"/>
-                <a:cs typeface="Arial" panose="020B0604020202020204" pitchFamily="34" charset="0"/>
-              </a:rPr>
-              <a:t>ớc</a:t>
-            </a:r>
-            <a:r>
-              <a:rPr lang="en-US" sz="2800">
-                <a:latin typeface="Arial" panose="020B0604020202020204" pitchFamily="34" charset="0"/>
-                <a:cs typeface="Arial" panose="020B0604020202020204" pitchFamily="34" charset="0"/>
-              </a:rPr>
-              <a:t> </a:t>
-            </a:r>
-            <a:r>
-              <a:rPr lang="en-US" sz="2800" err="1">
-                <a:latin typeface="Arial" panose="020B0604020202020204" pitchFamily="34" charset="0"/>
-                <a:cs typeface="Arial" panose="020B0604020202020204" pitchFamily="34" charset="0"/>
-              </a:rPr>
-              <a:t>đi</a:t>
-            </a:r>
-            <a:r>
-              <a:rPr lang="en-US" sz="2800">
-                <a:latin typeface="Arial" panose="020B0604020202020204" pitchFamily="34" charset="0"/>
-                <a:cs typeface="Arial" panose="020B0604020202020204" pitchFamily="34" charset="0"/>
-              </a:rPr>
-              <a:t> </a:t>
-            </a:r>
-            <a:r>
-              <a:rPr lang="en-US" sz="2800" err="1">
-                <a:latin typeface="Arial" panose="020B0604020202020204" pitchFamily="34" charset="0"/>
-                <a:cs typeface="Arial" panose="020B0604020202020204" pitchFamily="34" charset="0"/>
-              </a:rPr>
-              <a:t>cho</a:t>
-            </a:r>
-            <a:r>
-              <a:rPr lang="en-US" sz="2800">
-                <a:latin typeface="Arial" panose="020B0604020202020204" pitchFamily="34" charset="0"/>
-                <a:cs typeface="Arial" panose="020B0604020202020204" pitchFamily="34" charset="0"/>
-              </a:rPr>
-              <a:t> </a:t>
-            </a:r>
-            <a:r>
-              <a:rPr lang="en-US" sz="2800" err="1">
-                <a:latin typeface="Arial" panose="020B0604020202020204" pitchFamily="34" charset="0"/>
-                <a:cs typeface="Arial" panose="020B0604020202020204" pitchFamily="34" charset="0"/>
-              </a:rPr>
-              <a:t>máy</a:t>
-            </a:r>
-            <a:endParaRPr lang="en-US" sz="2800">
-              <a:latin typeface="Arial" panose="020B0604020202020204" pitchFamily="34" charset="0"/>
-              <a:cs typeface="Arial" panose="020B0604020202020204" pitchFamily="34" charset="0"/>
-            </a:endParaRPr>
-          </a:p>
-        </p:txBody>
-      </p:sp>
-      <p:sp>
-        <p:nvSpPr>
-          <p:cNvPr id="3" name="Content Placeholder 2">
-            <a:extLst>
-              <a:ext uri="{FF2B5EF4-FFF2-40B4-BE49-F238E27FC236}">
-                <a16:creationId xmlns:a16="http://schemas.microsoft.com/office/drawing/2014/main" id="{71E837A5-65D6-4203-908A-CDF969975B51}"/>
-              </a:ext>
-            </a:extLst>
-          </p:cNvPr>
-          <p:cNvSpPr>
-            <a:spLocks noGrp="1"/>
-          </p:cNvSpPr>
-          <p:nvPr>
-            <p:ph idx="1"/>
-          </p:nvPr>
-        </p:nvSpPr>
-        <p:spPr/>
-        <p:txBody>
-          <a:bodyPr>
-            <a:normAutofit/>
-          </a:bodyPr>
-          <a:lstStyle/>
-          <a:p>
-            <a:r>
-              <a:rPr lang="en-US" sz="2400">
-                <a:solidFill>
-                  <a:schemeClr val="tx1"/>
-                </a:solidFill>
-                <a:latin typeface="Arial" panose="020B0604020202020204" pitchFamily="34" charset="0"/>
-                <a:cs typeface="Arial" panose="020B0604020202020204" pitchFamily="34" charset="0"/>
-              </a:rPr>
-              <a:t> Terminal-Test: </a:t>
-            </a:r>
-            <a:r>
-              <a:rPr lang="en-US" sz="2400" err="1">
-                <a:solidFill>
-                  <a:schemeClr val="tx1"/>
-                </a:solidFill>
-                <a:latin typeface="Arial" panose="020B0604020202020204" pitchFamily="34" charset="0"/>
-                <a:cs typeface="Arial" panose="020B0604020202020204" pitchFamily="34" charset="0"/>
-              </a:rPr>
-              <a:t>hàm</a:t>
-            </a:r>
-            <a:r>
-              <a:rPr lang="en-US" sz="2400">
-                <a:solidFill>
-                  <a:schemeClr val="tx1"/>
-                </a:solidFill>
-                <a:latin typeface="Arial" panose="020B0604020202020204" pitchFamily="34" charset="0"/>
-                <a:cs typeface="Arial" panose="020B0604020202020204" pitchFamily="34" charset="0"/>
-              </a:rPr>
-              <a:t> Max-Value và Min-Value sẽ trả </a:t>
-            </a:r>
-            <a:r>
-              <a:rPr lang="en-US" sz="2400" err="1">
-                <a:solidFill>
-                  <a:schemeClr val="tx1"/>
-                </a:solidFill>
-                <a:latin typeface="Arial" panose="020B0604020202020204" pitchFamily="34" charset="0"/>
-                <a:cs typeface="Arial" panose="020B0604020202020204" pitchFamily="34" charset="0"/>
-              </a:rPr>
-              <a:t>vê</a:t>
-            </a:r>
-            <a:r>
-              <a:rPr lang="en-US" sz="2400">
-                <a:solidFill>
-                  <a:schemeClr val="tx1"/>
-                </a:solidFill>
-                <a:latin typeface="Arial" panose="020B0604020202020204" pitchFamily="34" charset="0"/>
-                <a:cs typeface="Arial" panose="020B0604020202020204" pitchFamily="34" charset="0"/>
-              </a:rPr>
-              <a:t>̀ giá trị </a:t>
-            </a:r>
-            <a:r>
-              <a:rPr lang="en-US" sz="2400" err="1">
-                <a:solidFill>
-                  <a:schemeClr val="tx1"/>
-                </a:solidFill>
-                <a:latin typeface="Arial" panose="020B0604020202020204" pitchFamily="34" charset="0"/>
-                <a:cs typeface="Arial" panose="020B0604020202020204" pitchFamily="34" charset="0"/>
-              </a:rPr>
-              <a:t>luôn</a:t>
-            </a:r>
-            <a:r>
-              <a:rPr lang="en-US" sz="2400">
-                <a:solidFill>
-                  <a:schemeClr val="tx1"/>
-                </a:solidFill>
-                <a:latin typeface="Arial" panose="020B0604020202020204" pitchFamily="34" charset="0"/>
-                <a:cs typeface="Arial" panose="020B0604020202020204" pitchFamily="34" charset="0"/>
-              </a:rPr>
-              <a:t> </a:t>
-            </a:r>
-            <a:r>
-              <a:rPr lang="en-US" sz="2400" err="1">
-                <a:solidFill>
-                  <a:schemeClr val="tx1"/>
-                </a:solidFill>
-                <a:latin typeface="Arial" panose="020B0604020202020204" pitchFamily="34" charset="0"/>
-                <a:cs typeface="Arial" panose="020B0604020202020204" pitchFamily="34" charset="0"/>
-              </a:rPr>
-              <a:t>nếu</a:t>
-            </a:r>
-            <a:r>
-              <a:rPr lang="en-US" sz="2400">
-                <a:solidFill>
-                  <a:schemeClr val="tx1"/>
-                </a:solidFill>
-                <a:latin typeface="Arial" panose="020B0604020202020204" pitchFamily="34" charset="0"/>
-                <a:cs typeface="Arial" panose="020B0604020202020204" pitchFamily="34" charset="0"/>
-              </a:rPr>
-              <a:t> depth = 0 </a:t>
-            </a:r>
-            <a:r>
-              <a:rPr lang="en-US" sz="2400" err="1">
-                <a:solidFill>
-                  <a:schemeClr val="tx1"/>
-                </a:solidFill>
-                <a:latin typeface="Arial" panose="020B0604020202020204" pitchFamily="34" charset="0"/>
-                <a:cs typeface="Arial" panose="020B0604020202020204" pitchFamily="34" charset="0"/>
-              </a:rPr>
-              <a:t>nghĩa</a:t>
-            </a:r>
-            <a:r>
-              <a:rPr lang="en-US" sz="2400">
-                <a:solidFill>
-                  <a:schemeClr val="tx1"/>
-                </a:solidFill>
-                <a:latin typeface="Arial" panose="020B0604020202020204" pitchFamily="34" charset="0"/>
-                <a:cs typeface="Arial" panose="020B0604020202020204" pitchFamily="34" charset="0"/>
-              </a:rPr>
-              <a:t> là đã </a:t>
-            </a:r>
-            <a:r>
-              <a:rPr lang="en-US" sz="2400" err="1">
-                <a:solidFill>
-                  <a:schemeClr val="tx1"/>
-                </a:solidFill>
-                <a:latin typeface="Arial" panose="020B0604020202020204" pitchFamily="34" charset="0"/>
-                <a:cs typeface="Arial" panose="020B0604020202020204" pitchFamily="34" charset="0"/>
-              </a:rPr>
-              <a:t>xét</a:t>
-            </a:r>
-            <a:r>
-              <a:rPr lang="en-US" sz="2400">
-                <a:solidFill>
-                  <a:schemeClr val="tx1"/>
-                </a:solidFill>
-                <a:latin typeface="Arial" panose="020B0604020202020204" pitchFamily="34" charset="0"/>
-                <a:cs typeface="Arial" panose="020B0604020202020204" pitchFamily="34" charset="0"/>
-              </a:rPr>
-              <a:t> </a:t>
-            </a:r>
-            <a:r>
-              <a:rPr lang="en-US" sz="2400" err="1">
-                <a:solidFill>
-                  <a:schemeClr val="tx1"/>
-                </a:solidFill>
-                <a:latin typeface="Arial" panose="020B0604020202020204" pitchFamily="34" charset="0"/>
-                <a:cs typeface="Arial" panose="020B0604020202020204" pitchFamily="34" charset="0"/>
-              </a:rPr>
-              <a:t>tới</a:t>
-            </a:r>
-            <a:r>
-              <a:rPr lang="en-US" sz="2400">
-                <a:solidFill>
-                  <a:schemeClr val="tx1"/>
-                </a:solidFill>
-                <a:latin typeface="Arial" panose="020B0604020202020204" pitchFamily="34" charset="0"/>
-                <a:cs typeface="Arial" panose="020B0604020202020204" pitchFamily="34" charset="0"/>
-              </a:rPr>
-              <a:t> </a:t>
-            </a:r>
-            <a:r>
-              <a:rPr lang="en-US" sz="2400" err="1">
-                <a:solidFill>
-                  <a:schemeClr val="tx1"/>
-                </a:solidFill>
-                <a:latin typeface="Arial" panose="020B0604020202020204" pitchFamily="34" charset="0"/>
-                <a:cs typeface="Arial" panose="020B0604020202020204" pitchFamily="34" charset="0"/>
-              </a:rPr>
-              <a:t>đô</a:t>
-            </a:r>
-            <a:r>
-              <a:rPr lang="en-US" sz="2400">
-                <a:solidFill>
-                  <a:schemeClr val="tx1"/>
-                </a:solidFill>
-                <a:latin typeface="Arial" panose="020B0604020202020204" pitchFamily="34" charset="0"/>
-                <a:cs typeface="Arial" panose="020B0604020202020204" pitchFamily="34" charset="0"/>
-              </a:rPr>
-              <a:t>̣ </a:t>
-            </a:r>
-            <a:r>
-              <a:rPr lang="en-US" sz="2400" err="1">
-                <a:solidFill>
-                  <a:schemeClr val="tx1"/>
-                </a:solidFill>
-                <a:latin typeface="Arial" panose="020B0604020202020204" pitchFamily="34" charset="0"/>
-                <a:cs typeface="Arial" panose="020B0604020202020204" pitchFamily="34" charset="0"/>
-              </a:rPr>
-              <a:t>sâu</a:t>
-            </a:r>
-            <a:r>
-              <a:rPr lang="en-US" sz="2400">
-                <a:solidFill>
-                  <a:schemeClr val="tx1"/>
-                </a:solidFill>
-                <a:latin typeface="Arial" panose="020B0604020202020204" pitchFamily="34" charset="0"/>
-                <a:cs typeface="Arial" panose="020B0604020202020204" pitchFamily="34" charset="0"/>
-              </a:rPr>
-              <a:t> </a:t>
-            </a:r>
-            <a:r>
-              <a:rPr lang="en-US" sz="2400" err="1">
-                <a:solidFill>
-                  <a:schemeClr val="tx1"/>
-                </a:solidFill>
-                <a:latin typeface="Arial" panose="020B0604020202020204" pitchFamily="34" charset="0"/>
-                <a:cs typeface="Arial" panose="020B0604020202020204" pitchFamily="34" charset="0"/>
-              </a:rPr>
-              <a:t>mong</a:t>
-            </a:r>
-            <a:r>
-              <a:rPr lang="en-US" sz="2400">
-                <a:solidFill>
-                  <a:schemeClr val="tx1"/>
-                </a:solidFill>
-                <a:latin typeface="Arial" panose="020B0604020202020204" pitchFamily="34" charset="0"/>
-                <a:cs typeface="Arial" panose="020B0604020202020204" pitchFamily="34" charset="0"/>
-              </a:rPr>
-              <a:t> </a:t>
-            </a:r>
-            <a:r>
-              <a:rPr lang="en-US" sz="2400" err="1">
-                <a:solidFill>
-                  <a:schemeClr val="tx1"/>
-                </a:solidFill>
-                <a:latin typeface="Arial" panose="020B0604020202020204" pitchFamily="34" charset="0"/>
-                <a:cs typeface="Arial" panose="020B0604020202020204" pitchFamily="34" charset="0"/>
-              </a:rPr>
-              <a:t>muốn</a:t>
-            </a:r>
-            <a:r>
-              <a:rPr lang="en-US" sz="2400">
-                <a:solidFill>
-                  <a:schemeClr val="tx1"/>
-                </a:solidFill>
-                <a:latin typeface="Arial" panose="020B0604020202020204" pitchFamily="34" charset="0"/>
-                <a:cs typeface="Arial" panose="020B0604020202020204" pitchFamily="34" charset="0"/>
-              </a:rPr>
-              <a:t>. Giá trị </a:t>
-            </a:r>
-            <a:r>
-              <a:rPr lang="en-US" sz="2400" err="1">
-                <a:solidFill>
-                  <a:schemeClr val="tx1"/>
-                </a:solidFill>
-                <a:latin typeface="Arial" panose="020B0604020202020204" pitchFamily="34" charset="0"/>
-                <a:cs typeface="Arial" panose="020B0604020202020204" pitchFamily="34" charset="0"/>
-              </a:rPr>
-              <a:t>tra</a:t>
-            </a:r>
-            <a:r>
-              <a:rPr lang="en-US" sz="2400">
-                <a:solidFill>
-                  <a:schemeClr val="tx1"/>
-                </a:solidFill>
-                <a:latin typeface="Arial" panose="020B0604020202020204" pitchFamily="34" charset="0"/>
-                <a:cs typeface="Arial" panose="020B0604020202020204" pitchFamily="34" charset="0"/>
-              </a:rPr>
-              <a:t>̉ </a:t>
-            </a:r>
-            <a:r>
-              <a:rPr lang="en-US" sz="2400" err="1">
-                <a:solidFill>
-                  <a:schemeClr val="tx1"/>
-                </a:solidFill>
-                <a:latin typeface="Arial" panose="020B0604020202020204" pitchFamily="34" charset="0"/>
-                <a:cs typeface="Arial" panose="020B0604020202020204" pitchFamily="34" charset="0"/>
-              </a:rPr>
-              <a:t>vê</a:t>
-            </a:r>
-            <a:r>
-              <a:rPr lang="en-US" sz="2400">
-                <a:solidFill>
-                  <a:schemeClr val="tx1"/>
-                </a:solidFill>
-                <a:latin typeface="Arial" panose="020B0604020202020204" pitchFamily="34" charset="0"/>
-                <a:cs typeface="Arial" panose="020B0604020202020204" pitchFamily="34" charset="0"/>
-              </a:rPr>
-              <a:t>̀ là </a:t>
-            </a:r>
-            <a:r>
-              <a:rPr lang="en-US" sz="2400" err="1">
-                <a:solidFill>
-                  <a:schemeClr val="tx1"/>
-                </a:solidFill>
-                <a:latin typeface="Arial" panose="020B0604020202020204" pitchFamily="34" charset="0"/>
-                <a:cs typeface="Arial" panose="020B0604020202020204" pitchFamily="34" charset="0"/>
-              </a:rPr>
-              <a:t>một</a:t>
-            </a:r>
-            <a:r>
-              <a:rPr lang="en-US" sz="2400">
-                <a:solidFill>
-                  <a:schemeClr val="tx1"/>
-                </a:solidFill>
-                <a:latin typeface="Arial" panose="020B0604020202020204" pitchFamily="34" charset="0"/>
-                <a:cs typeface="Arial" panose="020B0604020202020204" pitchFamily="34" charset="0"/>
-              </a:rPr>
-              <a:t> </a:t>
-            </a:r>
-            <a:r>
-              <a:rPr lang="en-US" sz="2400" err="1">
-                <a:solidFill>
-                  <a:schemeClr val="tx1"/>
-                </a:solidFill>
-                <a:latin typeface="Arial" panose="020B0604020202020204" pitchFamily="34" charset="0"/>
-                <a:cs typeface="Arial" panose="020B0604020202020204" pitchFamily="34" charset="0"/>
-              </a:rPr>
-              <a:t>đối</a:t>
-            </a:r>
-            <a:r>
-              <a:rPr lang="en-US" sz="2400">
-                <a:solidFill>
-                  <a:schemeClr val="tx1"/>
-                </a:solidFill>
-                <a:latin typeface="Arial" panose="020B0604020202020204" pitchFamily="34" charset="0"/>
-                <a:cs typeface="Arial" panose="020B0604020202020204" pitchFamily="34" charset="0"/>
-              </a:rPr>
-              <a:t> </a:t>
-            </a:r>
-            <a:r>
-              <a:rPr lang="en-US" sz="2400" err="1">
-                <a:solidFill>
-                  <a:schemeClr val="tx1"/>
-                </a:solidFill>
-                <a:latin typeface="Arial" panose="020B0604020202020204" pitchFamily="34" charset="0"/>
-                <a:cs typeface="Arial" panose="020B0604020202020204" pitchFamily="34" charset="0"/>
-              </a:rPr>
-              <a:t>tượng</a:t>
-            </a:r>
-            <a:r>
-              <a:rPr lang="en-US" sz="2400">
-                <a:solidFill>
-                  <a:schemeClr val="tx1"/>
-                </a:solidFill>
-                <a:latin typeface="Arial" panose="020B0604020202020204" pitchFamily="34" charset="0"/>
-                <a:cs typeface="Arial" panose="020B0604020202020204" pitchFamily="34" charset="0"/>
-              </a:rPr>
-              <a:t> ô cờ, cụ </a:t>
-            </a:r>
-            <a:r>
-              <a:rPr lang="en-US" sz="2400" err="1">
-                <a:solidFill>
-                  <a:schemeClr val="tx1"/>
-                </a:solidFill>
-                <a:latin typeface="Arial" panose="020B0604020202020204" pitchFamily="34" charset="0"/>
-                <a:cs typeface="Arial" panose="020B0604020202020204" pitchFamily="34" charset="0"/>
-              </a:rPr>
-              <a:t>thê</a:t>
-            </a:r>
-            <a:r>
-              <a:rPr lang="en-US" sz="2400">
-                <a:solidFill>
-                  <a:schemeClr val="tx1"/>
-                </a:solidFill>
-                <a:latin typeface="Arial" panose="020B0604020202020204" pitchFamily="34" charset="0"/>
-                <a:cs typeface="Arial" panose="020B0604020202020204" pitchFamily="34" charset="0"/>
-              </a:rPr>
-              <a:t>̉ là ô cờ có </a:t>
-            </a:r>
-            <a:r>
-              <a:rPr lang="en-US" sz="2400" err="1">
-                <a:solidFill>
-                  <a:schemeClr val="tx1"/>
-                </a:solidFill>
-                <a:latin typeface="Arial" panose="020B0604020202020204" pitchFamily="34" charset="0"/>
-                <a:cs typeface="Arial" panose="020B0604020202020204" pitchFamily="34" charset="0"/>
-              </a:rPr>
-              <a:t>điểm</a:t>
-            </a:r>
-            <a:r>
-              <a:rPr lang="en-US" sz="2400">
-                <a:solidFill>
-                  <a:schemeClr val="tx1"/>
-                </a:solidFill>
-                <a:latin typeface="Arial" panose="020B0604020202020204" pitchFamily="34" charset="0"/>
-                <a:cs typeface="Arial" panose="020B0604020202020204" pitchFamily="34" charset="0"/>
-              </a:rPr>
-              <a:t> </a:t>
-            </a:r>
-            <a:r>
-              <a:rPr lang="en-US" sz="2400" err="1">
-                <a:solidFill>
-                  <a:schemeClr val="tx1"/>
-                </a:solidFill>
-                <a:latin typeface="Arial" panose="020B0604020202020204" pitchFamily="34" charset="0"/>
-                <a:cs typeface="Arial" panose="020B0604020202020204" pitchFamily="34" charset="0"/>
-              </a:rPr>
-              <a:t>cao</a:t>
-            </a:r>
-            <a:r>
-              <a:rPr lang="en-US" sz="2400">
-                <a:solidFill>
-                  <a:schemeClr val="tx1"/>
-                </a:solidFill>
-                <a:latin typeface="Arial" panose="020B0604020202020204" pitchFamily="34" charset="0"/>
-                <a:cs typeface="Arial" panose="020B0604020202020204" pitchFamily="34" charset="0"/>
-              </a:rPr>
-              <a:t> </a:t>
-            </a:r>
-            <a:r>
-              <a:rPr lang="en-US" sz="2400" err="1">
-                <a:solidFill>
-                  <a:schemeClr val="tx1"/>
-                </a:solidFill>
-                <a:latin typeface="Arial" panose="020B0604020202020204" pitchFamily="34" charset="0"/>
-                <a:cs typeface="Arial" panose="020B0604020202020204" pitchFamily="34" charset="0"/>
-              </a:rPr>
-              <a:t>nhất</a:t>
-            </a:r>
-            <a:r>
-              <a:rPr lang="en-US" sz="2400">
-                <a:solidFill>
-                  <a:schemeClr val="tx1"/>
-                </a:solidFill>
-                <a:latin typeface="Arial" panose="020B0604020202020204" pitchFamily="34" charset="0"/>
-                <a:cs typeface="Arial" panose="020B0604020202020204" pitchFamily="34" charset="0"/>
-              </a:rPr>
-              <a:t> </a:t>
-            </a:r>
-            <a:r>
-              <a:rPr lang="en-US" sz="2400" err="1">
-                <a:solidFill>
-                  <a:schemeClr val="tx1"/>
-                </a:solidFill>
-                <a:latin typeface="Arial" panose="020B0604020202020204" pitchFamily="34" charset="0"/>
-                <a:cs typeface="Arial" panose="020B0604020202020204" pitchFamily="34" charset="0"/>
-              </a:rPr>
-              <a:t>với</a:t>
-            </a:r>
-            <a:r>
-              <a:rPr lang="en-US" sz="2400">
-                <a:solidFill>
-                  <a:schemeClr val="tx1"/>
-                </a:solidFill>
-                <a:latin typeface="Arial" panose="020B0604020202020204" pitchFamily="34" charset="0"/>
-                <a:cs typeface="Arial" panose="020B0604020202020204" pitchFamily="34" charset="0"/>
-              </a:rPr>
-              <a:t> state </a:t>
-            </a:r>
-            <a:r>
-              <a:rPr lang="en-US" sz="2400" err="1">
-                <a:solidFill>
-                  <a:schemeClr val="tx1"/>
-                </a:solidFill>
-                <a:latin typeface="Arial" panose="020B0604020202020204" pitchFamily="34" charset="0"/>
-                <a:cs typeface="Arial" panose="020B0604020202020204" pitchFamily="34" charset="0"/>
-              </a:rPr>
-              <a:t>nhập</a:t>
-            </a:r>
-            <a:r>
-              <a:rPr lang="en-US" sz="2400">
-                <a:solidFill>
-                  <a:schemeClr val="tx1"/>
-                </a:solidFill>
-                <a:latin typeface="Arial" panose="020B0604020202020204" pitchFamily="34" charset="0"/>
-                <a:cs typeface="Arial" panose="020B0604020202020204" pitchFamily="34" charset="0"/>
-              </a:rPr>
-              <a:t> </a:t>
-            </a:r>
-            <a:r>
-              <a:rPr lang="en-US" sz="2400" err="1">
-                <a:solidFill>
-                  <a:schemeClr val="tx1"/>
-                </a:solidFill>
-                <a:latin typeface="Arial" panose="020B0604020202020204" pitchFamily="34" charset="0"/>
-                <a:cs typeface="Arial" panose="020B0604020202020204" pitchFamily="34" charset="0"/>
-              </a:rPr>
-              <a:t>vào</a:t>
-            </a:r>
-            <a:r>
-              <a:rPr lang="en-US" sz="2400">
-                <a:solidFill>
-                  <a:schemeClr val="tx1"/>
-                </a:solidFill>
-                <a:latin typeface="Arial" panose="020B0604020202020204" pitchFamily="34" charset="0"/>
-                <a:cs typeface="Arial" panose="020B0604020202020204" pitchFamily="34" charset="0"/>
-              </a:rPr>
-              <a:t>.</a:t>
-            </a:r>
-          </a:p>
-          <a:p>
-            <a:endParaRPr lang="en-US" sz="2400">
-              <a:solidFill>
-                <a:schemeClr val="tx1"/>
-              </a:solidFill>
-              <a:latin typeface="Arial" panose="020B0604020202020204" pitchFamily="34" charset="0"/>
-              <a:cs typeface="Arial" panose="020B0604020202020204" pitchFamily="34" charset="0"/>
-            </a:endParaRPr>
-          </a:p>
-        </p:txBody>
-      </p:sp>
-      <p:pic>
-        <p:nvPicPr>
-          <p:cNvPr id="4" name="image1.png">
-            <a:extLst>
-              <a:ext uri="{FF2B5EF4-FFF2-40B4-BE49-F238E27FC236}">
-                <a16:creationId xmlns:a16="http://schemas.microsoft.com/office/drawing/2014/main" id="{A31B733A-1B83-4B97-9F13-EA0E7B8F133F}"/>
-              </a:ext>
-            </a:extLst>
-          </p:cNvPr>
-          <p:cNvPicPr/>
-          <p:nvPr/>
-        </p:nvPicPr>
-        <p:blipFill>
-          <a:blip r:embed="rId2"/>
-          <a:srcRect/>
-          <a:stretch>
-            <a:fillRect/>
-          </a:stretch>
-        </p:blipFill>
-        <p:spPr>
-          <a:xfrm>
-            <a:off x="488951" y="3154135"/>
-            <a:ext cx="8026399" cy="2201636"/>
-          </a:xfrm>
-          <a:prstGeom prst="rect">
-            <a:avLst/>
-          </a:prstGeom>
-          <a:ln/>
-        </p:spPr>
-      </p:pic>
-    </p:spTree>
-    <p:extLst>
-      <p:ext uri="{BB962C8B-B14F-4D97-AF65-F5344CB8AC3E}">
-        <p14:creationId xmlns:p14="http://schemas.microsoft.com/office/powerpoint/2010/main" val="1794088649"/>
-      </p:ext>
-    </p:extLst>
-  </p:cSld>
-  <p:clrMapOvr>
-    <a:masterClrMapping/>
-  </p:clrMapOvr>
-</p:sld>
-</file>
-
-<file path=ppt/slides/slide15.xml><?xml version="1.0" encoding="utf-8"?>
-<p:sld xmlns:a="http://schemas.openxmlformats.org/drawingml/2006/main" xmlns:r="http://schemas.openxmlformats.org/officeDocument/2006/relationships" xmlns:p="http://schemas.openxmlformats.org/presentationml/2006/main">
-  <p:cSld>
-    <p:spTree>
-      <p:nvGrpSpPr>
-        <p:cNvPr id="1" name=""/>
-        <p:cNvGrpSpPr/>
-        <p:nvPr/>
-      </p:nvGrpSpPr>
-      <p:grpSpPr>
-        <a:xfrm>
-          <a:off x="0" y="0"/>
-          <a:ext cx="0" cy="0"/>
-          <a:chOff x="0" y="0"/>
-          <a:chExt cx="0" cy="0"/>
-        </a:xfrm>
-      </p:grpSpPr>
-      <p:sp>
-        <p:nvSpPr>
-          <p:cNvPr id="2" name="Title 1">
-            <a:extLst>
-              <a:ext uri="{FF2B5EF4-FFF2-40B4-BE49-F238E27FC236}">
-                <a16:creationId xmlns:a16="http://schemas.microsoft.com/office/drawing/2014/main" id="{8F831B9C-9C51-4FA9-BE37-55A0FD8BD598}"/>
-              </a:ext>
-            </a:extLst>
-          </p:cNvPr>
-          <p:cNvSpPr>
-            <a:spLocks noGrp="1"/>
-          </p:cNvSpPr>
-          <p:nvPr>
-            <p:ph type="title"/>
-          </p:nvPr>
-        </p:nvSpPr>
-        <p:spPr/>
-        <p:txBody>
-          <a:bodyPr>
-            <a:normAutofit/>
-          </a:bodyPr>
-          <a:lstStyle/>
-          <a:p>
-            <a:r>
-              <a:rPr lang="en-US" sz="2800">
-                <a:latin typeface="Arial" panose="020B0604020202020204" pitchFamily="34" charset="0"/>
-                <a:cs typeface="Arial" panose="020B0604020202020204" pitchFamily="34" charset="0"/>
-              </a:rPr>
-              <a:t>2.4. Áp </a:t>
-            </a:r>
-            <a:r>
-              <a:rPr lang="en-US" sz="2800" err="1">
-                <a:latin typeface="Arial" panose="020B0604020202020204" pitchFamily="34" charset="0"/>
-                <a:cs typeface="Arial" panose="020B0604020202020204" pitchFamily="34" charset="0"/>
-              </a:rPr>
-              <a:t>dụng</a:t>
-            </a:r>
-            <a:r>
-              <a:rPr lang="en-US" sz="2800">
-                <a:latin typeface="Arial" panose="020B0604020202020204" pitchFamily="34" charset="0"/>
-                <a:cs typeface="Arial" panose="020B0604020202020204" pitchFamily="34" charset="0"/>
-              </a:rPr>
-              <a:t> </a:t>
-            </a:r>
-            <a:r>
-              <a:rPr lang="en-US" sz="2800" err="1">
-                <a:latin typeface="Arial" panose="020B0604020202020204" pitchFamily="34" charset="0"/>
-                <a:cs typeface="Arial" panose="020B0604020202020204" pitchFamily="34" charset="0"/>
-              </a:rPr>
-              <a:t>vào</a:t>
-            </a:r>
-            <a:r>
-              <a:rPr lang="en-US" sz="2800">
-                <a:latin typeface="Arial" panose="020B0604020202020204" pitchFamily="34" charset="0"/>
-                <a:cs typeface="Arial" panose="020B0604020202020204" pitchFamily="34" charset="0"/>
-              </a:rPr>
-              <a:t> </a:t>
-            </a:r>
-            <a:r>
-              <a:rPr lang="en-US" sz="2800" err="1">
-                <a:latin typeface="Arial" panose="020B0604020202020204" pitchFamily="34" charset="0"/>
-                <a:cs typeface="Arial" panose="020B0604020202020204" pitchFamily="34" charset="0"/>
-              </a:rPr>
-              <a:t>tìm</a:t>
-            </a:r>
-            <a:r>
-              <a:rPr lang="en-US" sz="2800">
-                <a:latin typeface="Arial" panose="020B0604020202020204" pitchFamily="34" charset="0"/>
-                <a:cs typeface="Arial" panose="020B0604020202020204" pitchFamily="34" charset="0"/>
-              </a:rPr>
-              <a:t> </a:t>
-            </a:r>
-            <a:r>
-              <a:rPr lang="en-US" sz="2800" err="1">
-                <a:latin typeface="Arial" panose="020B0604020202020204" pitchFamily="34" charset="0"/>
-                <a:cs typeface="Arial" panose="020B0604020202020204" pitchFamily="34" charset="0"/>
-              </a:rPr>
-              <a:t>kiếm</a:t>
-            </a:r>
-            <a:r>
-              <a:rPr lang="en-US" sz="2800">
-                <a:latin typeface="Arial" panose="020B0604020202020204" pitchFamily="34" charset="0"/>
-                <a:cs typeface="Arial" panose="020B0604020202020204" pitchFamily="34" charset="0"/>
-              </a:rPr>
-              <a:t> n</a:t>
-            </a:r>
-            <a:r>
-              <a:rPr lang="vi-VN" sz="2800">
-                <a:latin typeface="Arial" panose="020B0604020202020204" pitchFamily="34" charset="0"/>
-                <a:cs typeface="Arial" panose="020B0604020202020204" pitchFamily="34" charset="0"/>
-              </a:rPr>
-              <a:t>ư</a:t>
-            </a:r>
-            <a:r>
-              <a:rPr lang="en-US" sz="2800" err="1">
-                <a:latin typeface="Arial" panose="020B0604020202020204" pitchFamily="34" charset="0"/>
-                <a:cs typeface="Arial" panose="020B0604020202020204" pitchFamily="34" charset="0"/>
-              </a:rPr>
-              <a:t>ớc</a:t>
-            </a:r>
-            <a:r>
-              <a:rPr lang="en-US" sz="2800">
-                <a:latin typeface="Arial" panose="020B0604020202020204" pitchFamily="34" charset="0"/>
-                <a:cs typeface="Arial" panose="020B0604020202020204" pitchFamily="34" charset="0"/>
-              </a:rPr>
-              <a:t> </a:t>
-            </a:r>
-            <a:r>
-              <a:rPr lang="en-US" sz="2800" err="1">
-                <a:latin typeface="Arial" panose="020B0604020202020204" pitchFamily="34" charset="0"/>
-                <a:cs typeface="Arial" panose="020B0604020202020204" pitchFamily="34" charset="0"/>
-              </a:rPr>
-              <a:t>đi</a:t>
-            </a:r>
-            <a:r>
-              <a:rPr lang="en-US" sz="2800">
-                <a:latin typeface="Arial" panose="020B0604020202020204" pitchFamily="34" charset="0"/>
-                <a:cs typeface="Arial" panose="020B0604020202020204" pitchFamily="34" charset="0"/>
-              </a:rPr>
-              <a:t> </a:t>
-            </a:r>
-            <a:r>
-              <a:rPr lang="en-US" sz="2800" err="1">
-                <a:latin typeface="Arial" panose="020B0604020202020204" pitchFamily="34" charset="0"/>
-                <a:cs typeface="Arial" panose="020B0604020202020204" pitchFamily="34" charset="0"/>
-              </a:rPr>
-              <a:t>cho</a:t>
-            </a:r>
-            <a:r>
-              <a:rPr lang="en-US" sz="2800">
-                <a:latin typeface="Arial" panose="020B0604020202020204" pitchFamily="34" charset="0"/>
-                <a:cs typeface="Arial" panose="020B0604020202020204" pitchFamily="34" charset="0"/>
-              </a:rPr>
-              <a:t> </a:t>
-            </a:r>
-            <a:r>
-              <a:rPr lang="en-US" sz="2800" err="1">
-                <a:latin typeface="Arial" panose="020B0604020202020204" pitchFamily="34" charset="0"/>
-                <a:cs typeface="Arial" panose="020B0604020202020204" pitchFamily="34" charset="0"/>
-              </a:rPr>
-              <a:t>máy</a:t>
-            </a:r>
-            <a:endParaRPr lang="en-US" sz="2800">
-              <a:latin typeface="Arial" panose="020B0604020202020204" pitchFamily="34" charset="0"/>
-              <a:cs typeface="Arial" panose="020B0604020202020204" pitchFamily="34" charset="0"/>
-            </a:endParaRPr>
-          </a:p>
-        </p:txBody>
-      </p:sp>
-      <p:sp>
-        <p:nvSpPr>
-          <p:cNvPr id="3" name="Content Placeholder 2">
-            <a:extLst>
-              <a:ext uri="{FF2B5EF4-FFF2-40B4-BE49-F238E27FC236}">
-                <a16:creationId xmlns:a16="http://schemas.microsoft.com/office/drawing/2014/main" id="{2AA2E5A6-4E56-436C-B33B-DA12DB88DC43}"/>
-              </a:ext>
-            </a:extLst>
-          </p:cNvPr>
-          <p:cNvSpPr>
-            <a:spLocks noGrp="1"/>
-          </p:cNvSpPr>
-          <p:nvPr>
-            <p:ph idx="1"/>
-          </p:nvPr>
-        </p:nvSpPr>
-        <p:spPr/>
-        <p:txBody>
-          <a:bodyPr/>
-          <a:lstStyle/>
-          <a:p>
-            <a:r>
-              <a:rPr lang="en-US" sz="2800">
-                <a:solidFill>
-                  <a:schemeClr val="tx1"/>
-                </a:solidFill>
-                <a:latin typeface="Arial" panose="020B0604020202020204" pitchFamily="34" charset="0"/>
-                <a:cs typeface="Arial" panose="020B0604020202020204" pitchFamily="34" charset="0"/>
-              </a:rPr>
-              <a:t> Successors(state): </a:t>
-            </a:r>
-            <a:r>
-              <a:rPr lang="en-US" sz="2800" err="1">
-                <a:solidFill>
-                  <a:schemeClr val="tx1"/>
-                </a:solidFill>
-                <a:latin typeface="Arial" panose="020B0604020202020204" pitchFamily="34" charset="0"/>
-                <a:cs typeface="Arial" panose="020B0604020202020204" pitchFamily="34" charset="0"/>
-              </a:rPr>
-              <a:t>với</a:t>
-            </a:r>
-            <a:r>
-              <a:rPr lang="en-US" sz="2800">
-                <a:solidFill>
-                  <a:schemeClr val="tx1"/>
-                </a:solidFill>
-                <a:latin typeface="Arial" panose="020B0604020202020204" pitchFamily="34" charset="0"/>
-                <a:cs typeface="Arial" panose="020B0604020202020204" pitchFamily="34" charset="0"/>
-              </a:rPr>
-              <a:t> state </a:t>
-            </a:r>
-            <a:r>
-              <a:rPr lang="en-US" sz="2800" err="1">
-                <a:solidFill>
-                  <a:schemeClr val="tx1"/>
-                </a:solidFill>
-                <a:latin typeface="Arial" panose="020B0604020202020204" pitchFamily="34" charset="0"/>
-                <a:cs typeface="Arial" panose="020B0604020202020204" pitchFamily="34" charset="0"/>
-              </a:rPr>
-              <a:t>nhập</a:t>
-            </a:r>
-            <a:r>
-              <a:rPr lang="en-US" sz="2800">
-                <a:solidFill>
-                  <a:schemeClr val="tx1"/>
-                </a:solidFill>
-                <a:latin typeface="Arial" panose="020B0604020202020204" pitchFamily="34" charset="0"/>
-                <a:cs typeface="Arial" panose="020B0604020202020204" pitchFamily="34" charset="0"/>
-              </a:rPr>
-              <a:t> </a:t>
-            </a:r>
-            <a:r>
-              <a:rPr lang="en-US" sz="2800" err="1">
-                <a:solidFill>
-                  <a:schemeClr val="tx1"/>
-                </a:solidFill>
-                <a:latin typeface="Arial" panose="020B0604020202020204" pitchFamily="34" charset="0"/>
-                <a:cs typeface="Arial" panose="020B0604020202020204" pitchFamily="34" charset="0"/>
-              </a:rPr>
-              <a:t>vào</a:t>
-            </a:r>
-            <a:r>
-              <a:rPr lang="en-US" sz="2800">
-                <a:solidFill>
-                  <a:schemeClr val="tx1"/>
-                </a:solidFill>
-                <a:latin typeface="Arial" panose="020B0604020202020204" pitchFamily="34" charset="0"/>
-                <a:cs typeface="Arial" panose="020B0604020202020204" pitchFamily="34" charset="0"/>
-              </a:rPr>
-              <a:t>, successors(state) là </a:t>
-            </a:r>
-            <a:r>
-              <a:rPr lang="en-US" sz="2800" err="1">
-                <a:solidFill>
-                  <a:schemeClr val="tx1"/>
-                </a:solidFill>
-                <a:latin typeface="Arial" panose="020B0604020202020204" pitchFamily="34" charset="0"/>
-                <a:cs typeface="Arial" panose="020B0604020202020204" pitchFamily="34" charset="0"/>
-              </a:rPr>
-              <a:t>mảng</a:t>
-            </a:r>
-            <a:r>
-              <a:rPr lang="en-US" sz="2800">
-                <a:solidFill>
-                  <a:schemeClr val="tx1"/>
-                </a:solidFill>
-                <a:latin typeface="Arial" panose="020B0604020202020204" pitchFamily="34" charset="0"/>
-                <a:cs typeface="Arial" panose="020B0604020202020204" pitchFamily="34" charset="0"/>
-              </a:rPr>
-              <a:t> 2 </a:t>
-            </a:r>
-            <a:r>
-              <a:rPr lang="en-US" sz="2800" err="1">
-                <a:solidFill>
-                  <a:schemeClr val="tx1"/>
-                </a:solidFill>
-                <a:latin typeface="Arial" panose="020B0604020202020204" pitchFamily="34" charset="0"/>
-                <a:cs typeface="Arial" panose="020B0604020202020204" pitchFamily="34" charset="0"/>
-              </a:rPr>
-              <a:t>chiều</a:t>
-            </a:r>
-            <a:r>
-              <a:rPr lang="en-US" sz="2800">
-                <a:solidFill>
-                  <a:schemeClr val="tx1"/>
-                </a:solidFill>
-                <a:latin typeface="Arial" panose="020B0604020202020204" pitchFamily="34" charset="0"/>
-                <a:cs typeface="Arial" panose="020B0604020202020204" pitchFamily="34" charset="0"/>
-              </a:rPr>
-              <a:t> </a:t>
-            </a:r>
-            <a:r>
-              <a:rPr lang="en-US" sz="2800" err="1">
-                <a:solidFill>
-                  <a:schemeClr val="tx1"/>
-                </a:solidFill>
-                <a:latin typeface="Arial" panose="020B0604020202020204" pitchFamily="34" charset="0"/>
-                <a:cs typeface="Arial" panose="020B0604020202020204" pitchFamily="34" charset="0"/>
-              </a:rPr>
-              <a:t>đại</a:t>
-            </a:r>
-            <a:r>
-              <a:rPr lang="en-US" sz="2800">
-                <a:solidFill>
-                  <a:schemeClr val="tx1"/>
-                </a:solidFill>
-                <a:latin typeface="Arial" panose="020B0604020202020204" pitchFamily="34" charset="0"/>
-                <a:cs typeface="Arial" panose="020B0604020202020204" pitchFamily="34" charset="0"/>
-              </a:rPr>
-              <a:t> </a:t>
-            </a:r>
-            <a:r>
-              <a:rPr lang="en-US" sz="2800" err="1">
-                <a:solidFill>
-                  <a:schemeClr val="tx1"/>
-                </a:solidFill>
-                <a:latin typeface="Arial" panose="020B0604020202020204" pitchFamily="34" charset="0"/>
-                <a:cs typeface="Arial" panose="020B0604020202020204" pitchFamily="34" charset="0"/>
-              </a:rPr>
-              <a:t>diện</a:t>
-            </a:r>
-            <a:r>
-              <a:rPr lang="en-US" sz="2800">
-                <a:solidFill>
-                  <a:schemeClr val="tx1"/>
-                </a:solidFill>
-                <a:latin typeface="Arial" panose="020B0604020202020204" pitchFamily="34" charset="0"/>
-                <a:cs typeface="Arial" panose="020B0604020202020204" pitchFamily="34" charset="0"/>
-              </a:rPr>
-              <a:t> </a:t>
-            </a:r>
-            <a:r>
-              <a:rPr lang="en-US" sz="2800" err="1">
-                <a:solidFill>
-                  <a:schemeClr val="tx1"/>
-                </a:solidFill>
-                <a:latin typeface="Arial" panose="020B0604020202020204" pitchFamily="34" charset="0"/>
-                <a:cs typeface="Arial" panose="020B0604020202020204" pitchFamily="34" charset="0"/>
-              </a:rPr>
-              <a:t>cho</a:t>
-            </a:r>
-            <a:r>
-              <a:rPr lang="en-US" sz="2800">
-                <a:solidFill>
-                  <a:schemeClr val="tx1"/>
-                </a:solidFill>
-                <a:latin typeface="Arial" panose="020B0604020202020204" pitchFamily="34" charset="0"/>
-                <a:cs typeface="Arial" panose="020B0604020202020204" pitchFamily="34" charset="0"/>
-              </a:rPr>
-              <a:t> </a:t>
-            </a:r>
-            <a:r>
-              <a:rPr lang="en-US" sz="2800" err="1">
-                <a:solidFill>
-                  <a:schemeClr val="tx1"/>
-                </a:solidFill>
-                <a:latin typeface="Arial" panose="020B0604020202020204" pitchFamily="34" charset="0"/>
-                <a:cs typeface="Arial" panose="020B0604020202020204" pitchFamily="34" charset="0"/>
-              </a:rPr>
-              <a:t>bàn</a:t>
-            </a:r>
-            <a:r>
-              <a:rPr lang="en-US" sz="2800">
-                <a:solidFill>
-                  <a:schemeClr val="tx1"/>
-                </a:solidFill>
-                <a:latin typeface="Arial" panose="020B0604020202020204" pitchFamily="34" charset="0"/>
-                <a:cs typeface="Arial" panose="020B0604020202020204" pitchFamily="34" charset="0"/>
-              </a:rPr>
-              <a:t> cờ và </a:t>
-            </a:r>
-            <a:r>
-              <a:rPr lang="en-US" sz="2800" err="1">
-                <a:solidFill>
-                  <a:schemeClr val="tx1"/>
-                </a:solidFill>
-                <a:latin typeface="Arial" panose="020B0604020202020204" pitchFamily="34" charset="0"/>
-                <a:cs typeface="Arial" panose="020B0604020202020204" pitchFamily="34" charset="0"/>
-              </a:rPr>
-              <a:t>có</a:t>
-            </a:r>
-            <a:r>
-              <a:rPr lang="en-US" sz="2800">
-                <a:solidFill>
-                  <a:schemeClr val="tx1"/>
-                </a:solidFill>
-                <a:latin typeface="Arial" panose="020B0604020202020204" pitchFamily="34" charset="0"/>
-                <a:cs typeface="Arial" panose="020B0604020202020204" pitchFamily="34" charset="0"/>
-              </a:rPr>
-              <a:t> </a:t>
-            </a:r>
-            <a:r>
-              <a:rPr lang="en-US" sz="2800" err="1">
-                <a:solidFill>
-                  <a:schemeClr val="tx1"/>
-                </a:solidFill>
-                <a:latin typeface="Arial" panose="020B0604020202020204" pitchFamily="34" charset="0"/>
-                <a:cs typeface="Arial" panose="020B0604020202020204" pitchFamily="34" charset="0"/>
-              </a:rPr>
-              <a:t>thêm</a:t>
-            </a:r>
-            <a:r>
-              <a:rPr lang="en-US" sz="2800">
-                <a:solidFill>
-                  <a:schemeClr val="tx1"/>
-                </a:solidFill>
-                <a:latin typeface="Arial" panose="020B0604020202020204" pitchFamily="34" charset="0"/>
-                <a:cs typeface="Arial" panose="020B0604020202020204" pitchFamily="34" charset="0"/>
-              </a:rPr>
-              <a:t> 1 </a:t>
-            </a:r>
-            <a:r>
-              <a:rPr lang="en-US" sz="2800" err="1">
-                <a:solidFill>
-                  <a:schemeClr val="tx1"/>
-                </a:solidFill>
-                <a:latin typeface="Arial" panose="020B0604020202020204" pitchFamily="34" charset="0"/>
-                <a:cs typeface="Arial" panose="020B0604020202020204" pitchFamily="34" charset="0"/>
-              </a:rPr>
-              <a:t>nước</a:t>
-            </a:r>
-            <a:r>
-              <a:rPr lang="en-US" sz="2800">
-                <a:solidFill>
-                  <a:schemeClr val="tx1"/>
-                </a:solidFill>
-                <a:latin typeface="Arial" panose="020B0604020202020204" pitchFamily="34" charset="0"/>
-                <a:cs typeface="Arial" panose="020B0604020202020204" pitchFamily="34" charset="0"/>
-              </a:rPr>
-              <a:t> </a:t>
-            </a:r>
-            <a:r>
-              <a:rPr lang="en-US" sz="2800" err="1">
-                <a:solidFill>
-                  <a:schemeClr val="tx1"/>
-                </a:solidFill>
-                <a:latin typeface="Arial" panose="020B0604020202020204" pitchFamily="34" charset="0"/>
-                <a:cs typeface="Arial" panose="020B0604020202020204" pitchFamily="34" charset="0"/>
-              </a:rPr>
-              <a:t>đi</a:t>
-            </a:r>
-            <a:r>
-              <a:rPr lang="en-US" sz="2800">
-                <a:solidFill>
-                  <a:schemeClr val="tx1"/>
-                </a:solidFill>
-                <a:latin typeface="Arial" panose="020B0604020202020204" pitchFamily="34" charset="0"/>
-                <a:cs typeface="Arial" panose="020B0604020202020204" pitchFamily="34" charset="0"/>
-              </a:rPr>
-              <a:t> </a:t>
-            </a:r>
-            <a:r>
-              <a:rPr lang="en-US" sz="2800" err="1">
-                <a:solidFill>
-                  <a:schemeClr val="tx1"/>
-                </a:solidFill>
-                <a:latin typeface="Arial" panose="020B0604020202020204" pitchFamily="34" charset="0"/>
-                <a:cs typeface="Arial" panose="020B0604020202020204" pitchFamily="34" charset="0"/>
-              </a:rPr>
-              <a:t>đang</a:t>
-            </a:r>
-            <a:r>
-              <a:rPr lang="en-US" sz="2800">
-                <a:solidFill>
-                  <a:schemeClr val="tx1"/>
-                </a:solidFill>
-                <a:latin typeface="Arial" panose="020B0604020202020204" pitchFamily="34" charset="0"/>
-                <a:cs typeface="Arial" panose="020B0604020202020204" pitchFamily="34" charset="0"/>
-              </a:rPr>
-              <a:t> </a:t>
-            </a:r>
-            <a:r>
-              <a:rPr lang="en-US" sz="2800" err="1">
-                <a:solidFill>
-                  <a:schemeClr val="tx1"/>
-                </a:solidFill>
-                <a:latin typeface="Arial" panose="020B0604020202020204" pitchFamily="34" charset="0"/>
-                <a:cs typeface="Arial" panose="020B0604020202020204" pitchFamily="34" charset="0"/>
-              </a:rPr>
-              <a:t>xét</a:t>
-            </a:r>
-            <a:r>
-              <a:rPr lang="en-US" sz="2800">
-                <a:solidFill>
-                  <a:schemeClr val="tx1"/>
-                </a:solidFill>
-                <a:latin typeface="Arial" panose="020B0604020202020204" pitchFamily="34" charset="0"/>
-                <a:cs typeface="Arial" panose="020B0604020202020204" pitchFamily="34" charset="0"/>
-              </a:rPr>
-              <a:t> </a:t>
-            </a:r>
-            <a:r>
-              <a:rPr lang="en-US" sz="2800" err="1">
-                <a:solidFill>
-                  <a:schemeClr val="tx1"/>
-                </a:solidFill>
-                <a:latin typeface="Arial" panose="020B0604020202020204" pitchFamily="34" charset="0"/>
-                <a:cs typeface="Arial" panose="020B0604020202020204" pitchFamily="34" charset="0"/>
-              </a:rPr>
-              <a:t>ngoài</a:t>
-            </a:r>
-            <a:r>
-              <a:rPr lang="en-US" sz="2800">
-                <a:solidFill>
-                  <a:schemeClr val="tx1"/>
-                </a:solidFill>
-                <a:latin typeface="Arial" panose="020B0604020202020204" pitchFamily="34" charset="0"/>
-                <a:cs typeface="Arial" panose="020B0604020202020204" pitchFamily="34" charset="0"/>
-              </a:rPr>
-              <a:t> </a:t>
-            </a:r>
-            <a:r>
-              <a:rPr lang="en-US" sz="2800" err="1">
-                <a:solidFill>
-                  <a:schemeClr val="tx1"/>
-                </a:solidFill>
-                <a:latin typeface="Arial" panose="020B0604020202020204" pitchFamily="34" charset="0"/>
-                <a:cs typeface="Arial" panose="020B0604020202020204" pitchFamily="34" charset="0"/>
-              </a:rPr>
-              <a:t>những</a:t>
-            </a:r>
-            <a:r>
-              <a:rPr lang="en-US" sz="2800">
-                <a:solidFill>
-                  <a:schemeClr val="tx1"/>
-                </a:solidFill>
-                <a:latin typeface="Arial" panose="020B0604020202020204" pitchFamily="34" charset="0"/>
-                <a:cs typeface="Arial" panose="020B0604020202020204" pitchFamily="34" charset="0"/>
-              </a:rPr>
-              <a:t> </a:t>
-            </a:r>
-            <a:r>
-              <a:rPr lang="en-US" sz="2800" err="1">
-                <a:solidFill>
-                  <a:schemeClr val="tx1"/>
-                </a:solidFill>
-                <a:latin typeface="Arial" panose="020B0604020202020204" pitchFamily="34" charset="0"/>
-                <a:cs typeface="Arial" panose="020B0604020202020204" pitchFamily="34" charset="0"/>
-              </a:rPr>
-              <a:t>nước</a:t>
-            </a:r>
-            <a:r>
-              <a:rPr lang="en-US" sz="2800">
-                <a:solidFill>
-                  <a:schemeClr val="tx1"/>
-                </a:solidFill>
-                <a:latin typeface="Arial" panose="020B0604020202020204" pitchFamily="34" charset="0"/>
-                <a:cs typeface="Arial" panose="020B0604020202020204" pitchFamily="34" charset="0"/>
-              </a:rPr>
-              <a:t> đã có </a:t>
-            </a:r>
-            <a:r>
-              <a:rPr lang="en-US" sz="2800" err="1">
-                <a:solidFill>
-                  <a:schemeClr val="tx1"/>
-                </a:solidFill>
-                <a:latin typeface="Arial" panose="020B0604020202020204" pitchFamily="34" charset="0"/>
-                <a:cs typeface="Arial" panose="020B0604020202020204" pitchFamily="34" charset="0"/>
-              </a:rPr>
-              <a:t>trong</a:t>
-            </a:r>
-            <a:r>
-              <a:rPr lang="en-US" sz="2800">
-                <a:solidFill>
-                  <a:schemeClr val="tx1"/>
-                </a:solidFill>
-                <a:latin typeface="Arial" panose="020B0604020202020204" pitchFamily="34" charset="0"/>
-                <a:cs typeface="Arial" panose="020B0604020202020204" pitchFamily="34" charset="0"/>
-              </a:rPr>
-              <a:t> state </a:t>
-            </a:r>
-            <a:r>
-              <a:rPr lang="en-US" sz="2800" err="1">
-                <a:solidFill>
-                  <a:schemeClr val="tx1"/>
-                </a:solidFill>
-                <a:latin typeface="Arial" panose="020B0604020202020204" pitchFamily="34" charset="0"/>
-                <a:cs typeface="Arial" panose="020B0604020202020204" pitchFamily="34" charset="0"/>
-              </a:rPr>
-              <a:t>nhập</a:t>
-            </a:r>
-            <a:r>
-              <a:rPr lang="en-US" sz="2800">
-                <a:solidFill>
-                  <a:schemeClr val="tx1"/>
-                </a:solidFill>
-                <a:latin typeface="Arial" panose="020B0604020202020204" pitchFamily="34" charset="0"/>
-                <a:cs typeface="Arial" panose="020B0604020202020204" pitchFamily="34" charset="0"/>
-              </a:rPr>
-              <a:t> </a:t>
-            </a:r>
-            <a:r>
-              <a:rPr lang="en-US" sz="2800" err="1">
-                <a:solidFill>
-                  <a:schemeClr val="tx1"/>
-                </a:solidFill>
-                <a:latin typeface="Arial" panose="020B0604020202020204" pitchFamily="34" charset="0"/>
-                <a:cs typeface="Arial" panose="020B0604020202020204" pitchFamily="34" charset="0"/>
-              </a:rPr>
-              <a:t>vào</a:t>
-            </a:r>
-            <a:r>
-              <a:rPr lang="en-US" sz="2800">
-                <a:solidFill>
-                  <a:schemeClr val="tx1"/>
-                </a:solidFill>
-                <a:latin typeface="Arial" panose="020B0604020202020204" pitchFamily="34" charset="0"/>
-                <a:cs typeface="Arial" panose="020B0604020202020204" pitchFamily="34" charset="0"/>
-              </a:rPr>
-              <a:t>.</a:t>
-            </a:r>
-          </a:p>
-          <a:p>
-            <a:endParaRPr lang="en-US">
-              <a:solidFill>
-                <a:schemeClr val="tx1"/>
-              </a:solidFill>
-              <a:latin typeface="Arial" panose="020B0604020202020204" pitchFamily="34" charset="0"/>
-              <a:cs typeface="Arial" panose="020B0604020202020204" pitchFamily="34" charset="0"/>
-            </a:endParaRPr>
-          </a:p>
-        </p:txBody>
-      </p:sp>
-      <p:pic>
-        <p:nvPicPr>
-          <p:cNvPr id="4" name="image2.png">
-            <a:extLst>
-              <a:ext uri="{FF2B5EF4-FFF2-40B4-BE49-F238E27FC236}">
-                <a16:creationId xmlns:a16="http://schemas.microsoft.com/office/drawing/2014/main" id="{604F3BC3-9A58-40FF-A5B9-5F80492CC558}"/>
-              </a:ext>
-            </a:extLst>
-          </p:cNvPr>
-          <p:cNvPicPr/>
-          <p:nvPr/>
-        </p:nvPicPr>
-        <p:blipFill>
-          <a:blip r:embed="rId2"/>
-          <a:srcRect/>
-          <a:stretch>
-            <a:fillRect/>
-          </a:stretch>
-        </p:blipFill>
-        <p:spPr>
-          <a:xfrm>
-            <a:off x="809897" y="3429000"/>
-            <a:ext cx="7067006" cy="2082800"/>
-          </a:xfrm>
-          <a:prstGeom prst="rect">
-            <a:avLst/>
-          </a:prstGeom>
-          <a:ln/>
-        </p:spPr>
-      </p:pic>
-    </p:spTree>
-    <p:extLst>
-      <p:ext uri="{BB962C8B-B14F-4D97-AF65-F5344CB8AC3E}">
-        <p14:creationId xmlns:p14="http://schemas.microsoft.com/office/powerpoint/2010/main" val="827919535"/>
-      </p:ext>
-    </p:extLst>
-  </p:cSld>
-  <p:clrMapOvr>
-    <a:masterClrMapping/>
-  </p:clrMapOvr>
-</p:sld>
-</file>
-
-<file path=ppt/slides/slide16.xml><?xml version="1.0" encoding="utf-8"?>
 <p:sld xmlns:a="http://schemas.openxmlformats.org/drawingml/2006/main" xmlns:r="http://schemas.openxmlformats.org/officeDocument/2006/relationships" xmlns:p="http://schemas.openxmlformats.org/presentationml/2006/main">
   <p:cSld>
     <p:spTree>
@@ -6284,128 +4255,12 @@
           <a:lstStyle/>
           <a:p>
             <a:r>
-              <a:rPr lang="en-US" sz="2800">
-                <a:latin typeface="Arial" panose="020B0604020202020204" pitchFamily="34" charset="0"/>
-                <a:cs typeface="Arial" panose="020B0604020202020204" pitchFamily="34" charset="0"/>
-              </a:rPr>
-              <a:t>2.4. Áp </a:t>
-            </a:r>
-            <a:r>
-              <a:rPr lang="en-US" sz="2800" err="1">
-                <a:latin typeface="Arial" panose="020B0604020202020204" pitchFamily="34" charset="0"/>
-                <a:cs typeface="Arial" panose="020B0604020202020204" pitchFamily="34" charset="0"/>
-              </a:rPr>
-              <a:t>dụng</a:t>
-            </a:r>
-            <a:r>
-              <a:rPr lang="en-US" sz="2800">
-                <a:latin typeface="Arial" panose="020B0604020202020204" pitchFamily="34" charset="0"/>
-                <a:cs typeface="Arial" panose="020B0604020202020204" pitchFamily="34" charset="0"/>
-              </a:rPr>
-              <a:t> </a:t>
-            </a:r>
-            <a:r>
-              <a:rPr lang="en-US" sz="2800" err="1">
-                <a:latin typeface="Arial" panose="020B0604020202020204" pitchFamily="34" charset="0"/>
-                <a:cs typeface="Arial" panose="020B0604020202020204" pitchFamily="34" charset="0"/>
-              </a:rPr>
-              <a:t>vào</a:t>
-            </a:r>
-            <a:r>
-              <a:rPr lang="en-US" sz="2800">
-                <a:latin typeface="Arial" panose="020B0604020202020204" pitchFamily="34" charset="0"/>
-                <a:cs typeface="Arial" panose="020B0604020202020204" pitchFamily="34" charset="0"/>
-              </a:rPr>
-              <a:t> </a:t>
-            </a:r>
-            <a:r>
-              <a:rPr lang="en-US" sz="2800" err="1">
-                <a:latin typeface="Arial" panose="020B0604020202020204" pitchFamily="34" charset="0"/>
-                <a:cs typeface="Arial" panose="020B0604020202020204" pitchFamily="34" charset="0"/>
-              </a:rPr>
-              <a:t>tìm</a:t>
-            </a:r>
-            <a:r>
-              <a:rPr lang="en-US" sz="2800">
-                <a:latin typeface="Arial" panose="020B0604020202020204" pitchFamily="34" charset="0"/>
-                <a:cs typeface="Arial" panose="020B0604020202020204" pitchFamily="34" charset="0"/>
-              </a:rPr>
-              <a:t> </a:t>
-            </a:r>
-            <a:r>
-              <a:rPr lang="en-US" sz="2800" err="1">
-                <a:latin typeface="Arial" panose="020B0604020202020204" pitchFamily="34" charset="0"/>
-                <a:cs typeface="Arial" panose="020B0604020202020204" pitchFamily="34" charset="0"/>
-              </a:rPr>
-              <a:t>kiếm</a:t>
-            </a:r>
-            <a:r>
-              <a:rPr lang="en-US" sz="2800">
-                <a:latin typeface="Arial" panose="020B0604020202020204" pitchFamily="34" charset="0"/>
-                <a:cs typeface="Arial" panose="020B0604020202020204" pitchFamily="34" charset="0"/>
-              </a:rPr>
-              <a:t> n</a:t>
-            </a:r>
-            <a:r>
-              <a:rPr lang="vi-VN" sz="2800">
-                <a:latin typeface="Arial" panose="020B0604020202020204" pitchFamily="34" charset="0"/>
-                <a:cs typeface="Arial" panose="020B0604020202020204" pitchFamily="34" charset="0"/>
-              </a:rPr>
-              <a:t>ư</a:t>
-            </a:r>
-            <a:r>
-              <a:rPr lang="en-US" sz="2800" err="1">
-                <a:latin typeface="Arial" panose="020B0604020202020204" pitchFamily="34" charset="0"/>
-                <a:cs typeface="Arial" panose="020B0604020202020204" pitchFamily="34" charset="0"/>
-              </a:rPr>
-              <a:t>ớc</a:t>
-            </a:r>
-            <a:r>
-              <a:rPr lang="en-US" sz="2800">
-                <a:latin typeface="Arial" panose="020B0604020202020204" pitchFamily="34" charset="0"/>
-                <a:cs typeface="Arial" panose="020B0604020202020204" pitchFamily="34" charset="0"/>
-              </a:rPr>
-              <a:t> </a:t>
-            </a:r>
-            <a:r>
-              <a:rPr lang="en-US" sz="2800" err="1">
-                <a:latin typeface="Arial" panose="020B0604020202020204" pitchFamily="34" charset="0"/>
-                <a:cs typeface="Arial" panose="020B0604020202020204" pitchFamily="34" charset="0"/>
-              </a:rPr>
-              <a:t>đi</a:t>
-            </a:r>
-            <a:r>
-              <a:rPr lang="en-US" sz="2800">
-                <a:latin typeface="Arial" panose="020B0604020202020204" pitchFamily="34" charset="0"/>
-                <a:cs typeface="Arial" panose="020B0604020202020204" pitchFamily="34" charset="0"/>
-              </a:rPr>
-              <a:t> </a:t>
-            </a:r>
-            <a:r>
-              <a:rPr lang="en-US" sz="2800" err="1">
-                <a:latin typeface="Arial" panose="020B0604020202020204" pitchFamily="34" charset="0"/>
-                <a:cs typeface="Arial" panose="020B0604020202020204" pitchFamily="34" charset="0"/>
-              </a:rPr>
-              <a:t>cho</a:t>
-            </a:r>
-            <a:r>
-              <a:rPr lang="en-US" sz="2800">
-                <a:latin typeface="Arial" panose="020B0604020202020204" pitchFamily="34" charset="0"/>
-                <a:cs typeface="Arial" panose="020B0604020202020204" pitchFamily="34" charset="0"/>
-              </a:rPr>
-              <a:t> </a:t>
-            </a:r>
-            <a:r>
-              <a:rPr lang="en-US" sz="2800" err="1">
-                <a:latin typeface="Arial" panose="020B0604020202020204" pitchFamily="34" charset="0"/>
-                <a:cs typeface="Arial" panose="020B0604020202020204" pitchFamily="34" charset="0"/>
-              </a:rPr>
-              <a:t>máy</a:t>
-            </a:r>
-            <a:endParaRPr lang="en-US" sz="2800">
-              <a:latin typeface="Arial" panose="020B0604020202020204" pitchFamily="34" charset="0"/>
-              <a:cs typeface="Arial" panose="020B0604020202020204" pitchFamily="34" charset="0"/>
-            </a:endParaRPr>
+              <a:rPr lang="en-US">
+                <a:latin typeface="Arial" panose="020B0604020202020204" pitchFamily="34" charset="0"/>
+                <a:cs typeface="Arial" panose="020B0604020202020204" pitchFamily="34" charset="0"/>
+              </a:rPr>
+              <a:t>2.4. Giải thuật cắt tỉa Alpha-Beta</a:t>
+            </a:r>
           </a:p>
         </p:txBody>
       </p:sp>
@@ -6432,69 +4287,102 @@
           </a:bodyPr>
           <a:lstStyle/>
           <a:p>
-            <a:pPr>
-              <a:buFont typeface="Wingdings" panose="05000000000000000000" pitchFamily="2" charset="2"/>
-              <a:buChar char="v"/>
+            <a:pPr marL="0" indent="0">
+              <a:buNone/>
               <a:defRPr/>
             </a:pPr>
             <a:r>
-              <a:rPr lang="en-US" sz="2400">
-                <a:solidFill>
-                  <a:schemeClr val="tx1"/>
-                </a:solidFill>
-                <a:latin typeface="Arial" panose="020B0604020202020204" pitchFamily="34" charset="0"/>
-                <a:cs typeface="Arial" panose="020B0604020202020204" pitchFamily="34" charset="0"/>
-              </a:rPr>
-              <a:t> Điểm </a:t>
-            </a:r>
-            <a:r>
-              <a:rPr lang="en-US" sz="2400" err="1">
-                <a:solidFill>
-                  <a:schemeClr val="tx1"/>
-                </a:solidFill>
-                <a:latin typeface="Arial" panose="020B0604020202020204" pitchFamily="34" charset="0"/>
-                <a:cs typeface="Arial" panose="020B0604020202020204" pitchFamily="34" charset="0"/>
-              </a:rPr>
-              <a:t>của</a:t>
-            </a:r>
-            <a:r>
-              <a:rPr lang="en-US" sz="2400">
-                <a:solidFill>
-                  <a:schemeClr val="tx1"/>
-                </a:solidFill>
-                <a:latin typeface="Arial" panose="020B0604020202020204" pitchFamily="34" charset="0"/>
-                <a:cs typeface="Arial" panose="020B0604020202020204" pitchFamily="34" charset="0"/>
-              </a:rPr>
-              <a:t> </a:t>
-            </a:r>
-            <a:r>
-              <a:rPr lang="en-US" sz="2400" err="1">
-                <a:solidFill>
-                  <a:schemeClr val="tx1"/>
-                </a:solidFill>
-                <a:latin typeface="Arial" panose="020B0604020202020204" pitchFamily="34" charset="0"/>
-                <a:cs typeface="Arial" panose="020B0604020202020204" pitchFamily="34" charset="0"/>
-              </a:rPr>
-              <a:t>mỗi</a:t>
-            </a:r>
-            <a:r>
-              <a:rPr lang="en-US" sz="2400">
-                <a:solidFill>
-                  <a:schemeClr val="tx1"/>
-                </a:solidFill>
-                <a:latin typeface="Arial" panose="020B0604020202020204" pitchFamily="34" charset="0"/>
-                <a:cs typeface="Arial" panose="020B0604020202020204" pitchFamily="34" charset="0"/>
-              </a:rPr>
-              <a:t> state:</a:t>
-            </a:r>
-          </a:p>
-          <a:p>
-            <a:pPr>
-              <a:buFont typeface="Wingdings" panose="05000000000000000000" pitchFamily="2" charset="2"/>
-              <a:buChar char="v"/>
+              <a:rPr lang="en-US" b="1" u="sng">
+                <a:solidFill>
+                  <a:schemeClr val="tx1"/>
+                </a:solidFill>
+                <a:latin typeface="Arial" panose="020B0604020202020204" pitchFamily="34" charset="0"/>
+                <a:cs typeface="Arial" panose="020B0604020202020204" pitchFamily="34" charset="0"/>
+              </a:rPr>
+              <a:t>* Successors(state): </a:t>
+            </a:r>
+          </a:p>
+          <a:p>
+            <a:pPr marL="285750" indent="-285750">
+              <a:buFont typeface="Courier New" panose="02070309020205020404" pitchFamily="49" charset="0"/>
+              <a:buChar char="o"/>
               <a:defRPr/>
             </a:pPr>
-            <a:endParaRPr lang="en-US" sz="2400">
+            <a:r>
+              <a:rPr lang="en-US">
+                <a:solidFill>
+                  <a:schemeClr val="tx1"/>
+                </a:solidFill>
+                <a:latin typeface="Arial" panose="020B0604020202020204" pitchFamily="34" charset="0"/>
+                <a:cs typeface="Arial" panose="020B0604020202020204" pitchFamily="34" charset="0"/>
+              </a:rPr>
+              <a:t>Là mảng 2 chiều đại diện cho bàn cờ</a:t>
+            </a:r>
+          </a:p>
+          <a:p>
+            <a:pPr marL="285750" indent="-285750">
+              <a:buFont typeface="Courier New" panose="02070309020205020404" pitchFamily="49" charset="0"/>
+              <a:buChar char="o"/>
+              <a:defRPr/>
+            </a:pPr>
+            <a:r>
+              <a:rPr lang="en-US">
+                <a:solidFill>
+                  <a:schemeClr val="tx1"/>
+                </a:solidFill>
+                <a:latin typeface="Arial" panose="020B0604020202020204" pitchFamily="34" charset="0"/>
+                <a:cs typeface="Arial" panose="020B0604020202020204" pitchFamily="34" charset="0"/>
+              </a:rPr>
+              <a:t>Có thêm 1 n</a:t>
+            </a:r>
+            <a:r>
+              <a:rPr lang="vi-VN">
+                <a:solidFill>
+                  <a:schemeClr val="tx1"/>
+                </a:solidFill>
+                <a:latin typeface="Arial" panose="020B0604020202020204" pitchFamily="34" charset="0"/>
+                <a:cs typeface="Arial" panose="020B0604020202020204" pitchFamily="34" charset="0"/>
+              </a:rPr>
+              <a:t>ư</a:t>
+            </a:r>
+            <a:r>
+              <a:rPr lang="en-US">
+                <a:solidFill>
+                  <a:schemeClr val="tx1"/>
+                </a:solidFill>
+                <a:latin typeface="Arial" panose="020B0604020202020204" pitchFamily="34" charset="0"/>
+                <a:cs typeface="Arial" panose="020B0604020202020204" pitchFamily="34" charset="0"/>
+              </a:rPr>
+              <a:t>ớc đi đang xét ngoài các n</a:t>
+            </a:r>
+            <a:r>
+              <a:rPr lang="vi-VN">
+                <a:solidFill>
+                  <a:schemeClr val="tx1"/>
+                </a:solidFill>
+                <a:latin typeface="Arial" panose="020B0604020202020204" pitchFamily="34" charset="0"/>
+                <a:cs typeface="Arial" panose="020B0604020202020204" pitchFamily="34" charset="0"/>
+              </a:rPr>
+              <a:t>ư</a:t>
+            </a:r>
+            <a:r>
+              <a:rPr lang="en-US">
+                <a:solidFill>
+                  <a:schemeClr val="tx1"/>
+                </a:solidFill>
+                <a:latin typeface="Arial" panose="020B0604020202020204" pitchFamily="34" charset="0"/>
+                <a:cs typeface="Arial" panose="020B0604020202020204" pitchFamily="34" charset="0"/>
+              </a:rPr>
+              <a:t>ớc đã có trong state nhập vào</a:t>
+            </a:r>
+          </a:p>
+          <a:p>
+            <a:pPr marL="285750" indent="-285750">
+              <a:buFont typeface="Courier New" panose="02070309020205020404" pitchFamily="49" charset="0"/>
+              <a:buChar char="o"/>
+              <a:defRPr/>
+            </a:pPr>
+            <a:endParaRPr lang="en-US">
               <a:solidFill>
                 <a:schemeClr val="tx1"/>
               </a:solidFill>
@@ -6503,392 +4391,12 @@
             </a:endParaRPr>
           </a:p>
           <a:p>
-            <a:pPr>
-              <a:buFont typeface="Wingdings" panose="05000000000000000000" pitchFamily="2" charset="2"/>
-              <a:buChar char="v"/>
+            <a:pPr marL="285750" indent="-285750">
+              <a:buFont typeface="Courier New" panose="02070309020205020404" pitchFamily="49" charset="0"/>
+              <a:buChar char="o"/>
               <a:defRPr/>
             </a:pPr>
-            <a:r>
-              <a:rPr lang="en-US" sz="2400">
-                <a:solidFill>
-                  <a:schemeClr val="tx1"/>
-                </a:solidFill>
-                <a:latin typeface="Arial" panose="020B0604020202020204" pitchFamily="34" charset="0"/>
-                <a:cs typeface="Arial" panose="020B0604020202020204" pitchFamily="34" charset="0"/>
-              </a:rPr>
-              <a:t> Đối </a:t>
-            </a:r>
-            <a:r>
-              <a:rPr lang="en-US" sz="2400" err="1">
-                <a:solidFill>
-                  <a:schemeClr val="tx1"/>
-                </a:solidFill>
-                <a:latin typeface="Arial" panose="020B0604020202020204" pitchFamily="34" charset="0"/>
-                <a:cs typeface="Arial" panose="020B0604020202020204" pitchFamily="34" charset="0"/>
-              </a:rPr>
-              <a:t>với</a:t>
-            </a:r>
-            <a:r>
-              <a:rPr lang="en-US" sz="2400">
-                <a:solidFill>
-                  <a:schemeClr val="tx1"/>
-                </a:solidFill>
-                <a:latin typeface="Arial" panose="020B0604020202020204" pitchFamily="34" charset="0"/>
-                <a:cs typeface="Arial" panose="020B0604020202020204" pitchFamily="34" charset="0"/>
-              </a:rPr>
-              <a:t> MAX:</a:t>
-            </a:r>
-          </a:p>
-          <a:p>
-            <a:pPr algn="ctr">
-              <a:defRPr/>
-            </a:pPr>
-            <a:r>
-              <a:rPr lang="en-US" sz="2400">
-                <a:solidFill>
-                  <a:schemeClr val="tx1"/>
-                </a:solidFill>
-                <a:latin typeface="Arial" panose="020B0604020202020204" pitchFamily="34" charset="0"/>
-                <a:cs typeface="Arial" panose="020B0604020202020204" pitchFamily="34" charset="0"/>
-              </a:rPr>
-              <a:t> Điểm(state) = </a:t>
-            </a:r>
-            <a:r>
-              <a:rPr lang="en-US" sz="2400" err="1">
-                <a:solidFill>
-                  <a:schemeClr val="tx1"/>
-                </a:solidFill>
-                <a:latin typeface="Arial" panose="020B0604020202020204" pitchFamily="34" charset="0"/>
-                <a:cs typeface="Arial" panose="020B0604020202020204" pitchFamily="34" charset="0"/>
-              </a:rPr>
-              <a:t>Điểm</a:t>
-            </a:r>
-            <a:r>
-              <a:rPr lang="en-US" sz="2400">
-                <a:solidFill>
-                  <a:schemeClr val="tx1"/>
-                </a:solidFill>
-                <a:latin typeface="Arial" panose="020B0604020202020204" pitchFamily="34" charset="0"/>
-                <a:cs typeface="Arial" panose="020B0604020202020204" pitchFamily="34" charset="0"/>
-              </a:rPr>
-              <a:t>(n</a:t>
-            </a:r>
-            <a:r>
-              <a:rPr lang="vi-VN" sz="2400">
-                <a:solidFill>
-                  <a:schemeClr val="tx1"/>
-                </a:solidFill>
-                <a:latin typeface="Arial" panose="020B0604020202020204" pitchFamily="34" charset="0"/>
-                <a:cs typeface="Arial" panose="020B0604020202020204" pitchFamily="34" charset="0"/>
-              </a:rPr>
-              <a:t>ư</a:t>
-            </a:r>
-            <a:r>
-              <a:rPr lang="en-US" sz="2400" err="1">
-                <a:solidFill>
-                  <a:schemeClr val="tx1"/>
-                </a:solidFill>
-                <a:latin typeface="Arial" panose="020B0604020202020204" pitchFamily="34" charset="0"/>
-                <a:cs typeface="Arial" panose="020B0604020202020204" pitchFamily="34" charset="0"/>
-              </a:rPr>
-              <a:t>ớc</a:t>
-            </a:r>
-            <a:r>
-              <a:rPr lang="en-US" sz="2400">
-                <a:solidFill>
-                  <a:schemeClr val="tx1"/>
-                </a:solidFill>
-                <a:latin typeface="Arial" panose="020B0604020202020204" pitchFamily="34" charset="0"/>
-                <a:cs typeface="Arial" panose="020B0604020202020204" pitchFamily="34" charset="0"/>
-              </a:rPr>
-              <a:t> </a:t>
-            </a:r>
-            <a:r>
-              <a:rPr lang="en-US" sz="2400" err="1">
-                <a:solidFill>
-                  <a:schemeClr val="tx1"/>
-                </a:solidFill>
-                <a:latin typeface="Arial" panose="020B0604020202020204" pitchFamily="34" charset="0"/>
-                <a:cs typeface="Arial" panose="020B0604020202020204" pitchFamily="34" charset="0"/>
-              </a:rPr>
-              <a:t>đi</a:t>
-            </a:r>
-            <a:r>
-              <a:rPr lang="en-US" sz="2400">
-                <a:solidFill>
-                  <a:schemeClr val="tx1"/>
-                </a:solidFill>
-                <a:latin typeface="Arial" panose="020B0604020202020204" pitchFamily="34" charset="0"/>
-                <a:cs typeface="Arial" panose="020B0604020202020204" pitchFamily="34" charset="0"/>
-              </a:rPr>
-              <a:t>) – </a:t>
-            </a:r>
-            <a:r>
-              <a:rPr lang="en-US" sz="2400" err="1">
-                <a:solidFill>
-                  <a:schemeClr val="tx1"/>
-                </a:solidFill>
-                <a:latin typeface="Arial" panose="020B0604020202020204" pitchFamily="34" charset="0"/>
-                <a:cs typeface="Arial" panose="020B0604020202020204" pitchFamily="34" charset="0"/>
-              </a:rPr>
-              <a:t>Điểm</a:t>
-            </a:r>
-            <a:r>
-              <a:rPr lang="en-US" sz="2400">
-                <a:solidFill>
-                  <a:schemeClr val="tx1"/>
-                </a:solidFill>
-                <a:latin typeface="Arial" panose="020B0604020202020204" pitchFamily="34" charset="0"/>
-                <a:cs typeface="Arial" panose="020B0604020202020204" pitchFamily="34" charset="0"/>
-              </a:rPr>
-              <a:t>(n</a:t>
-            </a:r>
-            <a:r>
-              <a:rPr lang="vi-VN" sz="2400">
-                <a:solidFill>
-                  <a:schemeClr val="tx1"/>
-                </a:solidFill>
-                <a:latin typeface="Arial" panose="020B0604020202020204" pitchFamily="34" charset="0"/>
-                <a:cs typeface="Arial" panose="020B0604020202020204" pitchFamily="34" charset="0"/>
-              </a:rPr>
-              <a:t>ư</a:t>
-            </a:r>
-            <a:r>
-              <a:rPr lang="en-US" sz="2400" err="1">
-                <a:solidFill>
-                  <a:schemeClr val="tx1"/>
-                </a:solidFill>
-                <a:latin typeface="Arial" panose="020B0604020202020204" pitchFamily="34" charset="0"/>
-                <a:cs typeface="Arial" panose="020B0604020202020204" pitchFamily="34" charset="0"/>
-              </a:rPr>
-              <a:t>ớc</a:t>
-            </a:r>
-            <a:r>
-              <a:rPr lang="en-US" sz="2400">
-                <a:solidFill>
-                  <a:schemeClr val="tx1"/>
-                </a:solidFill>
-                <a:latin typeface="Arial" panose="020B0604020202020204" pitchFamily="34" charset="0"/>
-                <a:cs typeface="Arial" panose="020B0604020202020204" pitchFamily="34" charset="0"/>
-              </a:rPr>
-              <a:t> </a:t>
-            </a:r>
-            <a:r>
-              <a:rPr lang="en-US" sz="2400" err="1">
-                <a:solidFill>
-                  <a:schemeClr val="tx1"/>
-                </a:solidFill>
-                <a:latin typeface="Arial" panose="020B0604020202020204" pitchFamily="34" charset="0"/>
-                <a:cs typeface="Arial" panose="020B0604020202020204" pitchFamily="34" charset="0"/>
-              </a:rPr>
-              <a:t>đi</a:t>
-            </a:r>
-            <a:r>
-              <a:rPr lang="en-US" sz="2400">
-                <a:solidFill>
-                  <a:schemeClr val="tx1"/>
-                </a:solidFill>
-                <a:latin typeface="Arial" panose="020B0604020202020204" pitchFamily="34" charset="0"/>
-                <a:cs typeface="Arial" panose="020B0604020202020204" pitchFamily="34" charset="0"/>
-              </a:rPr>
-              <a:t> </a:t>
-            </a:r>
-            <a:r>
-              <a:rPr lang="en-US" sz="2400" err="1">
-                <a:solidFill>
-                  <a:schemeClr val="tx1"/>
-                </a:solidFill>
-                <a:latin typeface="Arial" panose="020B0604020202020204" pitchFamily="34" charset="0"/>
-                <a:cs typeface="Arial" panose="020B0604020202020204" pitchFamily="34" charset="0"/>
-              </a:rPr>
-              <a:t>tốt</a:t>
-            </a:r>
-            <a:r>
-              <a:rPr lang="en-US" sz="2400">
-                <a:solidFill>
-                  <a:schemeClr val="tx1"/>
-                </a:solidFill>
-                <a:latin typeface="Arial" panose="020B0604020202020204" pitchFamily="34" charset="0"/>
-                <a:cs typeface="Arial" panose="020B0604020202020204" pitchFamily="34" charset="0"/>
-              </a:rPr>
-              <a:t> </a:t>
-            </a:r>
-            <a:r>
-              <a:rPr lang="en-US" sz="2400" err="1">
-                <a:solidFill>
-                  <a:schemeClr val="tx1"/>
-                </a:solidFill>
-                <a:latin typeface="Arial" panose="020B0604020202020204" pitchFamily="34" charset="0"/>
-                <a:cs typeface="Arial" panose="020B0604020202020204" pitchFamily="34" charset="0"/>
-              </a:rPr>
-              <a:t>nhất</a:t>
-            </a:r>
-            <a:r>
-              <a:rPr lang="en-US" sz="2400">
-                <a:solidFill>
-                  <a:schemeClr val="tx1"/>
-                </a:solidFill>
-                <a:latin typeface="Arial" panose="020B0604020202020204" pitchFamily="34" charset="0"/>
-                <a:cs typeface="Arial" panose="020B0604020202020204" pitchFamily="34" charset="0"/>
-              </a:rPr>
-              <a:t> </a:t>
-            </a:r>
-            <a:r>
-              <a:rPr lang="en-US" sz="2400" err="1">
-                <a:solidFill>
-                  <a:schemeClr val="tx1"/>
-                </a:solidFill>
-                <a:latin typeface="Arial" panose="020B0604020202020204" pitchFamily="34" charset="0"/>
-                <a:cs typeface="Arial" panose="020B0604020202020204" pitchFamily="34" charset="0"/>
-              </a:rPr>
-              <a:t>của</a:t>
-            </a:r>
-            <a:r>
-              <a:rPr lang="en-US" sz="2400">
-                <a:solidFill>
-                  <a:schemeClr val="tx1"/>
-                </a:solidFill>
-                <a:latin typeface="Arial" panose="020B0604020202020204" pitchFamily="34" charset="0"/>
-                <a:cs typeface="Arial" panose="020B0604020202020204" pitchFamily="34" charset="0"/>
-              </a:rPr>
-              <a:t> MIN </a:t>
-            </a:r>
-            <a:r>
-              <a:rPr lang="en-US" sz="2400" err="1">
-                <a:solidFill>
-                  <a:schemeClr val="tx1"/>
-                </a:solidFill>
-                <a:latin typeface="Arial" panose="020B0604020202020204" pitchFamily="34" charset="0"/>
-                <a:cs typeface="Arial" panose="020B0604020202020204" pitchFamily="34" charset="0"/>
-              </a:rPr>
-              <a:t>sẽ</a:t>
-            </a:r>
-            <a:r>
-              <a:rPr lang="en-US" sz="2400">
-                <a:solidFill>
-                  <a:schemeClr val="tx1"/>
-                </a:solidFill>
-                <a:latin typeface="Arial" panose="020B0604020202020204" pitchFamily="34" charset="0"/>
-                <a:cs typeface="Arial" panose="020B0604020202020204" pitchFamily="34" charset="0"/>
-              </a:rPr>
-              <a:t> </a:t>
-            </a:r>
-            <a:r>
-              <a:rPr lang="en-US" sz="2400" err="1">
-                <a:solidFill>
-                  <a:schemeClr val="tx1"/>
-                </a:solidFill>
-                <a:latin typeface="Arial" panose="020B0604020202020204" pitchFamily="34" charset="0"/>
-                <a:cs typeface="Arial" panose="020B0604020202020204" pitchFamily="34" charset="0"/>
-              </a:rPr>
-              <a:t>đi</a:t>
-            </a:r>
-            <a:r>
-              <a:rPr lang="en-US" sz="2400">
-                <a:solidFill>
-                  <a:schemeClr val="tx1"/>
-                </a:solidFill>
-                <a:latin typeface="Arial" panose="020B0604020202020204" pitchFamily="34" charset="0"/>
-                <a:cs typeface="Arial" panose="020B0604020202020204" pitchFamily="34" charset="0"/>
-              </a:rPr>
-              <a:t> </a:t>
-            </a:r>
-            <a:r>
-              <a:rPr lang="en-US" sz="2400" err="1">
-                <a:solidFill>
-                  <a:schemeClr val="tx1"/>
-                </a:solidFill>
-                <a:latin typeface="Arial" panose="020B0604020202020204" pitchFamily="34" charset="0"/>
-                <a:cs typeface="Arial" panose="020B0604020202020204" pitchFamily="34" charset="0"/>
-              </a:rPr>
-              <a:t>nếu</a:t>
-            </a:r>
-            <a:r>
-              <a:rPr lang="en-US" sz="2400">
-                <a:solidFill>
-                  <a:schemeClr val="tx1"/>
-                </a:solidFill>
-                <a:latin typeface="Arial" panose="020B0604020202020204" pitchFamily="34" charset="0"/>
-                <a:cs typeface="Arial" panose="020B0604020202020204" pitchFamily="34" charset="0"/>
-              </a:rPr>
-              <a:t> MAX </a:t>
-            </a:r>
-            <a:r>
-              <a:rPr lang="en-US" sz="2400" err="1">
-                <a:solidFill>
-                  <a:schemeClr val="tx1"/>
-                </a:solidFill>
-                <a:latin typeface="Arial" panose="020B0604020202020204" pitchFamily="34" charset="0"/>
-                <a:cs typeface="Arial" panose="020B0604020202020204" pitchFamily="34" charset="0"/>
-              </a:rPr>
-              <a:t>đi</a:t>
-            </a:r>
-            <a:r>
-              <a:rPr lang="en-US" sz="2400">
-                <a:solidFill>
-                  <a:schemeClr val="tx1"/>
-                </a:solidFill>
-                <a:latin typeface="Arial" panose="020B0604020202020204" pitchFamily="34" charset="0"/>
-                <a:cs typeface="Arial" panose="020B0604020202020204" pitchFamily="34" charset="0"/>
-              </a:rPr>
-              <a:t> n</a:t>
-            </a:r>
-            <a:r>
-              <a:rPr lang="vi-VN" sz="2400">
-                <a:solidFill>
-                  <a:schemeClr val="tx1"/>
-                </a:solidFill>
-                <a:latin typeface="Arial" panose="020B0604020202020204" pitchFamily="34" charset="0"/>
-                <a:cs typeface="Arial" panose="020B0604020202020204" pitchFamily="34" charset="0"/>
-              </a:rPr>
-              <a:t>ư</a:t>
-            </a:r>
-            <a:r>
-              <a:rPr lang="en-US" sz="2400" err="1">
-                <a:solidFill>
-                  <a:schemeClr val="tx1"/>
-                </a:solidFill>
-                <a:latin typeface="Arial" panose="020B0604020202020204" pitchFamily="34" charset="0"/>
-                <a:cs typeface="Arial" panose="020B0604020202020204" pitchFamily="34" charset="0"/>
-              </a:rPr>
-              <a:t>ớc</a:t>
-            </a:r>
-            <a:r>
-              <a:rPr lang="en-US" sz="2400">
-                <a:solidFill>
-                  <a:schemeClr val="tx1"/>
-                </a:solidFill>
-                <a:latin typeface="Arial" panose="020B0604020202020204" pitchFamily="34" charset="0"/>
-                <a:cs typeface="Arial" panose="020B0604020202020204" pitchFamily="34" charset="0"/>
-              </a:rPr>
-              <a:t> </a:t>
-            </a:r>
-            <a:r>
-              <a:rPr lang="en-US" sz="2400" err="1">
-                <a:solidFill>
-                  <a:schemeClr val="tx1"/>
-                </a:solidFill>
-                <a:latin typeface="Arial" panose="020B0604020202020204" pitchFamily="34" charset="0"/>
-                <a:cs typeface="Arial" panose="020B0604020202020204" pitchFamily="34" charset="0"/>
-              </a:rPr>
-              <a:t>đó</a:t>
-            </a:r>
-            <a:r>
-              <a:rPr lang="en-US" sz="2400">
-                <a:solidFill>
-                  <a:schemeClr val="tx1"/>
-                </a:solidFill>
-                <a:latin typeface="Arial" panose="020B0604020202020204" pitchFamily="34" charset="0"/>
-                <a:cs typeface="Arial" panose="020B0604020202020204" pitchFamily="34" charset="0"/>
-              </a:rPr>
-              <a:t>)</a:t>
-            </a:r>
-          </a:p>
-          <a:p>
-            <a:pPr algn="ctr">
-              <a:defRPr/>
-            </a:pPr>
-            <a:endParaRPr lang="en-US" sz="2400">
+            <a:endParaRPr lang="en-US">
               <a:solidFill>
                 <a:schemeClr val="tx1"/>
               </a:solidFill>
@@ -6897,40 +4405,36 @@
             </a:endParaRPr>
           </a:p>
           <a:p>
-            <a:pPr>
-              <a:buFont typeface="Wingdings" panose="05000000000000000000" pitchFamily="2" charset="2"/>
-              <a:buChar char="v"/>
+            <a:pPr marL="0" indent="0">
+              <a:buNone/>
               <a:defRPr/>
             </a:pPr>
             <a:r>
-              <a:rPr lang="en-US" sz="2400">
-                <a:solidFill>
-                  <a:schemeClr val="tx1"/>
-                </a:solidFill>
-                <a:latin typeface="Arial" panose="020B0604020202020204" pitchFamily="34" charset="0"/>
-                <a:cs typeface="Arial" panose="020B0604020202020204" pitchFamily="34" charset="0"/>
-              </a:rPr>
-              <a:t> Đối </a:t>
-            </a:r>
-            <a:r>
-              <a:rPr lang="en-US" sz="2400" err="1">
-                <a:solidFill>
-                  <a:schemeClr val="tx1"/>
-                </a:solidFill>
-                <a:latin typeface="Arial" panose="020B0604020202020204" pitchFamily="34" charset="0"/>
-                <a:cs typeface="Arial" panose="020B0604020202020204" pitchFamily="34" charset="0"/>
-              </a:rPr>
-              <a:t>với</a:t>
-            </a:r>
-            <a:r>
-              <a:rPr lang="en-US" sz="2400">
-                <a:solidFill>
-                  <a:schemeClr val="tx1"/>
-                </a:solidFill>
-                <a:latin typeface="Arial" panose="020B0604020202020204" pitchFamily="34" charset="0"/>
-                <a:cs typeface="Arial" panose="020B0604020202020204" pitchFamily="34" charset="0"/>
-              </a:rPr>
-              <a:t> MIN:</a:t>
+              <a:rPr lang="en-US" b="1" u="sng">
+                <a:solidFill>
+                  <a:schemeClr val="tx1"/>
+                </a:solidFill>
+                <a:latin typeface="Arial" panose="020B0604020202020204" pitchFamily="34" charset="0"/>
+                <a:cs typeface="Arial" panose="020B0604020202020204" pitchFamily="34" charset="0"/>
+              </a:rPr>
+              <a:t>* Điểm của mỗi state:</a:t>
+            </a:r>
+          </a:p>
+          <a:p>
+            <a:pPr marL="285750" indent="-285750">
+              <a:buFont typeface="Courier New" panose="02070309020205020404" pitchFamily="49" charset="0"/>
+              <a:buChar char="o"/>
+              <a:defRPr/>
+            </a:pPr>
+            <a:r>
+              <a:rPr lang="en-US">
+                <a:solidFill>
+                  <a:schemeClr val="tx1"/>
+                </a:solidFill>
+                <a:latin typeface="Arial" panose="020B0604020202020204" pitchFamily="34" charset="0"/>
+                <a:cs typeface="Arial" panose="020B0604020202020204" pitchFamily="34" charset="0"/>
+              </a:rPr>
+              <a:t>Đối với MAX:</a:t>
             </a:r>
           </a:p>
           <a:p>
@@ -6938,37 +4442,17 @@
               <a:defRPr/>
             </a:pPr>
             <a:r>
-              <a:rPr lang="en-US" sz="2400">
-                <a:solidFill>
-                  <a:schemeClr val="tx1"/>
-                </a:solidFill>
-                <a:latin typeface="Arial" panose="020B0604020202020204" pitchFamily="34" charset="0"/>
-                <a:cs typeface="Arial" panose="020B0604020202020204" pitchFamily="34" charset="0"/>
-              </a:rPr>
-              <a:t> Điểm(state) = - </a:t>
-            </a:r>
-            <a:r>
-              <a:rPr lang="en-US" sz="2400" err="1">
-                <a:solidFill>
-                  <a:schemeClr val="tx1"/>
-                </a:solidFill>
-                <a:latin typeface="Arial" panose="020B0604020202020204" pitchFamily="34" charset="0"/>
-                <a:cs typeface="Arial" panose="020B0604020202020204" pitchFamily="34" charset="0"/>
-              </a:rPr>
-              <a:t>Điểm</a:t>
-            </a:r>
-            <a:r>
-              <a:rPr lang="en-US" sz="2400">
-                <a:solidFill>
-                  <a:schemeClr val="tx1"/>
-                </a:solidFill>
-                <a:latin typeface="Arial" panose="020B0604020202020204" pitchFamily="34" charset="0"/>
-                <a:cs typeface="Arial" panose="020B0604020202020204" pitchFamily="34" charset="0"/>
-              </a:rPr>
-              <a:t>(n</a:t>
-            </a:r>
-            <a:r>
-              <a:rPr lang="vi-VN" sz="2400">
+              <a:rPr lang="en-US" sz="1400">
+                <a:solidFill>
+                  <a:schemeClr val="tx1"/>
+                </a:solidFill>
+                <a:latin typeface="Arial" panose="020B0604020202020204" pitchFamily="34" charset="0"/>
+                <a:cs typeface="Arial" panose="020B0604020202020204" pitchFamily="34" charset="0"/>
+              </a:rPr>
+              <a:t>Điểm(state) = Điểm(n</a:t>
+            </a:r>
+            <a:r>
+              <a:rPr lang="vi-VN" sz="1400">
                 <a:solidFill>
                   <a:schemeClr val="tx1"/>
                 </a:solidFill>
@@ -6978,67 +4462,17 @@
               <a:t>ư</a:t>
             </a:r>
             <a:r>
-              <a:rPr lang="en-US" sz="2400" err="1">
-                <a:solidFill>
-                  <a:schemeClr val="tx1"/>
-                </a:solidFill>
-                <a:latin typeface="Arial" panose="020B0604020202020204" pitchFamily="34" charset="0"/>
-                <a:cs typeface="Arial" panose="020B0604020202020204" pitchFamily="34" charset="0"/>
-              </a:rPr>
-              <a:t>ớc</a:t>
-            </a:r>
-            <a:r>
-              <a:rPr lang="en-US" sz="2400">
-                <a:solidFill>
-                  <a:schemeClr val="tx1"/>
-                </a:solidFill>
-                <a:latin typeface="Arial" panose="020B0604020202020204" pitchFamily="34" charset="0"/>
-                <a:cs typeface="Arial" panose="020B0604020202020204" pitchFamily="34" charset="0"/>
-              </a:rPr>
-              <a:t> </a:t>
-            </a:r>
-            <a:r>
-              <a:rPr lang="en-US" sz="2400" err="1">
-                <a:solidFill>
-                  <a:schemeClr val="tx1"/>
-                </a:solidFill>
-                <a:latin typeface="Arial" panose="020B0604020202020204" pitchFamily="34" charset="0"/>
-                <a:cs typeface="Arial" panose="020B0604020202020204" pitchFamily="34" charset="0"/>
-              </a:rPr>
-              <a:t>đi</a:t>
-            </a:r>
-            <a:r>
-              <a:rPr lang="en-US" sz="2400">
-                <a:solidFill>
-                  <a:schemeClr val="tx1"/>
-                </a:solidFill>
-                <a:latin typeface="Arial" panose="020B0604020202020204" pitchFamily="34" charset="0"/>
-                <a:cs typeface="Arial" panose="020B0604020202020204" pitchFamily="34" charset="0"/>
-              </a:rPr>
-              <a:t>) + </a:t>
-            </a:r>
-            <a:r>
-              <a:rPr lang="en-US" sz="2400" err="1">
-                <a:solidFill>
-                  <a:schemeClr val="tx1"/>
-                </a:solidFill>
-                <a:latin typeface="Arial" panose="020B0604020202020204" pitchFamily="34" charset="0"/>
-                <a:cs typeface="Arial" panose="020B0604020202020204" pitchFamily="34" charset="0"/>
-              </a:rPr>
-              <a:t>Điểm</a:t>
-            </a:r>
-            <a:r>
-              <a:rPr lang="en-US" sz="2400">
-                <a:solidFill>
-                  <a:schemeClr val="tx1"/>
-                </a:solidFill>
-                <a:latin typeface="Arial" panose="020B0604020202020204" pitchFamily="34" charset="0"/>
-                <a:cs typeface="Arial" panose="020B0604020202020204" pitchFamily="34" charset="0"/>
-              </a:rPr>
-              <a:t>(n</a:t>
-            </a:r>
-            <a:r>
-              <a:rPr lang="vi-VN" sz="2400">
+              <a:rPr lang="en-US" sz="1400">
+                <a:solidFill>
+                  <a:schemeClr val="tx1"/>
+                </a:solidFill>
+                <a:latin typeface="Arial" panose="020B0604020202020204" pitchFamily="34" charset="0"/>
+                <a:cs typeface="Arial" panose="020B0604020202020204" pitchFamily="34" charset="0"/>
+              </a:rPr>
+              <a:t>ớc đi) –Điểm(n</a:t>
+            </a:r>
+            <a:r>
+              <a:rPr lang="vi-VN" sz="1400">
                 <a:solidFill>
                   <a:schemeClr val="tx1"/>
                 </a:solidFill>
@@ -7048,187 +4482,17 @@
               <a:t>ư</a:t>
             </a:r>
             <a:r>
-              <a:rPr lang="en-US" sz="2400" err="1">
-                <a:solidFill>
-                  <a:schemeClr val="tx1"/>
-                </a:solidFill>
-                <a:latin typeface="Arial" panose="020B0604020202020204" pitchFamily="34" charset="0"/>
-                <a:cs typeface="Arial" panose="020B0604020202020204" pitchFamily="34" charset="0"/>
-              </a:rPr>
-              <a:t>ớc</a:t>
-            </a:r>
-            <a:r>
-              <a:rPr lang="en-US" sz="2400">
-                <a:solidFill>
-                  <a:schemeClr val="tx1"/>
-                </a:solidFill>
-                <a:latin typeface="Arial" panose="020B0604020202020204" pitchFamily="34" charset="0"/>
-                <a:cs typeface="Arial" panose="020B0604020202020204" pitchFamily="34" charset="0"/>
-              </a:rPr>
-              <a:t> </a:t>
-            </a:r>
-            <a:r>
-              <a:rPr lang="en-US" sz="2400" err="1">
-                <a:solidFill>
-                  <a:schemeClr val="tx1"/>
-                </a:solidFill>
-                <a:latin typeface="Arial" panose="020B0604020202020204" pitchFamily="34" charset="0"/>
-                <a:cs typeface="Arial" panose="020B0604020202020204" pitchFamily="34" charset="0"/>
-              </a:rPr>
-              <a:t>đi</a:t>
-            </a:r>
-            <a:r>
-              <a:rPr lang="en-US" sz="2400">
-                <a:solidFill>
-                  <a:schemeClr val="tx1"/>
-                </a:solidFill>
-                <a:latin typeface="Arial" panose="020B0604020202020204" pitchFamily="34" charset="0"/>
-                <a:cs typeface="Arial" panose="020B0604020202020204" pitchFamily="34" charset="0"/>
-              </a:rPr>
-              <a:t> </a:t>
-            </a:r>
-            <a:r>
-              <a:rPr lang="en-US" sz="2400" err="1">
-                <a:solidFill>
-                  <a:schemeClr val="tx1"/>
-                </a:solidFill>
-                <a:latin typeface="Arial" panose="020B0604020202020204" pitchFamily="34" charset="0"/>
-                <a:cs typeface="Arial" panose="020B0604020202020204" pitchFamily="34" charset="0"/>
-              </a:rPr>
-              <a:t>tốt</a:t>
-            </a:r>
-            <a:r>
-              <a:rPr lang="en-US" sz="2400">
-                <a:solidFill>
-                  <a:schemeClr val="tx1"/>
-                </a:solidFill>
-                <a:latin typeface="Arial" panose="020B0604020202020204" pitchFamily="34" charset="0"/>
-                <a:cs typeface="Arial" panose="020B0604020202020204" pitchFamily="34" charset="0"/>
-              </a:rPr>
-              <a:t> </a:t>
-            </a:r>
-            <a:r>
-              <a:rPr lang="en-US" sz="2400" err="1">
-                <a:solidFill>
-                  <a:schemeClr val="tx1"/>
-                </a:solidFill>
-                <a:latin typeface="Arial" panose="020B0604020202020204" pitchFamily="34" charset="0"/>
-                <a:cs typeface="Arial" panose="020B0604020202020204" pitchFamily="34" charset="0"/>
-              </a:rPr>
-              <a:t>nhất</a:t>
-            </a:r>
-            <a:r>
-              <a:rPr lang="en-US" sz="2400">
-                <a:solidFill>
-                  <a:schemeClr val="tx1"/>
-                </a:solidFill>
-                <a:latin typeface="Arial" panose="020B0604020202020204" pitchFamily="34" charset="0"/>
-                <a:cs typeface="Arial" panose="020B0604020202020204" pitchFamily="34" charset="0"/>
-              </a:rPr>
-              <a:t> </a:t>
-            </a:r>
-            <a:r>
-              <a:rPr lang="en-US" sz="2400" err="1">
-                <a:solidFill>
-                  <a:schemeClr val="tx1"/>
-                </a:solidFill>
-                <a:latin typeface="Arial" panose="020B0604020202020204" pitchFamily="34" charset="0"/>
-                <a:cs typeface="Arial" panose="020B0604020202020204" pitchFamily="34" charset="0"/>
-              </a:rPr>
-              <a:t>của</a:t>
-            </a:r>
-            <a:r>
-              <a:rPr lang="en-US" sz="2400">
-                <a:solidFill>
-                  <a:schemeClr val="tx1"/>
-                </a:solidFill>
-                <a:latin typeface="Arial" panose="020B0604020202020204" pitchFamily="34" charset="0"/>
-                <a:cs typeface="Arial" panose="020B0604020202020204" pitchFamily="34" charset="0"/>
-              </a:rPr>
-              <a:t> MAX </a:t>
-            </a:r>
-            <a:r>
-              <a:rPr lang="en-US" sz="2400" err="1">
-                <a:solidFill>
-                  <a:schemeClr val="tx1"/>
-                </a:solidFill>
-                <a:latin typeface="Arial" panose="020B0604020202020204" pitchFamily="34" charset="0"/>
-                <a:cs typeface="Arial" panose="020B0604020202020204" pitchFamily="34" charset="0"/>
-              </a:rPr>
-              <a:t>sẽ</a:t>
-            </a:r>
-            <a:r>
-              <a:rPr lang="en-US" sz="2400">
-                <a:solidFill>
-                  <a:schemeClr val="tx1"/>
-                </a:solidFill>
-                <a:latin typeface="Arial" panose="020B0604020202020204" pitchFamily="34" charset="0"/>
-                <a:cs typeface="Arial" panose="020B0604020202020204" pitchFamily="34" charset="0"/>
-              </a:rPr>
-              <a:t> </a:t>
-            </a:r>
-            <a:r>
-              <a:rPr lang="en-US" sz="2400" err="1">
-                <a:solidFill>
-                  <a:schemeClr val="tx1"/>
-                </a:solidFill>
-                <a:latin typeface="Arial" panose="020B0604020202020204" pitchFamily="34" charset="0"/>
-                <a:cs typeface="Arial" panose="020B0604020202020204" pitchFamily="34" charset="0"/>
-              </a:rPr>
-              <a:t>đi</a:t>
-            </a:r>
-            <a:r>
-              <a:rPr lang="en-US" sz="2400">
-                <a:solidFill>
-                  <a:schemeClr val="tx1"/>
-                </a:solidFill>
-                <a:latin typeface="Arial" panose="020B0604020202020204" pitchFamily="34" charset="0"/>
-                <a:cs typeface="Arial" panose="020B0604020202020204" pitchFamily="34" charset="0"/>
-              </a:rPr>
-              <a:t> </a:t>
-            </a:r>
-            <a:r>
-              <a:rPr lang="en-US" sz="2400" err="1">
-                <a:solidFill>
-                  <a:schemeClr val="tx1"/>
-                </a:solidFill>
-                <a:latin typeface="Arial" panose="020B0604020202020204" pitchFamily="34" charset="0"/>
-                <a:cs typeface="Arial" panose="020B0604020202020204" pitchFamily="34" charset="0"/>
-              </a:rPr>
-              <a:t>nếu</a:t>
-            </a:r>
-            <a:r>
-              <a:rPr lang="en-US" sz="2400">
-                <a:solidFill>
-                  <a:schemeClr val="tx1"/>
-                </a:solidFill>
-                <a:latin typeface="Arial" panose="020B0604020202020204" pitchFamily="34" charset="0"/>
-                <a:cs typeface="Arial" panose="020B0604020202020204" pitchFamily="34" charset="0"/>
-              </a:rPr>
-              <a:t> MIN </a:t>
-            </a:r>
-            <a:r>
-              <a:rPr lang="en-US" sz="2400" err="1">
-                <a:solidFill>
-                  <a:schemeClr val="tx1"/>
-                </a:solidFill>
-                <a:latin typeface="Arial" panose="020B0604020202020204" pitchFamily="34" charset="0"/>
-                <a:cs typeface="Arial" panose="020B0604020202020204" pitchFamily="34" charset="0"/>
-              </a:rPr>
-              <a:t>đi</a:t>
-            </a:r>
-            <a:r>
-              <a:rPr lang="en-US" sz="2400">
-                <a:solidFill>
-                  <a:schemeClr val="tx1"/>
-                </a:solidFill>
-                <a:latin typeface="Arial" panose="020B0604020202020204" pitchFamily="34" charset="0"/>
-                <a:cs typeface="Arial" panose="020B0604020202020204" pitchFamily="34" charset="0"/>
-              </a:rPr>
-              <a:t> n</a:t>
-            </a:r>
-            <a:r>
-              <a:rPr lang="vi-VN" sz="2400">
+              <a:rPr lang="en-US" sz="1400">
+                <a:solidFill>
+                  <a:schemeClr val="tx1"/>
+                </a:solidFill>
+                <a:latin typeface="Arial" panose="020B0604020202020204" pitchFamily="34" charset="0"/>
+                <a:cs typeface="Arial" panose="020B0604020202020204" pitchFamily="34" charset="0"/>
+              </a:rPr>
+              <a:t>ớc đi tốt nhất của MIN sẽ đi nếu MAX đi n</a:t>
+            </a:r>
+            <a:r>
+              <a:rPr lang="vi-VN" sz="1400">
                 <a:solidFill>
                   <a:schemeClr val="tx1"/>
                 </a:solidFill>
@@ -7238,47 +4502,236 @@
               <a:t>ư</a:t>
             </a:r>
             <a:r>
-              <a:rPr lang="en-US" sz="2400" err="1">
-                <a:solidFill>
-                  <a:schemeClr val="tx1"/>
-                </a:solidFill>
-                <a:latin typeface="Arial" panose="020B0604020202020204" pitchFamily="34" charset="0"/>
-                <a:cs typeface="Arial" panose="020B0604020202020204" pitchFamily="34" charset="0"/>
-              </a:rPr>
-              <a:t>ớc</a:t>
-            </a:r>
-            <a:r>
-              <a:rPr lang="en-US" sz="2400">
-                <a:solidFill>
-                  <a:schemeClr val="tx1"/>
-                </a:solidFill>
-                <a:latin typeface="Arial" panose="020B0604020202020204" pitchFamily="34" charset="0"/>
-                <a:cs typeface="Arial" panose="020B0604020202020204" pitchFamily="34" charset="0"/>
-              </a:rPr>
-              <a:t> </a:t>
-            </a:r>
-            <a:r>
-              <a:rPr lang="en-US" sz="2400" err="1">
-                <a:solidFill>
-                  <a:schemeClr val="tx1"/>
-                </a:solidFill>
-                <a:latin typeface="Arial" panose="020B0604020202020204" pitchFamily="34" charset="0"/>
-                <a:cs typeface="Arial" panose="020B0604020202020204" pitchFamily="34" charset="0"/>
-              </a:rPr>
-              <a:t>đó</a:t>
-            </a:r>
-            <a:r>
-              <a:rPr lang="en-US" sz="2400">
-                <a:solidFill>
-                  <a:schemeClr val="tx1"/>
-                </a:solidFill>
-                <a:latin typeface="Arial" panose="020B0604020202020204" pitchFamily="34" charset="0"/>
-                <a:cs typeface="Arial" panose="020B0604020202020204" pitchFamily="34" charset="0"/>
-              </a:rPr>
-              <a:t>) </a:t>
-            </a:r>
-          </a:p>
-          <a:p>
+              <a:rPr lang="en-US" sz="1400">
+                <a:solidFill>
+                  <a:schemeClr val="tx1"/>
+                </a:solidFill>
+                <a:latin typeface="Arial" panose="020B0604020202020204" pitchFamily="34" charset="0"/>
+                <a:cs typeface="Arial" panose="020B0604020202020204" pitchFamily="34" charset="0"/>
+              </a:rPr>
+              <a:t>ớc đó) </a:t>
+            </a:r>
+          </a:p>
+          <a:p>
+            <a:pPr algn="ctr">
+              <a:defRPr/>
+            </a:pPr>
+            <a:endParaRPr lang="en-US" sz="1400">
+              <a:solidFill>
+                <a:schemeClr val="tx1"/>
+              </a:solidFill>
+              <a:latin typeface="Arial" panose="020B0604020202020204" pitchFamily="34" charset="0"/>
+              <a:cs typeface="Arial" panose="020B0604020202020204" pitchFamily="34" charset="0"/>
+            </a:endParaRPr>
+          </a:p>
+          <a:p>
+            <a:pPr marL="285750" indent="-285750">
+              <a:buFont typeface="Courier New" panose="02070309020205020404" pitchFamily="49" charset="0"/>
+              <a:buChar char="o"/>
+              <a:defRPr/>
+            </a:pPr>
+            <a:r>
+              <a:rPr lang="en-US">
+                <a:solidFill>
+                  <a:schemeClr val="tx1"/>
+                </a:solidFill>
+                <a:latin typeface="Arial" panose="020B0604020202020204" pitchFamily="34" charset="0"/>
+                <a:cs typeface="Arial" panose="020B0604020202020204" pitchFamily="34" charset="0"/>
+              </a:rPr>
+              <a:t>Đối với MIN:</a:t>
+            </a:r>
+          </a:p>
+          <a:p>
+            <a:pPr algn="ctr">
+              <a:defRPr/>
+            </a:pPr>
+            <a:r>
+              <a:rPr lang="en-US" sz="1400">
+                <a:solidFill>
+                  <a:schemeClr val="tx1"/>
+                </a:solidFill>
+                <a:latin typeface="Arial" panose="020B0604020202020204" pitchFamily="34" charset="0"/>
+                <a:cs typeface="Arial" panose="020B0604020202020204" pitchFamily="34" charset="0"/>
+              </a:rPr>
+              <a:t>Điểm(state) = -Điểm(n</a:t>
+            </a:r>
+            <a:r>
+              <a:rPr lang="vi-VN" sz="1400">
+                <a:solidFill>
+                  <a:schemeClr val="tx1"/>
+                </a:solidFill>
+                <a:latin typeface="Arial" panose="020B0604020202020204" pitchFamily="34" charset="0"/>
+                <a:cs typeface="Arial" panose="020B0604020202020204" pitchFamily="34" charset="0"/>
+              </a:rPr>
+              <a:t>ư</a:t>
+            </a:r>
+            <a:r>
+              <a:rPr lang="en-US" sz="1400">
+                <a:solidFill>
+                  <a:schemeClr val="tx1"/>
+                </a:solidFill>
+                <a:latin typeface="Arial" panose="020B0604020202020204" pitchFamily="34" charset="0"/>
+                <a:cs typeface="Arial" panose="020B0604020202020204" pitchFamily="34" charset="0"/>
+              </a:rPr>
+              <a:t>ớc đi) +Điểm(n</a:t>
+            </a:r>
+            <a:r>
+              <a:rPr lang="vi-VN" sz="1400">
+                <a:solidFill>
+                  <a:schemeClr val="tx1"/>
+                </a:solidFill>
+                <a:latin typeface="Arial" panose="020B0604020202020204" pitchFamily="34" charset="0"/>
+                <a:cs typeface="Arial" panose="020B0604020202020204" pitchFamily="34" charset="0"/>
+              </a:rPr>
+              <a:t>ư</a:t>
+            </a:r>
+            <a:r>
+              <a:rPr lang="en-US" sz="1400">
+                <a:solidFill>
+                  <a:schemeClr val="tx1"/>
+                </a:solidFill>
+                <a:latin typeface="Arial" panose="020B0604020202020204" pitchFamily="34" charset="0"/>
+                <a:cs typeface="Arial" panose="020B0604020202020204" pitchFamily="34" charset="0"/>
+              </a:rPr>
+              <a:t>ớc đi tốt nhất của MAX sẽ đi nếu MIN đi n</a:t>
+            </a:r>
+            <a:r>
+              <a:rPr lang="vi-VN" sz="1400">
+                <a:solidFill>
+                  <a:schemeClr val="tx1"/>
+                </a:solidFill>
+                <a:latin typeface="Arial" panose="020B0604020202020204" pitchFamily="34" charset="0"/>
+                <a:cs typeface="Arial" panose="020B0604020202020204" pitchFamily="34" charset="0"/>
+              </a:rPr>
+              <a:t>ư</a:t>
+            </a:r>
+            <a:r>
+              <a:rPr lang="en-US" sz="1400">
+                <a:solidFill>
+                  <a:schemeClr val="tx1"/>
+                </a:solidFill>
+                <a:latin typeface="Arial" panose="020B0604020202020204" pitchFamily="34" charset="0"/>
+                <a:cs typeface="Arial" panose="020B0604020202020204" pitchFamily="34" charset="0"/>
+              </a:rPr>
+              <a:t>ớc đó) </a:t>
+            </a:r>
+          </a:p>
+          <a:p>
+            <a:pPr>
+              <a:defRPr/>
+            </a:pPr>
+            <a:endParaRPr lang="en-US">
+              <a:solidFill>
+                <a:schemeClr val="tx1"/>
+              </a:solidFill>
+              <a:latin typeface="Arial" panose="020B0604020202020204" pitchFamily="34" charset="0"/>
+              <a:cs typeface="Arial" panose="020B0604020202020204" pitchFamily="34" charset="0"/>
+            </a:endParaRPr>
+          </a:p>
+          <a:p>
+            <a:pPr marL="285750" indent="-285750">
+              <a:buFont typeface="Courier New" panose="02070309020205020404" pitchFamily="49" charset="0"/>
+              <a:buChar char="o"/>
+              <a:defRPr/>
+            </a:pPr>
+            <a:endParaRPr lang="en-US">
+              <a:solidFill>
+                <a:schemeClr val="tx1"/>
+              </a:solidFill>
+              <a:latin typeface="Arial" panose="020B0604020202020204" pitchFamily="34" charset="0"/>
+              <a:cs typeface="Arial" panose="020B0604020202020204" pitchFamily="34" charset="0"/>
+            </a:endParaRPr>
+          </a:p>
+          <a:p>
+            <a:pPr marL="742950" lvl="1" indent="-285750">
+              <a:defRPr/>
+            </a:pPr>
+            <a:endParaRPr lang="en-US">
+              <a:solidFill>
+                <a:schemeClr val="tx1"/>
+              </a:solidFill>
+              <a:latin typeface="Arial" panose="020B0604020202020204" pitchFamily="34" charset="0"/>
+              <a:cs typeface="Arial" panose="020B0604020202020204" pitchFamily="34" charset="0"/>
+            </a:endParaRPr>
+          </a:p>
+          <a:p>
+            <a:pPr marL="0" indent="0">
+              <a:buNone/>
+              <a:defRPr/>
+            </a:pPr>
+            <a:endParaRPr lang="en-US">
+              <a:solidFill>
+                <a:schemeClr val="tx1"/>
+              </a:solidFill>
+              <a:latin typeface="Arial" panose="020B0604020202020204" pitchFamily="34" charset="0"/>
+              <a:cs typeface="Arial" panose="020B0604020202020204" pitchFamily="34" charset="0"/>
+            </a:endParaRPr>
+          </a:p>
+          <a:p>
+            <a:pPr lvl="2">
+              <a:defRPr/>
+            </a:pPr>
+            <a:endParaRPr lang="en-US">
+              <a:solidFill>
+                <a:schemeClr val="tx1"/>
+              </a:solidFill>
+              <a:latin typeface="Arial" panose="020B0604020202020204" pitchFamily="34" charset="0"/>
+              <a:cs typeface="Arial" panose="020B0604020202020204" pitchFamily="34" charset="0"/>
+            </a:endParaRPr>
+          </a:p>
+          <a:p>
+            <a:pPr marL="1200150" lvl="2" indent="-285750">
+              <a:defRPr/>
+            </a:pPr>
+            <a:endParaRPr lang="en-US">
+              <a:solidFill>
+                <a:schemeClr val="tx1"/>
+              </a:solidFill>
+              <a:latin typeface="Arial" panose="020B0604020202020204" pitchFamily="34" charset="0"/>
+              <a:cs typeface="Arial" panose="020B0604020202020204" pitchFamily="34" charset="0"/>
+            </a:endParaRPr>
+          </a:p>
+          <a:p>
+            <a:pPr marL="742950" lvl="1" indent="-285750">
+              <a:defRPr/>
+            </a:pPr>
+            <a:endParaRPr lang="en-US">
+              <a:solidFill>
+                <a:schemeClr val="tx1"/>
+              </a:solidFill>
+              <a:latin typeface="Arial" panose="020B0604020202020204" pitchFamily="34" charset="0"/>
+              <a:cs typeface="Arial" panose="020B0604020202020204" pitchFamily="34" charset="0"/>
+            </a:endParaRPr>
+          </a:p>
+          <a:p>
+            <a:pPr marL="742950" lvl="1" indent="-285750">
+              <a:defRPr/>
+            </a:pPr>
+            <a:endParaRPr lang="en-US">
+              <a:solidFill>
+                <a:schemeClr val="tx1"/>
+              </a:solidFill>
+              <a:latin typeface="Arial" panose="020B0604020202020204" pitchFamily="34" charset="0"/>
+              <a:cs typeface="Arial" panose="020B0604020202020204" pitchFamily="34" charset="0"/>
+            </a:endParaRPr>
+          </a:p>
+          <a:p>
+            <a:pPr marL="742950" lvl="1" indent="-285750">
+              <a:defRPr/>
+            </a:pPr>
+            <a:endParaRPr lang="en-US">
+              <a:solidFill>
+                <a:schemeClr val="tx1"/>
+              </a:solidFill>
+              <a:latin typeface="Arial" panose="020B0604020202020204" pitchFamily="34" charset="0"/>
+              <a:cs typeface="Arial" panose="020B0604020202020204" pitchFamily="34" charset="0"/>
+            </a:endParaRPr>
+          </a:p>
+          <a:p>
+            <a:pPr marL="0" indent="0">
+              <a:buNone/>
+              <a:defRPr/>
+            </a:pPr>
             <a:endParaRPr lang="en-US" sz="2400">
               <a:solidFill>
                 <a:schemeClr val="tx1"/>
@@ -7302,7 +4755,131 @@
 </p:sld>
 </file>
 
-<file path=ppt/slides/slide17.xml><?xml version="1.0" encoding="utf-8"?>
+<file path=ppt/slides/slide15.xml><?xml version="1.0" encoding="utf-8"?>
+<p:sld xmlns:a="http://schemas.openxmlformats.org/drawingml/2006/main" xmlns:r="http://schemas.openxmlformats.org/officeDocument/2006/relationships" xmlns:p="http://schemas.openxmlformats.org/presentationml/2006/main">
+  <p:cSld>
+    <p:spTree>
+      <p:nvGrpSpPr>
+        <p:cNvPr id="1" name=""/>
+        <p:cNvGrpSpPr/>
+        <p:nvPr/>
+      </p:nvGrpSpPr>
+      <p:grpSpPr>
+        <a:xfrm>
+          <a:off x="0" y="0"/>
+          <a:ext cx="0" cy="0"/>
+          <a:chOff x="0" y="0"/>
+          <a:chExt cx="0" cy="0"/>
+        </a:xfrm>
+      </p:grpSpPr>
+      <p:sp>
+        <p:nvSpPr>
+          <p:cNvPr id="2" name="Title 1">
+            <a:extLst>
+              <a:ext uri="{FF2B5EF4-FFF2-40B4-BE49-F238E27FC236}">
+                <a16:creationId xmlns:a16="http://schemas.microsoft.com/office/drawing/2014/main" id="{28C7E633-B62E-4A5E-8BCD-5904C40374A8}"/>
+              </a:ext>
+            </a:extLst>
+          </p:cNvPr>
+          <p:cNvSpPr>
+            <a:spLocks noGrp="1"/>
+          </p:cNvSpPr>
+          <p:nvPr>
+            <p:ph type="title"/>
+          </p:nvPr>
+        </p:nvSpPr>
+        <p:spPr/>
+        <p:txBody>
+          <a:bodyPr/>
+          <a:lstStyle/>
+          <a:p>
+            <a:r>
+              <a:rPr lang="en-US">
+                <a:latin typeface="Arial" panose="020B0604020202020204" pitchFamily="34" charset="0"/>
+                <a:cs typeface="Arial" panose="020B0604020202020204" pitchFamily="34" charset="0"/>
+              </a:rPr>
+              <a:t>3. Cài đặt/ Cách sử dụng</a:t>
+            </a:r>
+          </a:p>
+        </p:txBody>
+      </p:sp>
+      <p:sp>
+        <p:nvSpPr>
+          <p:cNvPr id="3" name="Content Placeholder 2">
+            <a:extLst>
+              <a:ext uri="{FF2B5EF4-FFF2-40B4-BE49-F238E27FC236}">
+                <a16:creationId xmlns:a16="http://schemas.microsoft.com/office/drawing/2014/main" id="{115B6A14-CA9A-45F0-BE59-197B904DADF3}"/>
+              </a:ext>
+            </a:extLst>
+          </p:cNvPr>
+          <p:cNvSpPr>
+            <a:spLocks noGrp="1"/>
+          </p:cNvSpPr>
+          <p:nvPr>
+            <p:ph idx="1"/>
+          </p:nvPr>
+        </p:nvSpPr>
+        <p:spPr/>
+        <p:txBody>
+          <a:bodyPr>
+            <a:normAutofit/>
+          </a:bodyPr>
+          <a:lstStyle/>
+          <a:p>
+            <a:r>
+              <a:rPr lang="en-US" sz="2400">
+                <a:solidFill>
+                  <a:schemeClr val="tx1"/>
+                </a:solidFill>
+                <a:latin typeface="Arial" panose="020B0604020202020204" pitchFamily="34" charset="0"/>
+                <a:cs typeface="Arial" panose="020B0604020202020204" pitchFamily="34" charset="0"/>
+              </a:rPr>
+              <a:t> Chương trình là một Windows Form App được viết</a:t>
+            </a:r>
+          </a:p>
+          <a:p>
+            <a:pPr marL="0" indent="0">
+              <a:buNone/>
+            </a:pPr>
+            <a:r>
+              <a:rPr lang="en-US" sz="2400">
+                <a:solidFill>
+                  <a:schemeClr val="tx1"/>
+                </a:solidFill>
+                <a:latin typeface="Arial" panose="020B0604020202020204" pitchFamily="34" charset="0"/>
+                <a:cs typeface="Arial" panose="020B0604020202020204" pitchFamily="34" charset="0"/>
+              </a:rPr>
+              <a:t>bằng C#, muốn chạy chương trình chỉ cần chạy file .exe.</a:t>
+            </a:r>
+          </a:p>
+          <a:p>
+            <a:pPr marL="0" indent="0">
+              <a:buNone/>
+            </a:pPr>
+            <a:endParaRPr lang="en-US" sz="2400">
+              <a:solidFill>
+                <a:schemeClr val="tx1"/>
+              </a:solidFill>
+              <a:latin typeface="Arial" panose="020B0604020202020204" pitchFamily="34" charset="0"/>
+              <a:cs typeface="Arial" panose="020B0604020202020204" pitchFamily="34" charset="0"/>
+            </a:endParaRPr>
+          </a:p>
+        </p:txBody>
+      </p:sp>
+    </p:spTree>
+    <p:extLst>
+      <p:ext uri="{BB962C8B-B14F-4D97-AF65-F5344CB8AC3E}">
+        <p14:creationId xmlns:p14="http://schemas.microsoft.com/office/powerpoint/2010/main" val="1947108134"/>
+      </p:ext>
+    </p:extLst>
+  </p:cSld>
+  <p:clrMapOvr>
+    <a:masterClrMapping/>
+  </p:clrMapOvr>
+</p:sld>
+</file>
+
+<file path=ppt/slides/slide16.xml><?xml version="1.0" encoding="utf-8"?>
 <p:sld xmlns:a="http://schemas.openxmlformats.org/drawingml/2006/main" xmlns:r="http://schemas.openxmlformats.org/officeDocument/2006/relationships" xmlns:p="http://schemas.openxmlformats.org/presentationml/2006/main">
   <p:cSld>
     <p:spTree>
@@ -7347,7 +4924,7 @@
                 <a:latin typeface="Arial" panose="020B0604020202020204" pitchFamily="34" charset="0"/>
                 <a:cs typeface="Arial" panose="020B0604020202020204" pitchFamily="34" charset="0"/>
               </a:rPr>
-              <a:t>2.5. Bảng so </a:t>
+              <a:t>4. Bảng so </a:t>
             </a:r>
             <a:r>
               <a:rPr lang="en-US" sz="3200" err="1">
@@ -7924,7 +5501,7 @@
 </p:sld>
 </file>
 
-<file path=ppt/slides/slide18.xml><?xml version="1.0" encoding="utf-8"?>
+<file path=ppt/slides/slide17.xml><?xml version="1.0" encoding="utf-8"?>
 <p:sld xmlns:a="http://schemas.openxmlformats.org/drawingml/2006/main" xmlns:r="http://schemas.openxmlformats.org/officeDocument/2006/relationships" xmlns:p="http://schemas.openxmlformats.org/presentationml/2006/main">
   <p:cSld>
     <p:spTree>
@@ -8046,7 +5623,7 @@
         </p:nvSpPr>
         <p:spPr>
           <a:xfrm>
-            <a:off x="1575629" y="3002722"/>
+            <a:off x="1357658" y="1849783"/>
             <a:ext cx="6428684" cy="4902199"/>
           </a:xfrm>
         </p:spPr>
@@ -8335,6 +5912,64 @@
                 <a:cs typeface="Arial" panose="020B0604020202020204" pitchFamily="34" charset="0"/>
               </a:rPr>
               <a:t> </a:t>
+            </a:r>
+          </a:p>
+          <a:p>
+            <a:pPr marL="514350" indent="-514350">
+              <a:buFont typeface="+mj-lt"/>
+              <a:buAutoNum type="arabicPeriod"/>
+            </a:pPr>
+            <a:endParaRPr lang="en-US" sz="3200">
+              <a:solidFill>
+                <a:schemeClr val="tx1"/>
+              </a:solidFill>
+              <a:latin typeface="Arial" panose="020B0604020202020204" pitchFamily="34" charset="0"/>
+              <a:cs typeface="Arial" panose="020B0604020202020204" pitchFamily="34" charset="0"/>
+            </a:endParaRPr>
+          </a:p>
+          <a:p>
+            <a:pPr marL="514350" indent="-514350">
+              <a:buFont typeface="+mj-lt"/>
+              <a:buAutoNum type="arabicPeriod"/>
+            </a:pPr>
+            <a:r>
+              <a:rPr lang="en-US" sz="3200">
+                <a:solidFill>
+                  <a:schemeClr val="tx1"/>
+                </a:solidFill>
+                <a:latin typeface="Arial" panose="020B0604020202020204" pitchFamily="34" charset="0"/>
+                <a:cs typeface="Arial" panose="020B0604020202020204" pitchFamily="34" charset="0"/>
+              </a:rPr>
+              <a:t> Cài đặt/ Cách sử dụng</a:t>
+            </a:r>
+          </a:p>
+          <a:p>
+            <a:pPr marL="514350" indent="-514350">
+              <a:buFont typeface="+mj-lt"/>
+              <a:buAutoNum type="arabicPeriod"/>
+            </a:pPr>
+            <a:endParaRPr lang="en-US" sz="3200">
+              <a:solidFill>
+                <a:schemeClr val="tx1"/>
+              </a:solidFill>
+              <a:latin typeface="Arial" panose="020B0604020202020204" pitchFamily="34" charset="0"/>
+              <a:cs typeface="Arial" panose="020B0604020202020204" pitchFamily="34" charset="0"/>
+            </a:endParaRPr>
+          </a:p>
+          <a:p>
+            <a:pPr marL="514350" indent="-514350">
+              <a:buFont typeface="+mj-lt"/>
+              <a:buAutoNum type="arabicPeriod"/>
+            </a:pPr>
+            <a:r>
+              <a:rPr lang="en-US" sz="3200">
+                <a:solidFill>
+                  <a:schemeClr val="tx1"/>
+                </a:solidFill>
+                <a:latin typeface="Arial" panose="020B0604020202020204" pitchFamily="34" charset="0"/>
+                <a:cs typeface="Arial" panose="020B0604020202020204" pitchFamily="34" charset="0"/>
+              </a:rPr>
+              <a:t> So sánh</a:t>
             </a:r>
           </a:p>
           <a:p>
@@ -8936,7 +6571,7 @@
                 <a:latin typeface="Arial" panose="020B0604020202020204" pitchFamily="34" charset="0"/>
                 <a:cs typeface="Arial" panose="020B0604020202020204" pitchFamily="34" charset="0"/>
               </a:rPr>
-              <a:t>:  </a:t>
+              <a:t>: </a:t>
             </a:r>
             <a:r>
               <a:rPr lang="en-US" sz="2800" err="1">
@@ -9965,7 +7600,12 @@
             <p:ph idx="1"/>
           </p:nvPr>
         </p:nvSpPr>
-        <p:spPr/>
+        <p:spPr>
+          <a:xfrm>
+            <a:off x="558800" y="2154583"/>
+            <a:ext cx="8026400" cy="4902199"/>
+          </a:xfrm>
+        </p:spPr>
         <p:txBody>
           <a:bodyPr>
             <a:normAutofit/>
@@ -9983,47 +7623,7 @@
                 <a:latin typeface="Arial" panose="020B0604020202020204" pitchFamily="34" charset="0"/>
                 <a:cs typeface="Arial" panose="020B0604020202020204" pitchFamily="34" charset="0"/>
               </a:rPr>
-              <a:t>2.1. Xây </a:t>
-            </a:r>
-            <a:r>
-              <a:rPr lang="en-US" sz="2400" err="1">
-                <a:solidFill>
-                  <a:schemeClr val="tx1"/>
-                </a:solidFill>
-                <a:latin typeface="Arial" panose="020B0604020202020204" pitchFamily="34" charset="0"/>
-                <a:cs typeface="Arial" panose="020B0604020202020204" pitchFamily="34" charset="0"/>
-              </a:rPr>
-              <a:t>dựng</a:t>
-            </a:r>
-            <a:r>
-              <a:rPr lang="en-US" sz="2400">
-                <a:solidFill>
-                  <a:schemeClr val="tx1"/>
-                </a:solidFill>
-                <a:latin typeface="Arial" panose="020B0604020202020204" pitchFamily="34" charset="0"/>
-                <a:cs typeface="Arial" panose="020B0604020202020204" pitchFamily="34" charset="0"/>
-              </a:rPr>
-              <a:t> </a:t>
-            </a:r>
-            <a:r>
-              <a:rPr lang="en-US" sz="2400" err="1">
-                <a:solidFill>
-                  <a:schemeClr val="tx1"/>
-                </a:solidFill>
-                <a:latin typeface="Arial" panose="020B0604020202020204" pitchFamily="34" charset="0"/>
-                <a:cs typeface="Arial" panose="020B0604020202020204" pitchFamily="34" charset="0"/>
-              </a:rPr>
-              <a:t>hàm</a:t>
-            </a:r>
-            <a:r>
-              <a:rPr lang="en-US" sz="2400">
-                <a:solidFill>
-                  <a:schemeClr val="tx1"/>
-                </a:solidFill>
-                <a:latin typeface="Arial" panose="020B0604020202020204" pitchFamily="34" charset="0"/>
-                <a:cs typeface="Arial" panose="020B0604020202020204" pitchFamily="34" charset="0"/>
-              </a:rPr>
-              <a:t> l</a:t>
+              <a:t>2.1. Hàm l</a:t>
             </a:r>
             <a:r>
               <a:rPr lang="vi-VN" sz="2400">
@@ -10434,285 +8034,7 @@
                 <a:latin typeface="Arial" panose="020B0604020202020204" pitchFamily="34" charset="0"/>
                 <a:cs typeface="Arial" panose="020B0604020202020204" pitchFamily="34" charset="0"/>
               </a:rPr>
-              <a:t> Alpha – Beta </a:t>
-            </a:r>
-            <a:r>
-              <a:rPr lang="en-US" sz="2400" err="1">
-                <a:solidFill>
-                  <a:schemeClr val="tx1"/>
-                </a:solidFill>
-                <a:latin typeface="Arial" panose="020B0604020202020204" pitchFamily="34" charset="0"/>
-                <a:cs typeface="Arial" panose="020B0604020202020204" pitchFamily="34" charset="0"/>
-              </a:rPr>
-              <a:t>để</a:t>
-            </a:r>
-            <a:r>
-              <a:rPr lang="en-US" sz="2400">
-                <a:solidFill>
-                  <a:schemeClr val="tx1"/>
-                </a:solidFill>
-                <a:latin typeface="Arial" panose="020B0604020202020204" pitchFamily="34" charset="0"/>
-                <a:cs typeface="Arial" panose="020B0604020202020204" pitchFamily="34" charset="0"/>
-              </a:rPr>
-              <a:t> </a:t>
-            </a:r>
-            <a:r>
-              <a:rPr lang="en-US" sz="2400" err="1">
-                <a:solidFill>
-                  <a:schemeClr val="tx1"/>
-                </a:solidFill>
-                <a:latin typeface="Arial" panose="020B0604020202020204" pitchFamily="34" charset="0"/>
-                <a:cs typeface="Arial" panose="020B0604020202020204" pitchFamily="34" charset="0"/>
-              </a:rPr>
-              <a:t>tìm</a:t>
-            </a:r>
-            <a:r>
-              <a:rPr lang="en-US" sz="2400">
-                <a:solidFill>
-                  <a:schemeClr val="tx1"/>
-                </a:solidFill>
-                <a:latin typeface="Arial" panose="020B0604020202020204" pitchFamily="34" charset="0"/>
-                <a:cs typeface="Arial" panose="020B0604020202020204" pitchFamily="34" charset="0"/>
-              </a:rPr>
-              <a:t> n</a:t>
-            </a:r>
-            <a:r>
-              <a:rPr lang="vi-VN" sz="2400">
-                <a:solidFill>
-                  <a:schemeClr val="tx1"/>
-                </a:solidFill>
-                <a:latin typeface="Arial" panose="020B0604020202020204" pitchFamily="34" charset="0"/>
-                <a:cs typeface="Arial" panose="020B0604020202020204" pitchFamily="34" charset="0"/>
-              </a:rPr>
-              <a:t>ư</a:t>
-            </a:r>
-            <a:r>
-              <a:rPr lang="en-US" sz="2400" err="1">
-                <a:solidFill>
-                  <a:schemeClr val="tx1"/>
-                </a:solidFill>
-                <a:latin typeface="Arial" panose="020B0604020202020204" pitchFamily="34" charset="0"/>
-                <a:cs typeface="Arial" panose="020B0604020202020204" pitchFamily="34" charset="0"/>
-              </a:rPr>
-              <a:t>ớc</a:t>
-            </a:r>
-            <a:r>
-              <a:rPr lang="en-US" sz="2400">
-                <a:solidFill>
-                  <a:schemeClr val="tx1"/>
-                </a:solidFill>
-                <a:latin typeface="Arial" panose="020B0604020202020204" pitchFamily="34" charset="0"/>
-                <a:cs typeface="Arial" panose="020B0604020202020204" pitchFamily="34" charset="0"/>
-              </a:rPr>
-              <a:t> </a:t>
-            </a:r>
-            <a:r>
-              <a:rPr lang="en-US" sz="2400" err="1">
-                <a:solidFill>
-                  <a:schemeClr val="tx1"/>
-                </a:solidFill>
-                <a:latin typeface="Arial" panose="020B0604020202020204" pitchFamily="34" charset="0"/>
-                <a:cs typeface="Arial" panose="020B0604020202020204" pitchFamily="34" charset="0"/>
-              </a:rPr>
-              <a:t>đi</a:t>
-            </a:r>
-            <a:r>
-              <a:rPr lang="en-US" sz="2400">
-                <a:solidFill>
-                  <a:schemeClr val="tx1"/>
-                </a:solidFill>
-                <a:latin typeface="Arial" panose="020B0604020202020204" pitchFamily="34" charset="0"/>
-                <a:cs typeface="Arial" panose="020B0604020202020204" pitchFamily="34" charset="0"/>
-              </a:rPr>
-              <a:t> </a:t>
-            </a:r>
-            <a:r>
-              <a:rPr lang="en-US" sz="2400" err="1">
-                <a:solidFill>
-                  <a:schemeClr val="tx1"/>
-                </a:solidFill>
-                <a:latin typeface="Arial" panose="020B0604020202020204" pitchFamily="34" charset="0"/>
-                <a:cs typeface="Arial" panose="020B0604020202020204" pitchFamily="34" charset="0"/>
-              </a:rPr>
-              <a:t>tối</a:t>
-            </a:r>
-            <a:r>
-              <a:rPr lang="en-US" sz="2400">
-                <a:solidFill>
-                  <a:schemeClr val="tx1"/>
-                </a:solidFill>
-                <a:latin typeface="Arial" panose="020B0604020202020204" pitchFamily="34" charset="0"/>
-                <a:cs typeface="Arial" panose="020B0604020202020204" pitchFamily="34" charset="0"/>
-              </a:rPr>
-              <a:t> </a:t>
-            </a:r>
-            <a:r>
-              <a:rPr lang="vi-VN" sz="2400">
-                <a:solidFill>
-                  <a:schemeClr val="tx1"/>
-                </a:solidFill>
-                <a:latin typeface="Arial" panose="020B0604020202020204" pitchFamily="34" charset="0"/>
-                <a:cs typeface="Arial" panose="020B0604020202020204" pitchFamily="34" charset="0"/>
-              </a:rPr>
-              <a:t>ư</a:t>
-            </a:r>
-            <a:r>
-              <a:rPr lang="en-US" sz="2400">
-                <a:solidFill>
-                  <a:schemeClr val="tx1"/>
-                </a:solidFill>
-                <a:latin typeface="Arial" panose="020B0604020202020204" pitchFamily="34" charset="0"/>
-                <a:cs typeface="Arial" panose="020B0604020202020204" pitchFamily="34" charset="0"/>
-              </a:rPr>
-              <a:t>u</a:t>
-            </a:r>
-          </a:p>
-          <a:p>
-            <a:pPr marL="457200" indent="-457200">
-              <a:buFont typeface="+mj-lt"/>
-              <a:buAutoNum type="arabicPeriod"/>
-            </a:pPr>
-            <a:endParaRPr lang="en-US" sz="2400">
-              <a:solidFill>
-                <a:schemeClr val="tx1"/>
-              </a:solidFill>
-              <a:latin typeface="Arial" panose="020B0604020202020204" pitchFamily="34" charset="0"/>
-              <a:cs typeface="Arial" panose="020B0604020202020204" pitchFamily="34" charset="0"/>
-            </a:endParaRPr>
-          </a:p>
-          <a:p>
-            <a:pPr marL="0" indent="0">
-              <a:buNone/>
-            </a:pPr>
-            <a:r>
-              <a:rPr lang="en-US" sz="2400">
-                <a:solidFill>
-                  <a:schemeClr val="tx1"/>
-                </a:solidFill>
-                <a:latin typeface="Arial" panose="020B0604020202020204" pitchFamily="34" charset="0"/>
-                <a:cs typeface="Arial" panose="020B0604020202020204" pitchFamily="34" charset="0"/>
-              </a:rPr>
-              <a:t>2.5. Bảng so </a:t>
-            </a:r>
-            <a:r>
-              <a:rPr lang="en-US" sz="2400" err="1">
-                <a:solidFill>
-                  <a:schemeClr val="tx1"/>
-                </a:solidFill>
-                <a:latin typeface="Arial" panose="020B0604020202020204" pitchFamily="34" charset="0"/>
-                <a:cs typeface="Arial" panose="020B0604020202020204" pitchFamily="34" charset="0"/>
-              </a:rPr>
-              <a:t>sánh</a:t>
-            </a:r>
-            <a:r>
-              <a:rPr lang="en-US" sz="2400">
-                <a:solidFill>
-                  <a:schemeClr val="tx1"/>
-                </a:solidFill>
-                <a:latin typeface="Arial" panose="020B0604020202020204" pitchFamily="34" charset="0"/>
-                <a:cs typeface="Arial" panose="020B0604020202020204" pitchFamily="34" charset="0"/>
-              </a:rPr>
-              <a:t> </a:t>
-            </a:r>
-            <a:r>
-              <a:rPr lang="en-US" sz="2400" err="1">
-                <a:solidFill>
-                  <a:schemeClr val="tx1"/>
-                </a:solidFill>
-                <a:latin typeface="Arial" panose="020B0604020202020204" pitchFamily="34" charset="0"/>
-                <a:cs typeface="Arial" panose="020B0604020202020204" pitchFamily="34" charset="0"/>
-              </a:rPr>
-              <a:t>số</a:t>
-            </a:r>
-            <a:r>
-              <a:rPr lang="en-US" sz="2400">
-                <a:solidFill>
-                  <a:schemeClr val="tx1"/>
-                </a:solidFill>
-                <a:latin typeface="Arial" panose="020B0604020202020204" pitchFamily="34" charset="0"/>
-                <a:cs typeface="Arial" panose="020B0604020202020204" pitchFamily="34" charset="0"/>
-              </a:rPr>
-              <a:t> node </a:t>
-            </a:r>
-            <a:r>
-              <a:rPr lang="en-US" sz="2400" err="1">
-                <a:solidFill>
-                  <a:schemeClr val="tx1"/>
-                </a:solidFill>
-                <a:latin typeface="Arial" panose="020B0604020202020204" pitchFamily="34" charset="0"/>
-                <a:cs typeface="Arial" panose="020B0604020202020204" pitchFamily="34" charset="0"/>
-              </a:rPr>
-              <a:t>của</a:t>
-            </a:r>
-            <a:r>
-              <a:rPr lang="en-US" sz="2400">
-                <a:solidFill>
-                  <a:schemeClr val="tx1"/>
-                </a:solidFill>
-                <a:latin typeface="Arial" panose="020B0604020202020204" pitchFamily="34" charset="0"/>
-                <a:cs typeface="Arial" panose="020B0604020202020204" pitchFamily="34" charset="0"/>
-              </a:rPr>
-              <a:t> </a:t>
-            </a:r>
-            <a:r>
-              <a:rPr lang="en-US" sz="2400" err="1">
-                <a:solidFill>
-                  <a:schemeClr val="tx1"/>
-                </a:solidFill>
-                <a:latin typeface="Arial" panose="020B0604020202020204" pitchFamily="34" charset="0"/>
-                <a:cs typeface="Arial" panose="020B0604020202020204" pitchFamily="34" charset="0"/>
-              </a:rPr>
-              <a:t>giải</a:t>
-            </a:r>
-            <a:r>
-              <a:rPr lang="en-US" sz="2400">
-                <a:solidFill>
-                  <a:schemeClr val="tx1"/>
-                </a:solidFill>
-                <a:latin typeface="Arial" panose="020B0604020202020204" pitchFamily="34" charset="0"/>
-                <a:cs typeface="Arial" panose="020B0604020202020204" pitchFamily="34" charset="0"/>
-              </a:rPr>
-              <a:t> </a:t>
-            </a:r>
-            <a:r>
-              <a:rPr lang="en-US" sz="2400" err="1">
-                <a:solidFill>
-                  <a:schemeClr val="tx1"/>
-                </a:solidFill>
-                <a:latin typeface="Arial" panose="020B0604020202020204" pitchFamily="34" charset="0"/>
-                <a:cs typeface="Arial" panose="020B0604020202020204" pitchFamily="34" charset="0"/>
-              </a:rPr>
-              <a:t>thuật</a:t>
-            </a:r>
-            <a:r>
-              <a:rPr lang="en-US" sz="2400">
-                <a:solidFill>
-                  <a:schemeClr val="tx1"/>
-                </a:solidFill>
-                <a:latin typeface="Arial" panose="020B0604020202020204" pitchFamily="34" charset="0"/>
-                <a:cs typeface="Arial" panose="020B0604020202020204" pitchFamily="34" charset="0"/>
-              </a:rPr>
-              <a:t> MINIMAX </a:t>
-            </a:r>
-            <a:r>
-              <a:rPr lang="en-US" sz="2400" err="1">
-                <a:solidFill>
-                  <a:schemeClr val="tx1"/>
-                </a:solidFill>
-                <a:latin typeface="Arial" panose="020B0604020202020204" pitchFamily="34" charset="0"/>
-                <a:cs typeface="Arial" panose="020B0604020202020204" pitchFamily="34" charset="0"/>
-              </a:rPr>
-              <a:t>và</a:t>
-            </a:r>
-            <a:r>
-              <a:rPr lang="en-US" sz="2400">
-                <a:solidFill>
-                  <a:schemeClr val="tx1"/>
-                </a:solidFill>
-                <a:latin typeface="Arial" panose="020B0604020202020204" pitchFamily="34" charset="0"/>
-                <a:cs typeface="Arial" panose="020B0604020202020204" pitchFamily="34" charset="0"/>
-              </a:rPr>
-              <a:t> ALPHA-BETA</a:t>
+              <a:t> Alpha – Beta</a:t>
             </a:r>
           </a:p>
         </p:txBody>
@@ -10773,35 +8095,7 @@
                 <a:latin typeface="Arial" panose="020B0604020202020204" pitchFamily="34" charset="0"/>
                 <a:cs typeface="Arial" panose="020B0604020202020204" pitchFamily="34" charset="0"/>
               </a:rPr>
-              <a:t>2.1. Xây </a:t>
-            </a:r>
-            <a:r>
-              <a:rPr lang="en-US" err="1">
-                <a:latin typeface="Arial" panose="020B0604020202020204" pitchFamily="34" charset="0"/>
-                <a:cs typeface="Arial" panose="020B0604020202020204" pitchFamily="34" charset="0"/>
-              </a:rPr>
-              <a:t>dựng</a:t>
-            </a:r>
-            <a:r>
-              <a:rPr lang="en-US">
-                <a:latin typeface="Arial" panose="020B0604020202020204" pitchFamily="34" charset="0"/>
-                <a:cs typeface="Arial" panose="020B0604020202020204" pitchFamily="34" charset="0"/>
-              </a:rPr>
-              <a:t> </a:t>
-            </a:r>
-            <a:r>
-              <a:rPr lang="en-US" err="1">
-                <a:latin typeface="Arial" panose="020B0604020202020204" pitchFamily="34" charset="0"/>
-                <a:cs typeface="Arial" panose="020B0604020202020204" pitchFamily="34" charset="0"/>
-              </a:rPr>
-              <a:t>hàm</a:t>
-            </a:r>
-            <a:r>
-              <a:rPr lang="en-US">
-                <a:latin typeface="Arial" panose="020B0604020202020204" pitchFamily="34" charset="0"/>
-                <a:cs typeface="Arial" panose="020B0604020202020204" pitchFamily="34" charset="0"/>
-              </a:rPr>
-              <a:t> l</a:t>
+              <a:t>2.1. Hàm l</a:t>
             </a:r>
             <a:r>
               <a:rPr lang="vi-VN">
@@ -12384,35 +9678,7 @@
                 <a:latin typeface="Arial" panose="020B0604020202020204" pitchFamily="34" charset="0"/>
                 <a:cs typeface="Arial" panose="020B0604020202020204" pitchFamily="34" charset="0"/>
               </a:rPr>
-              <a:t>2.1. Xây </a:t>
-            </a:r>
-            <a:r>
-              <a:rPr lang="en-US" err="1">
-                <a:latin typeface="Arial" panose="020B0604020202020204" pitchFamily="34" charset="0"/>
-                <a:cs typeface="Arial" panose="020B0604020202020204" pitchFamily="34" charset="0"/>
-              </a:rPr>
-              <a:t>dựng</a:t>
-            </a:r>
-            <a:r>
-              <a:rPr lang="en-US">
-                <a:latin typeface="Arial" panose="020B0604020202020204" pitchFamily="34" charset="0"/>
-                <a:cs typeface="Arial" panose="020B0604020202020204" pitchFamily="34" charset="0"/>
-              </a:rPr>
-              <a:t> </a:t>
-            </a:r>
-            <a:r>
-              <a:rPr lang="en-US" err="1">
-                <a:latin typeface="Arial" panose="020B0604020202020204" pitchFamily="34" charset="0"/>
-                <a:cs typeface="Arial" panose="020B0604020202020204" pitchFamily="34" charset="0"/>
-              </a:rPr>
-              <a:t>hàm</a:t>
-            </a:r>
-            <a:r>
-              <a:rPr lang="en-US">
-                <a:latin typeface="Arial" panose="020B0604020202020204" pitchFamily="34" charset="0"/>
-                <a:cs typeface="Arial" panose="020B0604020202020204" pitchFamily="34" charset="0"/>
-              </a:rPr>
-              <a:t> l</a:t>
+              <a:t>2.1. Hàm l</a:t>
             </a:r>
             <a:r>
               <a:rPr lang="vi-VN">
@@ -13020,27 +10286,7 @@
                 <a:latin typeface="Arial" panose="020B0604020202020204" pitchFamily="34" charset="0"/>
                 <a:cs typeface="Arial" panose="020B0604020202020204" pitchFamily="34" charset="0"/>
               </a:rPr>
-              <a:t> </a:t>
-            </a:r>
-            <a:r>
-              <a:rPr lang="en-US" sz="2800" err="1">
-                <a:solidFill>
-                  <a:schemeClr val="tx1"/>
-                </a:solidFill>
-                <a:latin typeface="Arial" panose="020B0604020202020204" pitchFamily="34" charset="0"/>
-                <a:cs typeface="Arial" panose="020B0604020202020204" pitchFamily="34" charset="0"/>
-              </a:rPr>
-              <a:t>đo</a:t>
-            </a:r>
-            <a:r>
-              <a:rPr lang="en-US" sz="2800">
-                <a:solidFill>
-                  <a:schemeClr val="tx1"/>
-                </a:solidFill>
-                <a:latin typeface="Arial" panose="020B0604020202020204" pitchFamily="34" charset="0"/>
-                <a:cs typeface="Arial" panose="020B0604020202020204" pitchFamily="34" charset="0"/>
-              </a:rPr>
-              <a:t>́.</a:t>
+              <a:t> đó.</a:t>
             </a:r>
           </a:p>
           <a:p>
@@ -14421,7 +11667,7 @@
                 <a:latin typeface="Arial" panose="020B0604020202020204" pitchFamily="34" charset="0"/>
                 <a:cs typeface="Arial" panose="020B0604020202020204" pitchFamily="34" charset="0"/>
               </a:rPr>
-              <a:t> có ai </a:t>
+              <a:t> có ai đánh thì </a:t>
             </a:r>
             <a:r>
               <a:rPr lang="en-US" sz="2800" err="1">
@@ -14431,7 +11677,7 @@
                 <a:latin typeface="Arial" panose="020B0604020202020204" pitchFamily="34" charset="0"/>
                 <a:cs typeface="Arial" panose="020B0604020202020204" pitchFamily="34" charset="0"/>
               </a:rPr>
-              <a:t>đánh</a:t>
+              <a:t>dừng</a:t>
             </a:r>
             <a:r>
               <a:rPr lang="en-US" sz="2800">
@@ -14441,7 +11687,7 @@
                 <a:latin typeface="Arial" panose="020B0604020202020204" pitchFamily="34" charset="0"/>
                 <a:cs typeface="Arial" panose="020B0604020202020204" pitchFamily="34" charset="0"/>
               </a:rPr>
-              <a:t> </a:t>
+              <a:t>, </a:t>
             </a:r>
             <a:r>
               <a:rPr lang="en-US" sz="2800" err="1">
@@ -14451,7 +11697,7 @@
                 <a:latin typeface="Arial" panose="020B0604020202020204" pitchFamily="34" charset="0"/>
                 <a:cs typeface="Arial" panose="020B0604020202020204" pitchFamily="34" charset="0"/>
               </a:rPr>
-              <a:t>thi</a:t>
+              <a:t>tăng</a:t>
             </a:r>
             <a:r>
               <a:rPr lang="en-US" sz="2800">
@@ -14461,7 +11707,7 @@
                 <a:latin typeface="Arial" panose="020B0604020202020204" pitchFamily="34" charset="0"/>
                 <a:cs typeface="Arial" panose="020B0604020202020204" pitchFamily="34" charset="0"/>
               </a:rPr>
-              <a:t>̀ </a:t>
+              <a:t> chỉ </a:t>
             </a:r>
             <a:r>
               <a:rPr lang="en-US" sz="2800" err="1">
@@ -14471,7 +11717,7 @@
                 <a:latin typeface="Arial" panose="020B0604020202020204" pitchFamily="34" charset="0"/>
                 <a:cs typeface="Arial" panose="020B0604020202020204" pitchFamily="34" charset="0"/>
               </a:rPr>
-              <a:t>dừng</a:t>
+              <a:t>sô</a:t>
             </a:r>
             <a:r>
               <a:rPr lang="en-US" sz="2800">
@@ -14481,7 +11727,7 @@
                 <a:latin typeface="Arial" panose="020B0604020202020204" pitchFamily="34" charset="0"/>
                 <a:cs typeface="Arial" panose="020B0604020202020204" pitchFamily="34" charset="0"/>
               </a:rPr>
-              <a:t>, </a:t>
+              <a:t>́ </a:t>
             </a:r>
             <a:r>
               <a:rPr lang="en-US" sz="2800" err="1">
@@ -14491,7 +11737,7 @@
                 <a:latin typeface="Arial" panose="020B0604020202020204" pitchFamily="34" charset="0"/>
                 <a:cs typeface="Arial" panose="020B0604020202020204" pitchFamily="34" charset="0"/>
               </a:rPr>
-              <a:t>tăng</a:t>
+              <a:t>phòng</a:t>
             </a:r>
             <a:r>
               <a:rPr lang="en-US" sz="2800">
@@ -14501,7 +11747,7 @@
                 <a:latin typeface="Arial" panose="020B0604020202020204" pitchFamily="34" charset="0"/>
                 <a:cs typeface="Arial" panose="020B0604020202020204" pitchFamily="34" charset="0"/>
               </a:rPr>
-              <a:t> chỉ </a:t>
+              <a:t> </a:t>
             </a:r>
             <a:r>
               <a:rPr lang="en-US" sz="2800" err="1">
@@ -14511,7 +11757,7 @@
                 <a:latin typeface="Arial" panose="020B0604020202020204" pitchFamily="34" charset="0"/>
                 <a:cs typeface="Arial" panose="020B0604020202020204" pitchFamily="34" charset="0"/>
               </a:rPr>
-              <a:t>sô</a:t>
+              <a:t>ngư</a:t>
             </a:r>
             <a:r>
               <a:rPr lang="en-US" sz="2800">
@@ -14521,7 +11767,7 @@
                 <a:latin typeface="Arial" panose="020B0604020202020204" pitchFamily="34" charset="0"/>
                 <a:cs typeface="Arial" panose="020B0604020202020204" pitchFamily="34" charset="0"/>
               </a:rPr>
-              <a:t>́ </a:t>
+              <a:t>̣ </a:t>
             </a:r>
             <a:r>
               <a:rPr lang="en-US" sz="2800" err="1">
@@ -14531,7 +11777,7 @@
                 <a:latin typeface="Arial" panose="020B0604020202020204" pitchFamily="34" charset="0"/>
                 <a:cs typeface="Arial" panose="020B0604020202020204" pitchFamily="34" charset="0"/>
               </a:rPr>
-              <a:t>phòng</a:t>
+              <a:t>thêm</a:t>
             </a:r>
             <a:r>
               <a:rPr lang="en-US" sz="2800">
@@ -14541,7 +11787,7 @@
                 <a:latin typeface="Arial" panose="020B0604020202020204" pitchFamily="34" charset="0"/>
                 <a:cs typeface="Arial" panose="020B0604020202020204" pitchFamily="34" charset="0"/>
               </a:rPr>
-              <a:t> </a:t>
+              <a:t> 1 </a:t>
             </a:r>
             <a:r>
               <a:rPr lang="en-US" sz="2800" err="1">
@@ -14551,7 +11797,7 @@
                 <a:latin typeface="Arial" panose="020B0604020202020204" pitchFamily="34" charset="0"/>
                 <a:cs typeface="Arial" panose="020B0604020202020204" pitchFamily="34" charset="0"/>
               </a:rPr>
-              <a:t>ngư</a:t>
+              <a:t>đơn</a:t>
             </a:r>
             <a:r>
               <a:rPr lang="en-US" sz="2800">
@@ -14561,87 +11807,7 @@
                 <a:latin typeface="Arial" panose="020B0604020202020204" pitchFamily="34" charset="0"/>
                 <a:cs typeface="Arial" panose="020B0604020202020204" pitchFamily="34" charset="0"/>
               </a:rPr>
-              <a:t>̣ </a:t>
-            </a:r>
-            <a:r>
-              <a:rPr lang="en-US" sz="2800" err="1">
-                <a:solidFill>
-                  <a:schemeClr val="tx1"/>
-                </a:solidFill>
-                <a:latin typeface="Arial" panose="020B0604020202020204" pitchFamily="34" charset="0"/>
-                <a:cs typeface="Arial" panose="020B0604020202020204" pitchFamily="34" charset="0"/>
-              </a:rPr>
-              <a:t>thêm</a:t>
-            </a:r>
-            <a:r>
-              <a:rPr lang="en-US" sz="2800">
-                <a:solidFill>
-                  <a:schemeClr val="tx1"/>
-                </a:solidFill>
-                <a:latin typeface="Arial" panose="020B0604020202020204" pitchFamily="34" charset="0"/>
-                <a:cs typeface="Arial" panose="020B0604020202020204" pitchFamily="34" charset="0"/>
-              </a:rPr>
-              <a:t> 1 </a:t>
-            </a:r>
-            <a:r>
-              <a:rPr lang="en-US" sz="2800" err="1">
-                <a:solidFill>
-                  <a:schemeClr val="tx1"/>
-                </a:solidFill>
-                <a:latin typeface="Arial" panose="020B0604020202020204" pitchFamily="34" charset="0"/>
-                <a:cs typeface="Arial" panose="020B0604020202020204" pitchFamily="34" charset="0"/>
-              </a:rPr>
-              <a:t>đơn</a:t>
-            </a:r>
-            <a:r>
-              <a:rPr lang="en-US" sz="2800">
-                <a:solidFill>
-                  <a:schemeClr val="tx1"/>
-                </a:solidFill>
-                <a:latin typeface="Arial" panose="020B0604020202020204" pitchFamily="34" charset="0"/>
-                <a:cs typeface="Arial" panose="020B0604020202020204" pitchFamily="34" charset="0"/>
-              </a:rPr>
-              <a:t> vị </a:t>
-            </a:r>
-            <a:r>
-              <a:rPr lang="en-US" sz="2800" err="1">
-                <a:solidFill>
-                  <a:schemeClr val="tx1"/>
-                </a:solidFill>
-                <a:latin typeface="Arial" panose="020B0604020202020204" pitchFamily="34" charset="0"/>
-                <a:cs typeface="Arial" panose="020B0604020202020204" pitchFamily="34" charset="0"/>
-              </a:rPr>
-              <a:t>va</a:t>
-            </a:r>
-            <a:r>
-              <a:rPr lang="en-US" sz="2800">
-                <a:solidFill>
-                  <a:schemeClr val="tx1"/>
-                </a:solidFill>
-                <a:latin typeface="Arial" panose="020B0604020202020204" pitchFamily="34" charset="0"/>
-                <a:cs typeface="Arial" panose="020B0604020202020204" pitchFamily="34" charset="0"/>
-              </a:rPr>
-              <a:t>̀ </a:t>
-            </a:r>
-            <a:r>
-              <a:rPr lang="en-US" sz="2800" err="1">
-                <a:solidFill>
-                  <a:schemeClr val="tx1"/>
-                </a:solidFill>
-                <a:latin typeface="Arial" panose="020B0604020202020204" pitchFamily="34" charset="0"/>
-                <a:cs typeface="Arial" panose="020B0604020202020204" pitchFamily="34" charset="0"/>
-              </a:rPr>
-              <a:t>chuyển</a:t>
-            </a:r>
-            <a:r>
-              <a:rPr lang="en-US" sz="2800">
-                <a:solidFill>
-                  <a:schemeClr val="tx1"/>
-                </a:solidFill>
-                <a:latin typeface="Arial" panose="020B0604020202020204" pitchFamily="34" charset="0"/>
-                <a:cs typeface="Arial" panose="020B0604020202020204" pitchFamily="34" charset="0"/>
-              </a:rPr>
-              <a:t> sang </a:t>
+              <a:t> vị và chuyển sang </a:t>
             </a:r>
             <a:r>
               <a:rPr lang="en-US" sz="2800" err="1">
